--- a/Millennials and Savings.pptx
+++ b/Millennials and Savings.pptx
@@ -4,13 +4,15 @@
   <p:sldMasterIdLst>
     <p:sldMasterId id="2147483840" r:id="rId1"/>
   </p:sldMasterIdLst>
+  <p:notesMasterIdLst>
+    <p:notesMasterId r:id="rId7"/>
+  </p:notesMasterIdLst>
   <p:sldIdLst>
     <p:sldId id="256" r:id="rId2"/>
     <p:sldId id="259" r:id="rId3"/>
     <p:sldId id="258" r:id="rId4"/>
-    <p:sldId id="260" r:id="rId5"/>
-    <p:sldId id="261" r:id="rId6"/>
-    <p:sldId id="262" r:id="rId7"/>
+    <p:sldId id="261" r:id="rId5"/>
+    <p:sldId id="260" r:id="rId6"/>
   </p:sldIdLst>
   <p:sldSz cx="12192000" cy="6858000"/>
   <p:notesSz cx="6858000" cy="9144000"/>
@@ -109,7 +111,466 @@
       </a:defRPr>
     </a:lvl9pPr>
   </p:defaultTextStyle>
+  <p:extLst>
+    <p:ext uri="{EFAFB233-063F-42B5-8137-9DF3F51BA10A}">
+      <p15:sldGuideLst xmlns:p15="http://schemas.microsoft.com/office/powerpoint/2012/main"/>
+    </p:ext>
+  </p:extLst>
 </p:presentation>
+</file>
+
+<file path=ppt/notesMasters/notesMaster1.xml><?xml version="1.0" encoding="utf-8"?>
+<p:notesMaster xmlns:a="http://schemas.openxmlformats.org/drawingml/2006/main" xmlns:r="http://schemas.openxmlformats.org/officeDocument/2006/relationships" xmlns:p="http://schemas.openxmlformats.org/presentationml/2006/main">
+  <p:cSld>
+    <p:bg>
+      <p:bgRef idx="1001">
+        <a:schemeClr val="bg1"/>
+      </p:bgRef>
+    </p:bg>
+    <p:spTree>
+      <p:nvGrpSpPr>
+        <p:cNvPr id="1" name=""/>
+        <p:cNvGrpSpPr/>
+        <p:nvPr/>
+      </p:nvGrpSpPr>
+      <p:grpSpPr>
+        <a:xfrm>
+          <a:off x="0" y="0"/>
+          <a:ext cx="0" cy="0"/>
+          <a:chOff x="0" y="0"/>
+          <a:chExt cx="0" cy="0"/>
+        </a:xfrm>
+      </p:grpSpPr>
+      <p:sp>
+        <p:nvSpPr>
+          <p:cNvPr id="2" name="Header Placeholder 1"/>
+          <p:cNvSpPr>
+            <a:spLocks noGrp="1"/>
+          </p:cNvSpPr>
+          <p:nvPr>
+            <p:ph type="hdr" sz="quarter"/>
+          </p:nvPr>
+        </p:nvSpPr>
+        <p:spPr>
+          <a:xfrm>
+            <a:off x="0" y="0"/>
+            <a:ext cx="2971800" cy="458788"/>
+          </a:xfrm>
+          <a:prstGeom prst="rect">
+            <a:avLst/>
+          </a:prstGeom>
+        </p:spPr>
+        <p:txBody>
+          <a:bodyPr vert="horz" lIns="91440" tIns="45720" rIns="91440" bIns="45720" rtlCol="0"/>
+          <a:lstStyle>
+            <a:lvl1pPr algn="l">
+              <a:defRPr sz="1200"/>
+            </a:lvl1pPr>
+          </a:lstStyle>
+          <a:p>
+            <a:endParaRPr lang="en-US"/>
+          </a:p>
+        </p:txBody>
+      </p:sp>
+      <p:sp>
+        <p:nvSpPr>
+          <p:cNvPr id="3" name="Date Placeholder 2"/>
+          <p:cNvSpPr>
+            <a:spLocks noGrp="1"/>
+          </p:cNvSpPr>
+          <p:nvPr>
+            <p:ph type="dt" idx="1"/>
+          </p:nvPr>
+        </p:nvSpPr>
+        <p:spPr>
+          <a:xfrm>
+            <a:off x="3884613" y="0"/>
+            <a:ext cx="2971800" cy="458788"/>
+          </a:xfrm>
+          <a:prstGeom prst="rect">
+            <a:avLst/>
+          </a:prstGeom>
+        </p:spPr>
+        <p:txBody>
+          <a:bodyPr vert="horz" lIns="91440" tIns="45720" rIns="91440" bIns="45720" rtlCol="0"/>
+          <a:lstStyle>
+            <a:lvl1pPr algn="r">
+              <a:defRPr sz="1200"/>
+            </a:lvl1pPr>
+          </a:lstStyle>
+          <a:p>
+            <a:fld id="{581ACD07-70AD-4744-B9AD-2D1E05B3F60B}" type="datetimeFigureOut">
+              <a:rPr lang="en-US" smtClean="0"/>
+              <a:t>4/26/2019</a:t>
+            </a:fld>
+            <a:endParaRPr lang="en-US"/>
+          </a:p>
+        </p:txBody>
+      </p:sp>
+      <p:sp>
+        <p:nvSpPr>
+          <p:cNvPr id="4" name="Slide Image Placeholder 3"/>
+          <p:cNvSpPr>
+            <a:spLocks noGrp="1" noRot="1" noChangeAspect="1"/>
+          </p:cNvSpPr>
+          <p:nvPr>
+            <p:ph type="sldImg" idx="2"/>
+          </p:nvPr>
+        </p:nvSpPr>
+        <p:spPr>
+          <a:xfrm>
+            <a:off x="685800" y="1143000"/>
+            <a:ext cx="5486400" cy="3086100"/>
+          </a:xfrm>
+          <a:prstGeom prst="rect">
+            <a:avLst/>
+          </a:prstGeom>
+          <a:noFill/>
+          <a:ln w="12700">
+            <a:solidFill>
+              <a:prstClr val="black"/>
+            </a:solidFill>
+          </a:ln>
+        </p:spPr>
+        <p:txBody>
+          <a:bodyPr vert="horz" lIns="91440" tIns="45720" rIns="91440" bIns="45720" rtlCol="0" anchor="ctr"/>
+          <a:lstStyle/>
+          <a:p>
+            <a:endParaRPr lang="en-US"/>
+          </a:p>
+        </p:txBody>
+      </p:sp>
+      <p:sp>
+        <p:nvSpPr>
+          <p:cNvPr id="5" name="Notes Placeholder 4"/>
+          <p:cNvSpPr>
+            <a:spLocks noGrp="1"/>
+          </p:cNvSpPr>
+          <p:nvPr>
+            <p:ph type="body" sz="quarter" idx="3"/>
+          </p:nvPr>
+        </p:nvSpPr>
+        <p:spPr>
+          <a:xfrm>
+            <a:off x="685800" y="4400550"/>
+            <a:ext cx="5486400" cy="3600450"/>
+          </a:xfrm>
+          <a:prstGeom prst="rect">
+            <a:avLst/>
+          </a:prstGeom>
+        </p:spPr>
+        <p:txBody>
+          <a:bodyPr vert="horz" lIns="91440" tIns="45720" rIns="91440" bIns="45720" rtlCol="0"/>
+          <a:lstStyle/>
+          <a:p>
+            <a:pPr lvl="0"/>
+            <a:r>
+              <a:rPr lang="en-US"/>
+              <a:t>Click to edit Master text styles</a:t>
+            </a:r>
+          </a:p>
+          <a:p>
+            <a:pPr lvl="1"/>
+            <a:r>
+              <a:rPr lang="en-US"/>
+              <a:t>Second level</a:t>
+            </a:r>
+          </a:p>
+          <a:p>
+            <a:pPr lvl="2"/>
+            <a:r>
+              <a:rPr lang="en-US"/>
+              <a:t>Third level</a:t>
+            </a:r>
+          </a:p>
+          <a:p>
+            <a:pPr lvl="3"/>
+            <a:r>
+              <a:rPr lang="en-US"/>
+              <a:t>Fourth level</a:t>
+            </a:r>
+          </a:p>
+          <a:p>
+            <a:pPr lvl="4"/>
+            <a:r>
+              <a:rPr lang="en-US"/>
+              <a:t>Fifth level</a:t>
+            </a:r>
+          </a:p>
+        </p:txBody>
+      </p:sp>
+      <p:sp>
+        <p:nvSpPr>
+          <p:cNvPr id="6" name="Footer Placeholder 5"/>
+          <p:cNvSpPr>
+            <a:spLocks noGrp="1"/>
+          </p:cNvSpPr>
+          <p:nvPr>
+            <p:ph type="ftr" sz="quarter" idx="4"/>
+          </p:nvPr>
+        </p:nvSpPr>
+        <p:spPr>
+          <a:xfrm>
+            <a:off x="0" y="8685213"/>
+            <a:ext cx="2971800" cy="458787"/>
+          </a:xfrm>
+          <a:prstGeom prst="rect">
+            <a:avLst/>
+          </a:prstGeom>
+        </p:spPr>
+        <p:txBody>
+          <a:bodyPr vert="horz" lIns="91440" tIns="45720" rIns="91440" bIns="45720" rtlCol="0" anchor="b"/>
+          <a:lstStyle>
+            <a:lvl1pPr algn="l">
+              <a:defRPr sz="1200"/>
+            </a:lvl1pPr>
+          </a:lstStyle>
+          <a:p>
+            <a:endParaRPr lang="en-US"/>
+          </a:p>
+        </p:txBody>
+      </p:sp>
+      <p:sp>
+        <p:nvSpPr>
+          <p:cNvPr id="7" name="Slide Number Placeholder 6"/>
+          <p:cNvSpPr>
+            <a:spLocks noGrp="1"/>
+          </p:cNvSpPr>
+          <p:nvPr>
+            <p:ph type="sldNum" sz="quarter" idx="5"/>
+          </p:nvPr>
+        </p:nvSpPr>
+        <p:spPr>
+          <a:xfrm>
+            <a:off x="3884613" y="8685213"/>
+            <a:ext cx="2971800" cy="458787"/>
+          </a:xfrm>
+          <a:prstGeom prst="rect">
+            <a:avLst/>
+          </a:prstGeom>
+        </p:spPr>
+        <p:txBody>
+          <a:bodyPr vert="horz" lIns="91440" tIns="45720" rIns="91440" bIns="45720" rtlCol="0" anchor="b"/>
+          <a:lstStyle>
+            <a:lvl1pPr algn="r">
+              <a:defRPr sz="1200"/>
+            </a:lvl1pPr>
+          </a:lstStyle>
+          <a:p>
+            <a:fld id="{77B0B888-3C58-4637-93E8-2DACE7680DE8}" type="slidenum">
+              <a:rPr lang="en-US" smtClean="0"/>
+              <a:t>‹#›</a:t>
+            </a:fld>
+            <a:endParaRPr lang="en-US"/>
+          </a:p>
+        </p:txBody>
+      </p:sp>
+    </p:spTree>
+    <p:extLst>
+      <p:ext uri="{BB962C8B-B14F-4D97-AF65-F5344CB8AC3E}">
+        <p14:creationId xmlns:p14="http://schemas.microsoft.com/office/powerpoint/2010/main" val="1916184067"/>
+      </p:ext>
+    </p:extLst>
+  </p:cSld>
+  <p:clrMap bg1="lt1" tx1="dk1" bg2="lt2" tx2="dk2" accent1="accent1" accent2="accent2" accent3="accent3" accent4="accent4" accent5="accent5" accent6="accent6" hlink="hlink" folHlink="folHlink"/>
+  <p:notesStyle>
+    <a:lvl1pPr marL="0" algn="l" defTabSz="914400" rtl="0" eaLnBrk="1" latinLnBrk="0" hangingPunct="1">
+      <a:defRPr sz="1200" kern="1200">
+        <a:solidFill>
+          <a:schemeClr val="tx1"/>
+        </a:solidFill>
+        <a:latin typeface="+mn-lt"/>
+        <a:ea typeface="+mn-ea"/>
+        <a:cs typeface="+mn-cs"/>
+      </a:defRPr>
+    </a:lvl1pPr>
+    <a:lvl2pPr marL="457200" algn="l" defTabSz="914400" rtl="0" eaLnBrk="1" latinLnBrk="0" hangingPunct="1">
+      <a:defRPr sz="1200" kern="1200">
+        <a:solidFill>
+          <a:schemeClr val="tx1"/>
+        </a:solidFill>
+        <a:latin typeface="+mn-lt"/>
+        <a:ea typeface="+mn-ea"/>
+        <a:cs typeface="+mn-cs"/>
+      </a:defRPr>
+    </a:lvl2pPr>
+    <a:lvl3pPr marL="914400" algn="l" defTabSz="914400" rtl="0" eaLnBrk="1" latinLnBrk="0" hangingPunct="1">
+      <a:defRPr sz="1200" kern="1200">
+        <a:solidFill>
+          <a:schemeClr val="tx1"/>
+        </a:solidFill>
+        <a:latin typeface="+mn-lt"/>
+        <a:ea typeface="+mn-ea"/>
+        <a:cs typeface="+mn-cs"/>
+      </a:defRPr>
+    </a:lvl3pPr>
+    <a:lvl4pPr marL="1371600" algn="l" defTabSz="914400" rtl="0" eaLnBrk="1" latinLnBrk="0" hangingPunct="1">
+      <a:defRPr sz="1200" kern="1200">
+        <a:solidFill>
+          <a:schemeClr val="tx1"/>
+        </a:solidFill>
+        <a:latin typeface="+mn-lt"/>
+        <a:ea typeface="+mn-ea"/>
+        <a:cs typeface="+mn-cs"/>
+      </a:defRPr>
+    </a:lvl4pPr>
+    <a:lvl5pPr marL="1828800" algn="l" defTabSz="914400" rtl="0" eaLnBrk="1" latinLnBrk="0" hangingPunct="1">
+      <a:defRPr sz="1200" kern="1200">
+        <a:solidFill>
+          <a:schemeClr val="tx1"/>
+        </a:solidFill>
+        <a:latin typeface="+mn-lt"/>
+        <a:ea typeface="+mn-ea"/>
+        <a:cs typeface="+mn-cs"/>
+      </a:defRPr>
+    </a:lvl5pPr>
+    <a:lvl6pPr marL="2286000" algn="l" defTabSz="914400" rtl="0" eaLnBrk="1" latinLnBrk="0" hangingPunct="1">
+      <a:defRPr sz="1200" kern="1200">
+        <a:solidFill>
+          <a:schemeClr val="tx1"/>
+        </a:solidFill>
+        <a:latin typeface="+mn-lt"/>
+        <a:ea typeface="+mn-ea"/>
+        <a:cs typeface="+mn-cs"/>
+      </a:defRPr>
+    </a:lvl6pPr>
+    <a:lvl7pPr marL="2743200" algn="l" defTabSz="914400" rtl="0" eaLnBrk="1" latinLnBrk="0" hangingPunct="1">
+      <a:defRPr sz="1200" kern="1200">
+        <a:solidFill>
+          <a:schemeClr val="tx1"/>
+        </a:solidFill>
+        <a:latin typeface="+mn-lt"/>
+        <a:ea typeface="+mn-ea"/>
+        <a:cs typeface="+mn-cs"/>
+      </a:defRPr>
+    </a:lvl7pPr>
+    <a:lvl8pPr marL="3200400" algn="l" defTabSz="914400" rtl="0" eaLnBrk="1" latinLnBrk="0" hangingPunct="1">
+      <a:defRPr sz="1200" kern="1200">
+        <a:solidFill>
+          <a:schemeClr val="tx1"/>
+        </a:solidFill>
+        <a:latin typeface="+mn-lt"/>
+        <a:ea typeface="+mn-ea"/>
+        <a:cs typeface="+mn-cs"/>
+      </a:defRPr>
+    </a:lvl8pPr>
+    <a:lvl9pPr marL="3657600" algn="l" defTabSz="914400" rtl="0" eaLnBrk="1" latinLnBrk="0" hangingPunct="1">
+      <a:defRPr sz="1200" kern="1200">
+        <a:solidFill>
+          <a:schemeClr val="tx1"/>
+        </a:solidFill>
+        <a:latin typeface="+mn-lt"/>
+        <a:ea typeface="+mn-ea"/>
+        <a:cs typeface="+mn-cs"/>
+      </a:defRPr>
+    </a:lvl9pPr>
+  </p:notesStyle>
+</p:notesMaster>
+</file>
+
+<file path=ppt/notesSlides/notesSlide1.xml><?xml version="1.0" encoding="utf-8"?>
+<p:notes xmlns:a="http://schemas.openxmlformats.org/drawingml/2006/main" xmlns:r="http://schemas.openxmlformats.org/officeDocument/2006/relationships" xmlns:p="http://schemas.openxmlformats.org/presentationml/2006/main">
+  <p:cSld>
+    <p:spTree>
+      <p:nvGrpSpPr>
+        <p:cNvPr id="1" name=""/>
+        <p:cNvGrpSpPr/>
+        <p:nvPr/>
+      </p:nvGrpSpPr>
+      <p:grpSpPr>
+        <a:xfrm>
+          <a:off x="0" y="0"/>
+          <a:ext cx="0" cy="0"/>
+          <a:chOff x="0" y="0"/>
+          <a:chExt cx="0" cy="0"/>
+        </a:xfrm>
+      </p:grpSpPr>
+      <p:sp>
+        <p:nvSpPr>
+          <p:cNvPr id="2" name="Slide Image Placeholder 1"/>
+          <p:cNvSpPr>
+            <a:spLocks noGrp="1" noRot="1" noChangeAspect="1"/>
+          </p:cNvSpPr>
+          <p:nvPr>
+            <p:ph type="sldImg"/>
+          </p:nvPr>
+        </p:nvSpPr>
+        <p:spPr/>
+      </p:sp>
+      <p:sp>
+        <p:nvSpPr>
+          <p:cNvPr id="3" name="Notes Placeholder 2"/>
+          <p:cNvSpPr>
+            <a:spLocks noGrp="1"/>
+          </p:cNvSpPr>
+          <p:nvPr>
+            <p:ph type="body" idx="1"/>
+          </p:nvPr>
+        </p:nvSpPr>
+        <p:spPr/>
+        <p:txBody>
+          <a:bodyPr/>
+          <a:lstStyle/>
+          <a:p>
+            <a:r>
+              <a:rPr lang="en-US" sz="1200" dirty="0">
+                <a:solidFill>
+                  <a:schemeClr val="accent1">
+                    <a:lumMod val="20000"/>
+                    <a:lumOff val="80000"/>
+                  </a:schemeClr>
+                </a:solidFill>
+              </a:rPr>
+              <a:t>Anxiety about savings lasting, how long someone could live off savings if they had to, and  that they’re successfully savings towards a long term goal (at or above 50%.</a:t>
+            </a:r>
+            <a:br>
+              <a:rPr lang="en-US" sz="1200" dirty="0">
+                <a:solidFill>
+                  <a:schemeClr val="accent1">
+                    <a:lumMod val="20000"/>
+                    <a:lumOff val="80000"/>
+                  </a:schemeClr>
+                </a:solidFill>
+              </a:rPr>
+            </a:br>
+            <a:endParaRPr lang="en-US" dirty="0"/>
+          </a:p>
+        </p:txBody>
+      </p:sp>
+      <p:sp>
+        <p:nvSpPr>
+          <p:cNvPr id="4" name="Slide Number Placeholder 3"/>
+          <p:cNvSpPr>
+            <a:spLocks noGrp="1"/>
+          </p:cNvSpPr>
+          <p:nvPr>
+            <p:ph type="sldNum" sz="quarter" idx="5"/>
+          </p:nvPr>
+        </p:nvSpPr>
+        <p:spPr/>
+        <p:txBody>
+          <a:bodyPr/>
+          <a:lstStyle/>
+          <a:p>
+            <a:fld id="{77B0B888-3C58-4637-93E8-2DACE7680DE8}" type="slidenum">
+              <a:rPr lang="en-US" smtClean="0"/>
+              <a:t>5</a:t>
+            </a:fld>
+            <a:endParaRPr lang="en-US"/>
+          </a:p>
+        </p:txBody>
+      </p:sp>
+    </p:spTree>
+    <p:extLst>
+      <p:ext uri="{BB962C8B-B14F-4D97-AF65-F5344CB8AC3E}">
+        <p14:creationId xmlns:p14="http://schemas.microsoft.com/office/powerpoint/2010/main" val="2966016003"/>
+      </p:ext>
+    </p:extLst>
+  </p:cSld>
+  <p:clrMapOvr>
+    <a:masterClrMapping/>
+  </p:clrMapOvr>
+</p:notes>
 </file>
 
 <file path=ppt/slideLayouts/slideLayout1.xml><?xml version="1.0" encoding="utf-8"?>
@@ -238,7 +699,7 @@
           </a:lstStyle>
           <a:p>
             <a:r>
-              <a:rPr lang="en-US" smtClean="0"/>
+              <a:rPr lang="en-US"/>
               <a:t>Click to edit Master title style</a:t>
             </a:r>
             <a:endParaRPr lang="en-US" dirty="0"/>
@@ -312,7 +773,7 @@
           </a:lstStyle>
           <a:p>
             <a:r>
-              <a:rPr lang="en-US" smtClean="0"/>
+              <a:rPr lang="en-US"/>
               <a:t>Click to edit Master subtitle style</a:t>
             </a:r>
             <a:endParaRPr lang="en-US" dirty="0"/>
@@ -427,7 +888,7 @@
           <a:lstStyle/>
           <a:p>
             <a:r>
-              <a:rPr lang="en-US" smtClean="0"/>
+              <a:rPr lang="en-US"/>
               <a:t>Click to edit Master title style</a:t>
             </a:r>
             <a:endParaRPr lang="en-US" dirty="0"/>
@@ -451,35 +912,35 @@
           <a:p>
             <a:pPr lvl="0"/>
             <a:r>
-              <a:rPr lang="en-US" smtClean="0"/>
+              <a:rPr lang="en-US"/>
               <a:t>Edit Master text styles</a:t>
             </a:r>
           </a:p>
           <a:p>
             <a:pPr lvl="1"/>
             <a:r>
-              <a:rPr lang="en-US" smtClean="0"/>
+              <a:rPr lang="en-US"/>
               <a:t>Second level</a:t>
             </a:r>
           </a:p>
           <a:p>
             <a:pPr lvl="2"/>
             <a:r>
-              <a:rPr lang="en-US" smtClean="0"/>
+              <a:rPr lang="en-US"/>
               <a:t>Third level</a:t>
             </a:r>
           </a:p>
           <a:p>
             <a:pPr lvl="3"/>
             <a:r>
-              <a:rPr lang="en-US" smtClean="0"/>
+              <a:rPr lang="en-US"/>
               <a:t>Fourth level</a:t>
             </a:r>
           </a:p>
           <a:p>
             <a:pPr lvl="4"/>
             <a:r>
-              <a:rPr lang="en-US" smtClean="0"/>
+              <a:rPr lang="en-US"/>
               <a:t>Fifth level</a:t>
             </a:r>
             <a:endParaRPr lang="en-US" dirty="0"/>
@@ -599,7 +1060,7 @@
           <a:lstStyle/>
           <a:p>
             <a:r>
-              <a:rPr lang="en-US" smtClean="0"/>
+              <a:rPr lang="en-US"/>
               <a:t>Click to edit Master title style</a:t>
             </a:r>
             <a:endParaRPr lang="en-US" dirty="0"/>
@@ -628,35 +1089,35 @@
           <a:p>
             <a:pPr lvl="0"/>
             <a:r>
-              <a:rPr lang="en-US" smtClean="0"/>
+              <a:rPr lang="en-US"/>
               <a:t>Edit Master text styles</a:t>
             </a:r>
           </a:p>
           <a:p>
             <a:pPr lvl="1"/>
             <a:r>
-              <a:rPr lang="en-US" smtClean="0"/>
+              <a:rPr lang="en-US"/>
               <a:t>Second level</a:t>
             </a:r>
           </a:p>
           <a:p>
             <a:pPr lvl="2"/>
             <a:r>
-              <a:rPr lang="en-US" smtClean="0"/>
+              <a:rPr lang="en-US"/>
               <a:t>Third level</a:t>
             </a:r>
           </a:p>
           <a:p>
             <a:pPr lvl="3"/>
             <a:r>
-              <a:rPr lang="en-US" smtClean="0"/>
+              <a:rPr lang="en-US"/>
               <a:t>Fourth level</a:t>
             </a:r>
           </a:p>
           <a:p>
             <a:pPr lvl="4"/>
             <a:r>
-              <a:rPr lang="en-US" smtClean="0"/>
+              <a:rPr lang="en-US"/>
               <a:t>Fifth level</a:t>
             </a:r>
             <a:endParaRPr lang="en-US" dirty="0"/>
@@ -771,7 +1232,7 @@
           <a:lstStyle/>
           <a:p>
             <a:r>
-              <a:rPr lang="en-US" smtClean="0"/>
+              <a:rPr lang="en-US"/>
               <a:t>Click to edit Master title style</a:t>
             </a:r>
             <a:endParaRPr lang="en-US" dirty="0"/>
@@ -795,35 +1256,35 @@
           <a:p>
             <a:pPr lvl="0"/>
             <a:r>
-              <a:rPr lang="en-US" smtClean="0"/>
+              <a:rPr lang="en-US"/>
               <a:t>Edit Master text styles</a:t>
             </a:r>
           </a:p>
           <a:p>
             <a:pPr lvl="1"/>
             <a:r>
-              <a:rPr lang="en-US" smtClean="0"/>
+              <a:rPr lang="en-US"/>
               <a:t>Second level</a:t>
             </a:r>
           </a:p>
           <a:p>
             <a:pPr lvl="2"/>
             <a:r>
-              <a:rPr lang="en-US" smtClean="0"/>
+              <a:rPr lang="en-US"/>
               <a:t>Third level</a:t>
             </a:r>
           </a:p>
           <a:p>
             <a:pPr lvl="3"/>
             <a:r>
-              <a:rPr lang="en-US" smtClean="0"/>
+              <a:rPr lang="en-US"/>
               <a:t>Fourth level</a:t>
             </a:r>
           </a:p>
           <a:p>
             <a:pPr lvl="4"/>
             <a:r>
-              <a:rPr lang="en-US" smtClean="0"/>
+              <a:rPr lang="en-US"/>
               <a:t>Fifth level</a:t>
             </a:r>
             <a:endParaRPr lang="en-US" dirty="0"/>
@@ -956,7 +1417,7 @@
           </a:lstStyle>
           <a:p>
             <a:r>
-              <a:rPr lang="en-US" smtClean="0"/>
+              <a:rPr lang="en-US"/>
               <a:t>Click to edit Master title style</a:t>
             </a:r>
             <a:endParaRPr lang="en-US" dirty="0"/>
@@ -1079,7 +1540,7 @@
           <a:p>
             <a:pPr lvl="0"/>
             <a:r>
-              <a:rPr lang="en-US" smtClean="0"/>
+              <a:rPr lang="en-US"/>
               <a:t>Edit Master text styles</a:t>
             </a:r>
           </a:p>
@@ -1193,7 +1654,7 @@
           <a:lstStyle/>
           <a:p>
             <a:r>
-              <a:rPr lang="en-US" smtClean="0"/>
+              <a:rPr lang="en-US"/>
               <a:t>Click to edit Master title style</a:t>
             </a:r>
             <a:endParaRPr lang="en-US" dirty="0"/>
@@ -1250,35 +1711,35 @@
           <a:p>
             <a:pPr lvl="0"/>
             <a:r>
-              <a:rPr lang="en-US" smtClean="0"/>
+              <a:rPr lang="en-US"/>
               <a:t>Edit Master text styles</a:t>
             </a:r>
           </a:p>
           <a:p>
             <a:pPr lvl="1"/>
             <a:r>
-              <a:rPr lang="en-US" smtClean="0"/>
+              <a:rPr lang="en-US"/>
               <a:t>Second level</a:t>
             </a:r>
           </a:p>
           <a:p>
             <a:pPr lvl="2"/>
             <a:r>
-              <a:rPr lang="en-US" smtClean="0"/>
+              <a:rPr lang="en-US"/>
               <a:t>Third level</a:t>
             </a:r>
           </a:p>
           <a:p>
             <a:pPr lvl="3"/>
             <a:r>
-              <a:rPr lang="en-US" smtClean="0"/>
+              <a:rPr lang="en-US"/>
               <a:t>Fourth level</a:t>
             </a:r>
           </a:p>
           <a:p>
             <a:pPr lvl="4"/>
             <a:r>
-              <a:rPr lang="en-US" smtClean="0"/>
+              <a:rPr lang="en-US"/>
               <a:t>Fifth level</a:t>
             </a:r>
             <a:endParaRPr lang="en-US" dirty="0"/>
@@ -1335,35 +1796,35 @@
           <a:p>
             <a:pPr lvl="0"/>
             <a:r>
-              <a:rPr lang="en-US" smtClean="0"/>
+              <a:rPr lang="en-US"/>
               <a:t>Edit Master text styles</a:t>
             </a:r>
           </a:p>
           <a:p>
             <a:pPr lvl="1"/>
             <a:r>
-              <a:rPr lang="en-US" smtClean="0"/>
+              <a:rPr lang="en-US"/>
               <a:t>Second level</a:t>
             </a:r>
           </a:p>
           <a:p>
             <a:pPr lvl="2"/>
             <a:r>
-              <a:rPr lang="en-US" smtClean="0"/>
+              <a:rPr lang="en-US"/>
               <a:t>Third level</a:t>
             </a:r>
           </a:p>
           <a:p>
             <a:pPr lvl="3"/>
             <a:r>
-              <a:rPr lang="en-US" smtClean="0"/>
+              <a:rPr lang="en-US"/>
               <a:t>Fourth level</a:t>
             </a:r>
           </a:p>
           <a:p>
             <a:pPr lvl="4"/>
             <a:r>
-              <a:rPr lang="en-US" smtClean="0"/>
+              <a:rPr lang="en-US"/>
               <a:t>Fifth level</a:t>
             </a:r>
             <a:endParaRPr lang="en-US" dirty="0"/>
@@ -1478,7 +1939,7 @@
           <a:lstStyle/>
           <a:p>
             <a:r>
-              <a:rPr lang="en-US" smtClean="0"/>
+              <a:rPr lang="en-US"/>
               <a:t>Click to edit Master title style</a:t>
             </a:r>
             <a:endParaRPr lang="en-US" dirty="0"/>
@@ -1556,7 +2017,7 @@
           <a:p>
             <a:pPr lvl="0"/>
             <a:r>
-              <a:rPr lang="en-US" smtClean="0"/>
+              <a:rPr lang="en-US"/>
               <a:t>Edit Master text styles</a:t>
             </a:r>
           </a:p>
@@ -1612,35 +2073,35 @@
           <a:p>
             <a:pPr lvl="0"/>
             <a:r>
-              <a:rPr lang="en-US" smtClean="0"/>
+              <a:rPr lang="en-US"/>
               <a:t>Edit Master text styles</a:t>
             </a:r>
           </a:p>
           <a:p>
             <a:pPr lvl="1"/>
             <a:r>
-              <a:rPr lang="en-US" smtClean="0"/>
+              <a:rPr lang="en-US"/>
               <a:t>Second level</a:t>
             </a:r>
           </a:p>
           <a:p>
             <a:pPr lvl="2"/>
             <a:r>
-              <a:rPr lang="en-US" smtClean="0"/>
+              <a:rPr lang="en-US"/>
               <a:t>Third level</a:t>
             </a:r>
           </a:p>
           <a:p>
             <a:pPr lvl="3"/>
             <a:r>
-              <a:rPr lang="en-US" smtClean="0"/>
+              <a:rPr lang="en-US"/>
               <a:t>Fourth level</a:t>
             </a:r>
           </a:p>
           <a:p>
             <a:pPr lvl="4"/>
             <a:r>
-              <a:rPr lang="en-US" smtClean="0"/>
+              <a:rPr lang="en-US"/>
               <a:t>Fifth level</a:t>
             </a:r>
             <a:endParaRPr lang="en-US" dirty="0"/>
@@ -1718,7 +2179,7 @@
           <a:p>
             <a:pPr lvl="0"/>
             <a:r>
-              <a:rPr lang="en-US" smtClean="0"/>
+              <a:rPr lang="en-US"/>
               <a:t>Edit Master text styles</a:t>
             </a:r>
           </a:p>
@@ -1774,35 +2235,35 @@
           <a:p>
             <a:pPr lvl="0"/>
             <a:r>
-              <a:rPr lang="en-US" smtClean="0"/>
+              <a:rPr lang="en-US"/>
               <a:t>Edit Master text styles</a:t>
             </a:r>
           </a:p>
           <a:p>
             <a:pPr lvl="1"/>
             <a:r>
-              <a:rPr lang="en-US" smtClean="0"/>
+              <a:rPr lang="en-US"/>
               <a:t>Second level</a:t>
             </a:r>
           </a:p>
           <a:p>
             <a:pPr lvl="2"/>
             <a:r>
-              <a:rPr lang="en-US" smtClean="0"/>
+              <a:rPr lang="en-US"/>
               <a:t>Third level</a:t>
             </a:r>
           </a:p>
           <a:p>
             <a:pPr lvl="3"/>
             <a:r>
-              <a:rPr lang="en-US" smtClean="0"/>
+              <a:rPr lang="en-US"/>
               <a:t>Fourth level</a:t>
             </a:r>
           </a:p>
           <a:p>
             <a:pPr lvl="4"/>
             <a:r>
-              <a:rPr lang="en-US" smtClean="0"/>
+              <a:rPr lang="en-US"/>
               <a:t>Fifth level</a:t>
             </a:r>
             <a:endParaRPr lang="en-US" dirty="0"/>
@@ -1917,7 +2378,7 @@
           <a:lstStyle/>
           <a:p>
             <a:r>
-              <a:rPr lang="en-US" smtClean="0"/>
+              <a:rPr lang="en-US"/>
               <a:t>Click to edit Master title style</a:t>
             </a:r>
             <a:endParaRPr lang="en-US" dirty="0"/>
@@ -2135,7 +2596,7 @@
           </a:lstStyle>
           <a:p>
             <a:r>
-              <a:rPr lang="en-US" smtClean="0"/>
+              <a:rPr lang="en-US"/>
               <a:t>Click to edit Master title style</a:t>
             </a:r>
             <a:endParaRPr lang="en-US" dirty="0"/>
@@ -2192,35 +2653,35 @@
           <a:p>
             <a:pPr lvl="0"/>
             <a:r>
-              <a:rPr lang="en-US" smtClean="0"/>
+              <a:rPr lang="en-US"/>
               <a:t>Edit Master text styles</a:t>
             </a:r>
           </a:p>
           <a:p>
             <a:pPr lvl="1"/>
             <a:r>
-              <a:rPr lang="en-US" smtClean="0"/>
+              <a:rPr lang="en-US"/>
               <a:t>Second level</a:t>
             </a:r>
           </a:p>
           <a:p>
             <a:pPr lvl="2"/>
             <a:r>
-              <a:rPr lang="en-US" smtClean="0"/>
+              <a:rPr lang="en-US"/>
               <a:t>Third level</a:t>
             </a:r>
           </a:p>
           <a:p>
             <a:pPr lvl="3"/>
             <a:r>
-              <a:rPr lang="en-US" smtClean="0"/>
+              <a:rPr lang="en-US"/>
               <a:t>Fourth level</a:t>
             </a:r>
           </a:p>
           <a:p>
             <a:pPr lvl="4"/>
             <a:r>
-              <a:rPr lang="en-US" smtClean="0"/>
+              <a:rPr lang="en-US"/>
               <a:t>Fifth level</a:t>
             </a:r>
             <a:endParaRPr lang="en-US" dirty="0"/>
@@ -2295,7 +2756,7 @@
           <a:p>
             <a:pPr lvl="0"/>
             <a:r>
-              <a:rPr lang="en-US" smtClean="0"/>
+              <a:rPr lang="en-US"/>
               <a:t>Edit Master text styles</a:t>
             </a:r>
           </a:p>
@@ -2420,7 +2881,7 @@
           </a:lstStyle>
           <a:p>
             <a:r>
-              <a:rPr lang="en-US" smtClean="0"/>
+              <a:rPr lang="en-US"/>
               <a:t>Click to edit Master title style</a:t>
             </a:r>
             <a:endParaRPr lang="en-US" dirty="0"/>
@@ -2490,7 +2951,7 @@
           </a:lstStyle>
           <a:p>
             <a:r>
-              <a:rPr lang="en-US" smtClean="0"/>
+              <a:rPr lang="en-US"/>
               <a:t>Click icon to add picture</a:t>
             </a:r>
             <a:endParaRPr lang="en-US" dirty="0"/>
@@ -2565,7 +3026,7 @@
           <a:p>
             <a:pPr lvl="0"/>
             <a:r>
-              <a:rPr lang="en-US" smtClean="0"/>
+              <a:rPr lang="en-US"/>
               <a:t>Edit Master text styles</a:t>
             </a:r>
           </a:p>
@@ -2737,7 +3198,7 @@
           <a:lstStyle/>
           <a:p>
             <a:r>
-              <a:rPr lang="en-US" smtClean="0"/>
+              <a:rPr lang="en-US"/>
               <a:t>Click to edit Master title style</a:t>
             </a:r>
             <a:endParaRPr lang="en-US" dirty="0"/>
@@ -2811,35 +3272,35 @@
           <a:p>
             <a:pPr lvl="0"/>
             <a:r>
-              <a:rPr lang="en-US" smtClean="0"/>
+              <a:rPr lang="en-US"/>
               <a:t>Edit Master text styles</a:t>
             </a:r>
           </a:p>
           <a:p>
             <a:pPr lvl="1"/>
             <a:r>
-              <a:rPr lang="en-US" smtClean="0"/>
+              <a:rPr lang="en-US"/>
               <a:t>Second level</a:t>
             </a:r>
           </a:p>
           <a:p>
             <a:pPr lvl="2"/>
             <a:r>
-              <a:rPr lang="en-US" smtClean="0"/>
+              <a:rPr lang="en-US"/>
               <a:t>Third level</a:t>
             </a:r>
           </a:p>
           <a:p>
             <a:pPr lvl="3"/>
             <a:r>
-              <a:rPr lang="en-US" smtClean="0"/>
+              <a:rPr lang="en-US"/>
               <a:t>Fourth level</a:t>
             </a:r>
           </a:p>
           <a:p>
             <a:pPr lvl="4"/>
             <a:r>
-              <a:rPr lang="en-US" smtClean="0"/>
+              <a:rPr lang="en-US"/>
               <a:t>Fifth level</a:t>
             </a:r>
             <a:endParaRPr lang="en-US" dirty="0"/>
@@ -3378,18 +3839,13 @@
           <a:lstStyle/>
           <a:p>
             <a:r>
-              <a:rPr lang="en-US" dirty="0" smtClean="0">
+              <a:rPr lang="en-US" dirty="0">
                 <a:solidFill>
                   <a:schemeClr val="bg1"/>
                 </a:solidFill>
               </a:rPr>
               <a:t>Millennials and Savings</a:t>
             </a:r>
-            <a:endParaRPr lang="en-US" dirty="0">
-              <a:solidFill>
-                <a:schemeClr val="bg1"/>
-              </a:solidFill>
-            </a:endParaRPr>
           </a:p>
         </p:txBody>
       </p:sp>
@@ -3409,18 +3865,9 @@
           <a:lstStyle/>
           <a:p>
             <a:r>
-              <a:rPr lang="en-US" dirty="0" smtClean="0">
-                <a:solidFill>
-                  <a:schemeClr val="bg1"/>
-                </a:solidFill>
-              </a:rPr>
+              <a:rPr lang="en-US" dirty="0"/>
               <a:t>An Examination of Millennial Responses in the U.S. Financial Health Pulse Survey</a:t>
             </a:r>
-            <a:endParaRPr lang="en-US" dirty="0">
-              <a:solidFill>
-                <a:schemeClr val="bg1"/>
-              </a:solidFill>
-            </a:endParaRPr>
           </a:p>
         </p:txBody>
       </p:sp>
@@ -3434,13 +3881,6 @@
   <p:clrMapOvr>
     <a:masterClrMapping/>
   </p:clrMapOvr>
-  <p:timing>
-    <p:tnLst>
-      <p:par>
-        <p:cTn id="1" dur="indefinite" restart="never" nodeType="tmRoot"/>
-      </p:par>
-    </p:tnLst>
-  </p:timing>
 </p:sld>
 </file>
 
@@ -3463,6 +3903,57 @@
       </p:grpSpPr>
       <p:sp>
         <p:nvSpPr>
+          <p:cNvPr id="11" name="Rectangle 10">
+            <a:extLst>
+              <a:ext uri="{FF2B5EF4-FFF2-40B4-BE49-F238E27FC236}">
+                <a16:creationId xmlns:a16="http://schemas.microsoft.com/office/drawing/2014/main" id="{52C1626F-7B82-4373-BFBF-23B1C8C1975B}"/>
+              </a:ext>
+            </a:extLst>
+          </p:cNvPr>
+          <p:cNvSpPr/>
+          <p:nvPr/>
+        </p:nvSpPr>
+        <p:spPr>
+          <a:xfrm>
+            <a:off x="9094949" y="1771650"/>
+            <a:ext cx="2177112" cy="4328482"/>
+          </a:xfrm>
+          <a:prstGeom prst="rect">
+            <a:avLst/>
+          </a:prstGeom>
+          <a:ln>
+            <a:solidFill>
+              <a:srgbClr val="40BAD2"/>
+            </a:solidFill>
+          </a:ln>
+        </p:spPr>
+        <p:style>
+          <a:lnRef idx="2">
+            <a:schemeClr val="accent1">
+              <a:shade val="50000"/>
+            </a:schemeClr>
+          </a:lnRef>
+          <a:fillRef idx="1">
+            <a:schemeClr val="accent1"/>
+          </a:fillRef>
+          <a:effectRef idx="0">
+            <a:schemeClr val="accent1"/>
+          </a:effectRef>
+          <a:fontRef idx="minor">
+            <a:schemeClr val="lt1"/>
+          </a:fontRef>
+        </p:style>
+        <p:txBody>
+          <a:bodyPr rtlCol="0" anchor="ctr"/>
+          <a:lstStyle/>
+          <a:p>
+            <a:pPr algn="ctr"/>
+            <a:endParaRPr lang="en-US"/>
+          </a:p>
+        </p:txBody>
+      </p:sp>
+      <p:sp>
+        <p:nvSpPr>
           <p:cNvPr id="2" name="Title 1"/>
           <p:cNvSpPr>
             <a:spLocks noGrp="1"/>
@@ -3471,39 +3962,203 @@
             <p:ph type="title"/>
           </p:nvPr>
         </p:nvSpPr>
-        <p:spPr/>
-        <p:txBody>
-          <a:bodyPr/>
-          <a:lstStyle/>
-          <a:p>
-            <a:endParaRPr lang="en-US" dirty="0"/>
-          </a:p>
-        </p:txBody>
-      </p:sp>
-      <p:sp>
-        <p:nvSpPr>
-          <p:cNvPr id="3" name="Content Placeholder 2"/>
-          <p:cNvSpPr>
-            <a:spLocks noGrp="1"/>
-          </p:cNvSpPr>
-          <p:nvPr>
-            <p:ph idx="1"/>
-          </p:nvPr>
-        </p:nvSpPr>
         <p:spPr>
           <a:xfrm>
-            <a:off x="3956861" y="1521229"/>
-            <a:ext cx="7315200" cy="4430268"/>
+            <a:off x="0" y="1750885"/>
+            <a:ext cx="3499788" cy="5756685"/>
           </a:xfrm>
         </p:spPr>
         <p:txBody>
-          <a:bodyPr/>
+          <a:bodyPr>
+            <a:normAutofit fontScale="90000"/>
+          </a:bodyPr>
           <a:lstStyle/>
           <a:p>
-            <a:pPr marL="0" indent="0">
-              <a:buNone/>
-            </a:pPr>
-            <a:endParaRPr lang="en-US" dirty="0"/>
+            <a:r>
+              <a:rPr lang="en-US" dirty="0"/>
+              <a:t>75.7% </a:t>
+            </a:r>
+            <a:r>
+              <a:rPr lang="en-US" dirty="0">
+                <a:solidFill>
+                  <a:schemeClr val="accent1">
+                    <a:lumMod val="20000"/>
+                    <a:lumOff val="80000"/>
+                  </a:schemeClr>
+                </a:solidFill>
+              </a:rPr>
+              <a:t>are currently employed</a:t>
+            </a:r>
+            <a:br>
+              <a:rPr lang="en-US" dirty="0">
+                <a:solidFill>
+                  <a:schemeClr val="accent1">
+                    <a:lumMod val="20000"/>
+                    <a:lumOff val="80000"/>
+                  </a:schemeClr>
+                </a:solidFill>
+              </a:rPr>
+            </a:br>
+            <a:br>
+              <a:rPr lang="en-US" dirty="0">
+                <a:solidFill>
+                  <a:schemeClr val="accent1">
+                    <a:lumMod val="20000"/>
+                    <a:lumOff val="80000"/>
+                  </a:schemeClr>
+                </a:solidFill>
+              </a:rPr>
+            </a:br>
+            <a:r>
+              <a:rPr lang="en-US" dirty="0">
+                <a:solidFill>
+                  <a:schemeClr val="accent1">
+                    <a:lumMod val="20000"/>
+                    <a:lumOff val="80000"/>
+                  </a:schemeClr>
+                </a:solidFill>
+              </a:rPr>
+              <a:t>Median income of around </a:t>
+            </a:r>
+            <a:r>
+              <a:rPr lang="en-US" dirty="0">
+                <a:solidFill>
+                  <a:schemeClr val="bg1"/>
+                </a:solidFill>
+              </a:rPr>
+              <a:t>$50k to $60k</a:t>
+            </a:r>
+            <a:br>
+              <a:rPr lang="en-US" dirty="0">
+                <a:solidFill>
+                  <a:schemeClr val="bg1"/>
+                </a:solidFill>
+              </a:rPr>
+            </a:br>
+            <a:br>
+              <a:rPr lang="en-US" dirty="0">
+                <a:solidFill>
+                  <a:schemeClr val="bg1"/>
+                </a:solidFill>
+              </a:rPr>
+            </a:br>
+            <a:r>
+              <a:rPr lang="en-US" dirty="0">
+                <a:solidFill>
+                  <a:schemeClr val="accent1">
+                    <a:lumMod val="20000"/>
+                    <a:lumOff val="80000"/>
+                  </a:schemeClr>
+                </a:solidFill>
+              </a:rPr>
+              <a:t>Median savings of around </a:t>
+            </a:r>
+            <a:r>
+              <a:rPr lang="en-US" dirty="0">
+                <a:solidFill>
+                  <a:schemeClr val="bg1"/>
+                </a:solidFill>
+              </a:rPr>
+              <a:t>$2,200</a:t>
+            </a:r>
+            <a:br>
+              <a:rPr lang="en-US" dirty="0">
+                <a:solidFill>
+                  <a:schemeClr val="bg1"/>
+                </a:solidFill>
+              </a:rPr>
+            </a:br>
+            <a:br>
+              <a:rPr lang="en-US" dirty="0">
+                <a:solidFill>
+                  <a:schemeClr val="bg1"/>
+                </a:solidFill>
+              </a:rPr>
+            </a:br>
+            <a:r>
+              <a:rPr lang="en-US" dirty="0">
+                <a:solidFill>
+                  <a:schemeClr val="accent1">
+                    <a:lumMod val="20000"/>
+                    <a:lumOff val="80000"/>
+                  </a:schemeClr>
+                </a:solidFill>
+              </a:rPr>
+              <a:t>Mode is </a:t>
+            </a:r>
+            <a:r>
+              <a:rPr lang="en-US" dirty="0">
+                <a:solidFill>
+                  <a:schemeClr val="bg1"/>
+                </a:solidFill>
+              </a:rPr>
+              <a:t>$0</a:t>
+            </a:r>
+            <a:br>
+              <a:rPr lang="en-US" dirty="0">
+                <a:solidFill>
+                  <a:schemeClr val="bg1"/>
+                </a:solidFill>
+              </a:rPr>
+            </a:br>
+            <a:br>
+              <a:rPr lang="en-US" dirty="0">
+                <a:solidFill>
+                  <a:schemeClr val="accent1">
+                    <a:lumMod val="20000"/>
+                    <a:lumOff val="80000"/>
+                  </a:schemeClr>
+                </a:solidFill>
+              </a:rPr>
+            </a:br>
+            <a:br>
+              <a:rPr lang="en-US" dirty="0">
+                <a:solidFill>
+                  <a:schemeClr val="accent1">
+                    <a:lumMod val="20000"/>
+                    <a:lumOff val="80000"/>
+                  </a:schemeClr>
+                </a:solidFill>
+              </a:rPr>
+            </a:br>
+            <a:br>
+              <a:rPr lang="en-US" dirty="0">
+                <a:solidFill>
+                  <a:schemeClr val="accent1">
+                    <a:lumMod val="20000"/>
+                    <a:lumOff val="80000"/>
+                  </a:schemeClr>
+                </a:solidFill>
+              </a:rPr>
+            </a:br>
+            <a:br>
+              <a:rPr lang="en-US" dirty="0">
+                <a:solidFill>
+                  <a:schemeClr val="accent1">
+                    <a:lumMod val="20000"/>
+                    <a:lumOff val="80000"/>
+                  </a:schemeClr>
+                </a:solidFill>
+              </a:rPr>
+            </a:br>
+            <a:br>
+              <a:rPr lang="en-US" dirty="0">
+                <a:solidFill>
+                  <a:schemeClr val="accent1">
+                    <a:lumMod val="20000"/>
+                    <a:lumOff val="80000"/>
+                  </a:schemeClr>
+                </a:solidFill>
+              </a:rPr>
+            </a:br>
+            <a:endParaRPr lang="en-US" dirty="0">
+              <a:solidFill>
+                <a:schemeClr val="accent1">
+                  <a:lumMod val="20000"/>
+                  <a:lumOff val="80000"/>
+                </a:schemeClr>
+              </a:solidFill>
+            </a:endParaRPr>
           </a:p>
         </p:txBody>
       </p:sp>
@@ -3779,7 +4434,7 @@
               <a:buNone/>
             </a:pPr>
             <a:r>
-              <a:rPr lang="en-US" sz="2500" dirty="0" smtClean="0">
+              <a:rPr lang="en-US" sz="2500" dirty="0">
                 <a:solidFill>
                   <a:schemeClr val="bg1"/>
                 </a:solidFill>
@@ -3787,7 +4442,7 @@
               <a:t>Millennial </a:t>
             </a:r>
             <a:r>
-              <a:rPr lang="en-US" sz="2500" dirty="0" smtClean="0">
+              <a:rPr lang="en-US" sz="2500" dirty="0">
                 <a:solidFill>
                   <a:schemeClr val="bg1"/>
                 </a:solidFill>
@@ -3796,693 +4451,19 @@
               <a:t>Trends</a:t>
             </a:r>
             <a:r>
-              <a:rPr lang="en-US" sz="2500" dirty="0" smtClean="0">
+              <a:rPr lang="en-US" sz="2500" dirty="0">
                 <a:solidFill>
                   <a:schemeClr val="bg1"/>
                 </a:solidFill>
               </a:rPr>
               <a:t>: Background</a:t>
             </a:r>
-            <a:endParaRPr lang="en-US" sz="2500" dirty="0">
-              <a:solidFill>
-                <a:schemeClr val="bg1"/>
-              </a:solidFill>
-            </a:endParaRPr>
           </a:p>
         </p:txBody>
       </p:sp>
       <p:pic>
         <p:nvPicPr>
-          <p:cNvPr id="6" name="Picture 5"/>
-          <p:cNvPicPr>
-            <a:picLocks noChangeAspect="1"/>
-          </p:cNvPicPr>
-          <p:nvPr/>
-        </p:nvPicPr>
-        <p:blipFill>
-          <a:blip r:embed="rId2">
-            <a:extLst>
-              <a:ext uri="{28A0092B-C50C-407E-A947-70E740481C1C}">
-                <a14:useLocalDpi xmlns:a14="http://schemas.microsoft.com/office/drawing/2010/main" val="0"/>
-              </a:ext>
-            </a:extLst>
-          </a:blip>
-          <a:stretch>
-            <a:fillRect/>
-          </a:stretch>
-        </p:blipFill>
-        <p:spPr>
-          <a:xfrm>
-            <a:off x="3564917" y="1521229"/>
-            <a:ext cx="3730873" cy="2319251"/>
-          </a:xfrm>
-          <a:prstGeom prst="rect">
-            <a:avLst/>
-          </a:prstGeom>
-        </p:spPr>
-      </p:pic>
-      <p:pic>
-        <p:nvPicPr>
-          <p:cNvPr id="8" name="Picture 7"/>
-          <p:cNvPicPr>
-            <a:picLocks noChangeAspect="1"/>
-          </p:cNvPicPr>
-          <p:nvPr/>
-        </p:nvPicPr>
-        <p:blipFill>
-          <a:blip r:embed="rId3">
-            <a:extLst>
-              <a:ext uri="{28A0092B-C50C-407E-A947-70E740481C1C}">
-                <a14:useLocalDpi xmlns:a14="http://schemas.microsoft.com/office/drawing/2010/main" val="0"/>
-              </a:ext>
-            </a:extLst>
-          </a:blip>
-          <a:stretch>
-            <a:fillRect/>
-          </a:stretch>
-        </p:blipFill>
-        <p:spPr>
-          <a:xfrm>
-            <a:off x="7614461" y="1592094"/>
-            <a:ext cx="3362407" cy="2177519"/>
-          </a:xfrm>
-          <a:prstGeom prst="rect">
-            <a:avLst/>
-          </a:prstGeom>
-        </p:spPr>
-      </p:pic>
-    </p:spTree>
-    <p:extLst>
-      <p:ext uri="{BB962C8B-B14F-4D97-AF65-F5344CB8AC3E}">
-        <p14:creationId xmlns:p14="http://schemas.microsoft.com/office/powerpoint/2010/main" val="4108362510"/>
-      </p:ext>
-    </p:extLst>
-  </p:cSld>
-  <p:clrMapOvr>
-    <a:masterClrMapping/>
-  </p:clrMapOvr>
-  <p:timing>
-    <p:tnLst>
-      <p:par>
-        <p:cTn id="1" dur="indefinite" restart="never" nodeType="tmRoot"/>
-      </p:par>
-    </p:tnLst>
-  </p:timing>
-</p:sld>
-</file>
-
-<file path=ppt/slides/slide3.xml><?xml version="1.0" encoding="utf-8"?>
-<p:sld xmlns:a="http://schemas.openxmlformats.org/drawingml/2006/main" xmlns:r="http://schemas.openxmlformats.org/officeDocument/2006/relationships" xmlns:p="http://schemas.openxmlformats.org/presentationml/2006/main">
-  <p:cSld>
-    <p:spTree>
-      <p:nvGrpSpPr>
-        <p:cNvPr id="1" name=""/>
-        <p:cNvGrpSpPr/>
-        <p:nvPr/>
-      </p:nvGrpSpPr>
-      <p:grpSpPr>
-        <a:xfrm>
-          <a:off x="0" y="0"/>
-          <a:ext cx="0" cy="0"/>
-          <a:chOff x="0" y="0"/>
-          <a:chExt cx="0" cy="0"/>
-        </a:xfrm>
-      </p:grpSpPr>
-      <p:sp>
-        <p:nvSpPr>
-          <p:cNvPr id="2" name="Title 1"/>
-          <p:cNvSpPr>
-            <a:spLocks noGrp="1"/>
-          </p:cNvSpPr>
-          <p:nvPr>
-            <p:ph type="title"/>
-          </p:nvPr>
-        </p:nvSpPr>
-        <p:spPr/>
-        <p:txBody>
-          <a:bodyPr/>
-          <a:lstStyle/>
-          <a:p>
-            <a:endParaRPr lang="en-US" dirty="0"/>
-          </a:p>
-        </p:txBody>
-      </p:sp>
-      <p:sp>
-        <p:nvSpPr>
-          <p:cNvPr id="3" name="Content Placeholder 2"/>
-          <p:cNvSpPr>
-            <a:spLocks noGrp="1"/>
-          </p:cNvSpPr>
-          <p:nvPr>
-            <p:ph idx="1"/>
-          </p:nvPr>
-        </p:nvSpPr>
-        <p:spPr>
-          <a:xfrm>
-            <a:off x="3956861" y="757868"/>
-            <a:ext cx="7315200" cy="665434"/>
-          </a:xfrm>
-          <a:solidFill>
-            <a:srgbClr val="40BAD2"/>
-          </a:solidFill>
-        </p:spPr>
-        <p:txBody>
-          <a:bodyPr>
-            <a:normAutofit/>
-          </a:bodyPr>
-          <a:lstStyle/>
-          <a:p>
-            <a:pPr marL="0" indent="0">
-              <a:buNone/>
-            </a:pPr>
-            <a:r>
-              <a:rPr lang="en-US" sz="2500" dirty="0" smtClean="0">
-                <a:solidFill>
-                  <a:schemeClr val="bg1"/>
-                </a:solidFill>
-              </a:rPr>
-              <a:t>Millennial </a:t>
-            </a:r>
-            <a:r>
-              <a:rPr lang="en-US" sz="2500" dirty="0" smtClean="0">
-                <a:solidFill>
-                  <a:schemeClr val="bg1"/>
-                </a:solidFill>
-                <a:latin typeface="+mj-lt"/>
-              </a:rPr>
-              <a:t>Trends</a:t>
-            </a:r>
-            <a:r>
-              <a:rPr lang="en-US" sz="2500" dirty="0" smtClean="0">
-                <a:solidFill>
-                  <a:schemeClr val="bg1"/>
-                </a:solidFill>
-              </a:rPr>
-              <a:t>: A Background</a:t>
-            </a:r>
-            <a:endParaRPr lang="en-US" sz="2500" dirty="0">
-              <a:solidFill>
-                <a:schemeClr val="bg1"/>
-              </a:solidFill>
-            </a:endParaRPr>
-          </a:p>
-        </p:txBody>
-      </p:sp>
-      <p:sp>
-        <p:nvSpPr>
-          <p:cNvPr id="4" name="Content Placeholder 2"/>
-          <p:cNvSpPr txBox="1">
-            <a:spLocks/>
-          </p:cNvSpPr>
-          <p:nvPr/>
-        </p:nvSpPr>
-        <p:spPr>
-          <a:xfrm>
-            <a:off x="3985646" y="1379913"/>
-            <a:ext cx="7315200" cy="4713316"/>
-          </a:xfrm>
-          <a:prstGeom prst="rect">
-            <a:avLst/>
-          </a:prstGeom>
-        </p:spPr>
-        <p:txBody>
-          <a:bodyPr vert="horz" lIns="91440" tIns="45720" rIns="91440" bIns="45720" rtlCol="0" anchor="ctr">
-            <a:normAutofit/>
-          </a:bodyPr>
-          <a:lstStyle>
-            <a:lvl1pPr marL="182880" indent="-182880" algn="l" defTabSz="914400" rtl="0" eaLnBrk="1" latinLnBrk="0" hangingPunct="1">
-              <a:lnSpc>
-                <a:spcPct val="90000"/>
-              </a:lnSpc>
-              <a:spcBef>
-                <a:spcPts val="1200"/>
-              </a:spcBef>
-              <a:buClr>
-                <a:schemeClr val="accent1"/>
-              </a:buClr>
-              <a:buFont typeface="Wingdings 2" pitchFamily="18" charset="2"/>
-              <a:buChar char=""/>
-              <a:defRPr sz="2000" kern="1200">
-                <a:solidFill>
-                  <a:schemeClr val="tx1">
-                    <a:lumMod val="65000"/>
-                    <a:lumOff val="35000"/>
-                  </a:schemeClr>
-                </a:solidFill>
-                <a:latin typeface="+mn-lt"/>
-                <a:ea typeface="+mn-ea"/>
-                <a:cs typeface="+mn-cs"/>
-              </a:defRPr>
-            </a:lvl1pPr>
-            <a:lvl2pPr marL="685800" indent="-182880" algn="l" defTabSz="914400" rtl="0" eaLnBrk="1" latinLnBrk="0" hangingPunct="1">
-              <a:lnSpc>
-                <a:spcPct val="90000"/>
-              </a:lnSpc>
-              <a:spcBef>
-                <a:spcPts val="250"/>
-              </a:spcBef>
-              <a:spcAft>
-                <a:spcPts val="250"/>
-              </a:spcAft>
-              <a:buClr>
-                <a:schemeClr val="accent1"/>
-              </a:buClr>
-              <a:buFont typeface="Wingdings 2" pitchFamily="18" charset="2"/>
-              <a:buChar char=""/>
-              <a:defRPr sz="1800" kern="1200">
-                <a:solidFill>
-                  <a:schemeClr val="tx1">
-                    <a:lumMod val="65000"/>
-                    <a:lumOff val="35000"/>
-                  </a:schemeClr>
-                </a:solidFill>
-                <a:latin typeface="+mn-lt"/>
-                <a:ea typeface="+mn-ea"/>
-                <a:cs typeface="+mn-cs"/>
-              </a:defRPr>
-            </a:lvl2pPr>
-            <a:lvl3pPr marL="1143000" indent="-182880" algn="l" defTabSz="914400" rtl="0" eaLnBrk="1" latinLnBrk="0" hangingPunct="1">
-              <a:lnSpc>
-                <a:spcPct val="90000"/>
-              </a:lnSpc>
-              <a:spcBef>
-                <a:spcPts val="250"/>
-              </a:spcBef>
-              <a:spcAft>
-                <a:spcPts val="250"/>
-              </a:spcAft>
-              <a:buClr>
-                <a:schemeClr val="accent1"/>
-              </a:buClr>
-              <a:buFont typeface="Wingdings 2" pitchFamily="18" charset="2"/>
-              <a:buChar char=""/>
-              <a:defRPr sz="1600" kern="1200">
-                <a:solidFill>
-                  <a:schemeClr val="tx1">
-                    <a:lumMod val="65000"/>
-                    <a:lumOff val="35000"/>
-                  </a:schemeClr>
-                </a:solidFill>
-                <a:latin typeface="+mn-lt"/>
-                <a:ea typeface="+mn-ea"/>
-                <a:cs typeface="+mn-cs"/>
-              </a:defRPr>
-            </a:lvl3pPr>
-            <a:lvl4pPr marL="1600200" indent="-182880" algn="l" defTabSz="914400" rtl="0" eaLnBrk="1" latinLnBrk="0" hangingPunct="1">
-              <a:lnSpc>
-                <a:spcPct val="90000"/>
-              </a:lnSpc>
-              <a:spcBef>
-                <a:spcPts val="250"/>
-              </a:spcBef>
-              <a:spcAft>
-                <a:spcPts val="250"/>
-              </a:spcAft>
-              <a:buClr>
-                <a:schemeClr val="accent1"/>
-              </a:buClr>
-              <a:buFont typeface="Wingdings 2" pitchFamily="18" charset="2"/>
-              <a:buChar char=""/>
-              <a:defRPr sz="1400" kern="1200">
-                <a:solidFill>
-                  <a:schemeClr val="tx1">
-                    <a:lumMod val="65000"/>
-                    <a:lumOff val="35000"/>
-                  </a:schemeClr>
-                </a:solidFill>
-                <a:latin typeface="+mn-lt"/>
-                <a:ea typeface="+mn-ea"/>
-                <a:cs typeface="+mn-cs"/>
-              </a:defRPr>
-            </a:lvl4pPr>
-            <a:lvl5pPr marL="2057400" indent="-182880" algn="l" defTabSz="914400" rtl="0" eaLnBrk="1" latinLnBrk="0" hangingPunct="1">
-              <a:lnSpc>
-                <a:spcPct val="90000"/>
-              </a:lnSpc>
-              <a:spcBef>
-                <a:spcPts val="250"/>
-              </a:spcBef>
-              <a:spcAft>
-                <a:spcPts val="250"/>
-              </a:spcAft>
-              <a:buClr>
-                <a:schemeClr val="accent1"/>
-              </a:buClr>
-              <a:buFont typeface="Wingdings 2" pitchFamily="18" charset="2"/>
-              <a:buChar char=""/>
-              <a:defRPr sz="1400" kern="1200">
-                <a:solidFill>
-                  <a:schemeClr val="tx1">
-                    <a:lumMod val="65000"/>
-                    <a:lumOff val="35000"/>
-                  </a:schemeClr>
-                </a:solidFill>
-                <a:latin typeface="+mn-lt"/>
-                <a:ea typeface="+mn-ea"/>
-                <a:cs typeface="+mn-cs"/>
-              </a:defRPr>
-            </a:lvl5pPr>
-            <a:lvl6pPr marL="2514600" indent="-228600" algn="l" defTabSz="914400" rtl="0" eaLnBrk="1" latinLnBrk="0" hangingPunct="1">
-              <a:lnSpc>
-                <a:spcPct val="90000"/>
-              </a:lnSpc>
-              <a:spcBef>
-                <a:spcPts val="250"/>
-              </a:spcBef>
-              <a:spcAft>
-                <a:spcPts val="250"/>
-              </a:spcAft>
-              <a:buClr>
-                <a:schemeClr val="accent1"/>
-              </a:buClr>
-              <a:buFont typeface="Wingdings 2" pitchFamily="18" charset="2"/>
-              <a:buChar char=""/>
-              <a:defRPr sz="1400" kern="1200">
-                <a:solidFill>
-                  <a:schemeClr val="tx1">
-                    <a:lumMod val="65000"/>
-                    <a:lumOff val="35000"/>
-                  </a:schemeClr>
-                </a:solidFill>
-                <a:latin typeface="+mn-lt"/>
-                <a:ea typeface="+mn-ea"/>
-                <a:cs typeface="+mn-cs"/>
-              </a:defRPr>
-            </a:lvl6pPr>
-            <a:lvl7pPr marL="2971800" indent="-228600" algn="l" defTabSz="914400" rtl="0" eaLnBrk="1" latinLnBrk="0" hangingPunct="1">
-              <a:lnSpc>
-                <a:spcPct val="90000"/>
-              </a:lnSpc>
-              <a:spcBef>
-                <a:spcPts val="250"/>
-              </a:spcBef>
-              <a:spcAft>
-                <a:spcPts val="250"/>
-              </a:spcAft>
-              <a:buClr>
-                <a:schemeClr val="accent1"/>
-              </a:buClr>
-              <a:buFont typeface="Wingdings 2" pitchFamily="18" charset="2"/>
-              <a:buChar char=""/>
-              <a:defRPr sz="1400" kern="1200">
-                <a:solidFill>
-                  <a:schemeClr val="tx1">
-                    <a:lumMod val="65000"/>
-                    <a:lumOff val="35000"/>
-                  </a:schemeClr>
-                </a:solidFill>
-                <a:latin typeface="+mn-lt"/>
-                <a:ea typeface="+mn-ea"/>
-                <a:cs typeface="+mn-cs"/>
-              </a:defRPr>
-            </a:lvl7pPr>
-            <a:lvl8pPr marL="3429000" indent="-228600" algn="l" defTabSz="914400" rtl="0" eaLnBrk="1" latinLnBrk="0" hangingPunct="1">
-              <a:lnSpc>
-                <a:spcPct val="90000"/>
-              </a:lnSpc>
-              <a:spcBef>
-                <a:spcPts val="250"/>
-              </a:spcBef>
-              <a:spcAft>
-                <a:spcPts val="250"/>
-              </a:spcAft>
-              <a:buClr>
-                <a:schemeClr val="accent1"/>
-              </a:buClr>
-              <a:buFont typeface="Wingdings 2" pitchFamily="18" charset="2"/>
-              <a:buChar char=""/>
-              <a:defRPr sz="1400" kern="1200">
-                <a:solidFill>
-                  <a:schemeClr val="tx1">
-                    <a:lumMod val="65000"/>
-                    <a:lumOff val="35000"/>
-                  </a:schemeClr>
-                </a:solidFill>
-                <a:latin typeface="+mn-lt"/>
-                <a:ea typeface="+mn-ea"/>
-                <a:cs typeface="+mn-cs"/>
-              </a:defRPr>
-            </a:lvl8pPr>
-            <a:lvl9pPr marL="3886200" indent="-228600" algn="l" defTabSz="914400" rtl="0" eaLnBrk="1" latinLnBrk="0" hangingPunct="1">
-              <a:lnSpc>
-                <a:spcPct val="90000"/>
-              </a:lnSpc>
-              <a:spcBef>
-                <a:spcPts val="250"/>
-              </a:spcBef>
-              <a:spcAft>
-                <a:spcPts val="250"/>
-              </a:spcAft>
-              <a:buClr>
-                <a:schemeClr val="accent1"/>
-              </a:buClr>
-              <a:buFont typeface="Wingdings 2" pitchFamily="18" charset="2"/>
-              <a:buChar char=""/>
-              <a:defRPr sz="1400" kern="1200">
-                <a:solidFill>
-                  <a:schemeClr val="tx1">
-                    <a:lumMod val="65000"/>
-                    <a:lumOff val="35000"/>
-                  </a:schemeClr>
-                </a:solidFill>
-                <a:latin typeface="+mn-lt"/>
-                <a:ea typeface="+mn-ea"/>
-                <a:cs typeface="+mn-cs"/>
-              </a:defRPr>
-            </a:lvl9pPr>
-          </a:lstStyle>
-          <a:p>
-            <a:pPr marL="0" indent="0">
-              <a:buNone/>
-            </a:pPr>
-            <a:endParaRPr lang="en-US" dirty="0"/>
-          </a:p>
-        </p:txBody>
-      </p:sp>
-      <p:pic>
-        <p:nvPicPr>
-          <p:cNvPr id="5" name="Picture 4"/>
-          <p:cNvPicPr>
-            <a:picLocks noChangeAspect="1"/>
-          </p:cNvPicPr>
-          <p:nvPr/>
-        </p:nvPicPr>
-        <p:blipFill>
-          <a:blip r:embed="rId2">
-            <a:extLst>
-              <a:ext uri="{28A0092B-C50C-407E-A947-70E740481C1C}">
-                <a14:useLocalDpi xmlns:a14="http://schemas.microsoft.com/office/drawing/2010/main" val="0"/>
-              </a:ext>
-            </a:extLst>
-          </a:blip>
-          <a:stretch>
-            <a:fillRect/>
-          </a:stretch>
-        </p:blipFill>
-        <p:spPr>
-          <a:xfrm>
-            <a:off x="3573671" y="1547998"/>
-            <a:ext cx="3642044" cy="2259236"/>
-          </a:xfrm>
-          <a:prstGeom prst="rect">
-            <a:avLst/>
-          </a:prstGeom>
-        </p:spPr>
-      </p:pic>
-      <p:pic>
-        <p:nvPicPr>
-          <p:cNvPr id="6" name="Picture 5"/>
-          <p:cNvPicPr>
-            <a:picLocks noChangeAspect="1"/>
-          </p:cNvPicPr>
-          <p:nvPr/>
-        </p:nvPicPr>
-        <p:blipFill>
-          <a:blip r:embed="rId3">
-            <a:extLst>
-              <a:ext uri="{28A0092B-C50C-407E-A947-70E740481C1C}">
-                <a14:useLocalDpi xmlns:a14="http://schemas.microsoft.com/office/drawing/2010/main" val="0"/>
-              </a:ext>
-            </a:extLst>
-          </a:blip>
-          <a:stretch>
-            <a:fillRect/>
-          </a:stretch>
-        </p:blipFill>
-        <p:spPr>
-          <a:xfrm>
-            <a:off x="7446146" y="1547997"/>
-            <a:ext cx="3740646" cy="2318398"/>
-          </a:xfrm>
-          <a:prstGeom prst="rect">
-            <a:avLst/>
-          </a:prstGeom>
-        </p:spPr>
-      </p:pic>
-      <p:pic>
-        <p:nvPicPr>
-          <p:cNvPr id="10" name="Content Placeholder 3"/>
-          <p:cNvPicPr>
-            <a:picLocks noChangeAspect="1"/>
-          </p:cNvPicPr>
-          <p:nvPr/>
-        </p:nvPicPr>
-        <p:blipFill>
-          <a:blip r:embed="rId4">
-            <a:extLst>
-              <a:ext uri="{28A0092B-C50C-407E-A947-70E740481C1C}">
-                <a14:useLocalDpi xmlns:a14="http://schemas.microsoft.com/office/drawing/2010/main" val="0"/>
-              </a:ext>
-            </a:extLst>
-          </a:blip>
-          <a:stretch>
-            <a:fillRect/>
-          </a:stretch>
-        </p:blipFill>
-        <p:spPr>
-          <a:xfrm>
-            <a:off x="3998825" y="3938407"/>
-            <a:ext cx="3296965" cy="2537209"/>
-          </a:xfrm>
-          <a:prstGeom prst="rect">
-            <a:avLst/>
-          </a:prstGeom>
-        </p:spPr>
-      </p:pic>
-    </p:spTree>
-    <p:extLst>
-      <p:ext uri="{BB962C8B-B14F-4D97-AF65-F5344CB8AC3E}">
-        <p14:creationId xmlns:p14="http://schemas.microsoft.com/office/powerpoint/2010/main" val="2838126158"/>
-      </p:ext>
-    </p:extLst>
-  </p:cSld>
-  <p:clrMapOvr>
-    <a:masterClrMapping/>
-  </p:clrMapOvr>
-  <p:timing>
-    <p:tnLst>
-      <p:par>
-        <p:cTn id="1" dur="indefinite" restart="never" nodeType="tmRoot"/>
-      </p:par>
-    </p:tnLst>
-  </p:timing>
-</p:sld>
-</file>
-
-<file path=ppt/slides/slide4.xml><?xml version="1.0" encoding="utf-8"?>
-<p:sld xmlns:a="http://schemas.openxmlformats.org/drawingml/2006/main" xmlns:r="http://schemas.openxmlformats.org/officeDocument/2006/relationships" xmlns:p="http://schemas.openxmlformats.org/presentationml/2006/main">
-  <p:cSld>
-    <p:spTree>
-      <p:nvGrpSpPr>
-        <p:cNvPr id="1" name=""/>
-        <p:cNvGrpSpPr/>
-        <p:nvPr/>
-      </p:nvGrpSpPr>
-      <p:grpSpPr>
-        <a:xfrm>
-          <a:off x="0" y="0"/>
-          <a:ext cx="0" cy="0"/>
-          <a:chOff x="0" y="0"/>
-          <a:chExt cx="0" cy="0"/>
-        </a:xfrm>
-      </p:grpSpPr>
-      <p:sp>
-        <p:nvSpPr>
-          <p:cNvPr id="2" name="Title 1"/>
-          <p:cNvSpPr>
-            <a:spLocks noGrp="1"/>
-          </p:cNvSpPr>
-          <p:nvPr>
-            <p:ph type="title"/>
-          </p:nvPr>
-        </p:nvSpPr>
-        <p:spPr/>
-        <p:txBody>
-          <a:bodyPr/>
-          <a:lstStyle/>
-          <a:p>
-            <a:endParaRPr lang="en-US"/>
-          </a:p>
-        </p:txBody>
-      </p:sp>
-      <p:sp>
-        <p:nvSpPr>
-          <p:cNvPr id="3" name="Content Placeholder 2"/>
-          <p:cNvSpPr>
-            <a:spLocks noGrp="1"/>
-          </p:cNvSpPr>
-          <p:nvPr>
-            <p:ph idx="1"/>
-          </p:nvPr>
-        </p:nvSpPr>
-        <p:spPr/>
-        <p:txBody>
-          <a:bodyPr/>
-          <a:lstStyle/>
-          <a:p>
-            <a:endParaRPr lang="en-US"/>
-          </a:p>
-        </p:txBody>
-      </p:sp>
-    </p:spTree>
-    <p:extLst>
-      <p:ext uri="{BB962C8B-B14F-4D97-AF65-F5344CB8AC3E}">
-        <p14:creationId xmlns:p14="http://schemas.microsoft.com/office/powerpoint/2010/main" val="2648138138"/>
-      </p:ext>
-    </p:extLst>
-  </p:cSld>
-  <p:clrMapOvr>
-    <a:masterClrMapping/>
-  </p:clrMapOvr>
-  <p:timing>
-    <p:tnLst>
-      <p:par>
-        <p:cTn id="1" dur="indefinite" restart="never" nodeType="tmRoot"/>
-      </p:par>
-    </p:tnLst>
-  </p:timing>
-</p:sld>
-</file>
-
-<file path=ppt/slides/slide5.xml><?xml version="1.0" encoding="utf-8"?>
-<p:sld xmlns:a="http://schemas.openxmlformats.org/drawingml/2006/main" xmlns:r="http://schemas.openxmlformats.org/officeDocument/2006/relationships" xmlns:p="http://schemas.openxmlformats.org/presentationml/2006/main">
-  <p:cSld>
-    <p:spTree>
-      <p:nvGrpSpPr>
-        <p:cNvPr id="1" name=""/>
-        <p:cNvGrpSpPr/>
-        <p:nvPr/>
-      </p:nvGrpSpPr>
-      <p:grpSpPr>
-        <a:xfrm>
-          <a:off x="0" y="0"/>
-          <a:ext cx="0" cy="0"/>
-          <a:chOff x="0" y="0"/>
-          <a:chExt cx="0" cy="0"/>
-        </a:xfrm>
-      </p:grpSpPr>
-      <p:sp>
-        <p:nvSpPr>
-          <p:cNvPr id="2" name="Title 1"/>
-          <p:cNvSpPr>
-            <a:spLocks noGrp="1"/>
-          </p:cNvSpPr>
-          <p:nvPr>
-            <p:ph type="title"/>
-          </p:nvPr>
-        </p:nvSpPr>
-        <p:spPr/>
-        <p:txBody>
-          <a:bodyPr/>
-          <a:lstStyle/>
-          <a:p>
-            <a:endParaRPr lang="en-US"/>
-          </a:p>
-        </p:txBody>
-      </p:sp>
-      <p:pic>
-        <p:nvPicPr>
-          <p:cNvPr id="4" name="Content Placeholder 3"/>
+          <p:cNvPr id="7" name="Content Placeholder 3"/>
           <p:cNvPicPr>
             <a:picLocks noGrp="1" noChangeAspect="1"/>
           </p:cNvPicPr>
@@ -4504,15 +4485,264 @@
         </p:blipFill>
         <p:spPr>
           <a:xfrm>
-            <a:off x="3832167" y="2826063"/>
-            <a:ext cx="4131842" cy="3179696"/>
+            <a:off x="3956861" y="1586491"/>
+            <a:ext cx="4788479" cy="3685017"/>
           </a:xfrm>
+          <a:prstGeom prst="rect">
+            <a:avLst/>
+          </a:prstGeom>
         </p:spPr>
       </p:pic>
+      <p:sp>
+        <p:nvSpPr>
+          <p:cNvPr id="6" name="TextBox 5">
+            <a:extLst>
+              <a:ext uri="{FF2B5EF4-FFF2-40B4-BE49-F238E27FC236}">
+                <a16:creationId xmlns:a16="http://schemas.microsoft.com/office/drawing/2014/main" id="{D32DE5D1-CD05-4C4D-BDA8-7008C75CA35B}"/>
+              </a:ext>
+            </a:extLst>
+          </p:cNvPr>
+          <p:cNvSpPr txBox="1"/>
+          <p:nvPr/>
+        </p:nvSpPr>
+        <p:spPr>
+          <a:xfrm>
+            <a:off x="9094949" y="5176802"/>
+            <a:ext cx="2177112" cy="923330"/>
+          </a:xfrm>
+          <a:prstGeom prst="rect">
+            <a:avLst/>
+          </a:prstGeom>
+          <a:solidFill>
+            <a:srgbClr val="40BAD2"/>
+          </a:solidFill>
+        </p:spPr>
+        <p:txBody>
+          <a:bodyPr wrap="square" rtlCol="0">
+            <a:spAutoFit/>
+          </a:bodyPr>
+          <a:lstStyle/>
+          <a:p>
+            <a:r>
+              <a:rPr lang="en-US" dirty="0">
+                <a:solidFill>
+                  <a:schemeClr val="bg1"/>
+                </a:solidFill>
+              </a:rPr>
+              <a:t>30.9% </a:t>
+            </a:r>
+            <a:r>
+              <a:rPr lang="en-US" dirty="0">
+                <a:solidFill>
+                  <a:schemeClr val="accent1">
+                    <a:lumMod val="20000"/>
+                    <a:lumOff val="80000"/>
+                  </a:schemeClr>
+                </a:solidFill>
+              </a:rPr>
+              <a:t>report not having a retirement account</a:t>
+            </a:r>
+          </a:p>
+        </p:txBody>
+      </p:sp>
+      <p:sp>
+        <p:nvSpPr>
+          <p:cNvPr id="8" name="TextBox 7">
+            <a:extLst>
+              <a:ext uri="{FF2B5EF4-FFF2-40B4-BE49-F238E27FC236}">
+                <a16:creationId xmlns:a16="http://schemas.microsoft.com/office/drawing/2014/main" id="{C08BC746-2BCB-41D0-A18A-AA4FE4EB23C8}"/>
+              </a:ext>
+            </a:extLst>
+          </p:cNvPr>
+          <p:cNvSpPr txBox="1"/>
+          <p:nvPr/>
+        </p:nvSpPr>
+        <p:spPr>
+          <a:xfrm>
+            <a:off x="3956861" y="5453801"/>
+            <a:ext cx="4788479" cy="646331"/>
+          </a:xfrm>
+          <a:prstGeom prst="rect">
+            <a:avLst/>
+          </a:prstGeom>
+          <a:solidFill>
+            <a:srgbClr val="40BAD2"/>
+          </a:solidFill>
+        </p:spPr>
+        <p:txBody>
+          <a:bodyPr wrap="square" rtlCol="0">
+            <a:spAutoFit/>
+          </a:bodyPr>
+          <a:lstStyle/>
+          <a:p>
+            <a:r>
+              <a:rPr lang="en-US" dirty="0">
+                <a:solidFill>
+                  <a:schemeClr val="bg1"/>
+                </a:solidFill>
+              </a:rPr>
+              <a:t>92.8% </a:t>
+            </a:r>
+            <a:r>
+              <a:rPr lang="en-US" dirty="0">
+                <a:solidFill>
+                  <a:schemeClr val="accent1">
+                    <a:lumMod val="20000"/>
+                    <a:lumOff val="80000"/>
+                  </a:schemeClr>
+                </a:solidFill>
+              </a:rPr>
+              <a:t>said they have never tried to calculate how much they need to be saving for retirement</a:t>
+            </a:r>
+          </a:p>
+        </p:txBody>
+      </p:sp>
+      <p:sp>
+        <p:nvSpPr>
+          <p:cNvPr id="9" name="TextBox 8">
+            <a:extLst>
+              <a:ext uri="{FF2B5EF4-FFF2-40B4-BE49-F238E27FC236}">
+                <a16:creationId xmlns:a16="http://schemas.microsoft.com/office/drawing/2014/main" id="{38936DA9-5634-4479-8442-827CEDA45420}"/>
+              </a:ext>
+            </a:extLst>
+          </p:cNvPr>
+          <p:cNvSpPr txBox="1"/>
+          <p:nvPr/>
+        </p:nvSpPr>
+        <p:spPr>
+          <a:xfrm>
+            <a:off x="9094949" y="1750885"/>
+            <a:ext cx="2177112" cy="1754326"/>
+          </a:xfrm>
+          <a:prstGeom prst="rect">
+            <a:avLst/>
+          </a:prstGeom>
+          <a:solidFill>
+            <a:srgbClr val="40BAD2"/>
+          </a:solidFill>
+        </p:spPr>
+        <p:txBody>
+          <a:bodyPr wrap="square" rtlCol="0">
+            <a:spAutoFit/>
+          </a:bodyPr>
+          <a:lstStyle/>
+          <a:p>
+            <a:r>
+              <a:rPr lang="en-US" dirty="0">
+                <a:solidFill>
+                  <a:schemeClr val="bg1"/>
+                </a:solidFill>
+              </a:rPr>
+              <a:t>58.1% </a:t>
+            </a:r>
+            <a:r>
+              <a:rPr lang="en-US" dirty="0">
+                <a:solidFill>
+                  <a:schemeClr val="accent1">
+                    <a:lumMod val="20000"/>
+                    <a:lumOff val="80000"/>
+                  </a:schemeClr>
+                </a:solidFill>
+              </a:rPr>
+              <a:t>have employer-provided retirement accounts, and </a:t>
+            </a:r>
+            <a:r>
+              <a:rPr lang="en-US" dirty="0">
+                <a:solidFill>
+                  <a:schemeClr val="bg1"/>
+                </a:solidFill>
+              </a:rPr>
+              <a:t>75.3% </a:t>
+            </a:r>
+            <a:r>
+              <a:rPr lang="en-US" dirty="0">
+                <a:solidFill>
+                  <a:schemeClr val="accent1">
+                    <a:lumMod val="20000"/>
+                    <a:lumOff val="80000"/>
+                  </a:schemeClr>
+                </a:solidFill>
+              </a:rPr>
+              <a:t>report saving regularly into this account</a:t>
+            </a:r>
+          </a:p>
+        </p:txBody>
+      </p:sp>
+      <p:sp>
+        <p:nvSpPr>
+          <p:cNvPr id="10" name="TextBox 9">
+            <a:extLst>
+              <a:ext uri="{FF2B5EF4-FFF2-40B4-BE49-F238E27FC236}">
+                <a16:creationId xmlns:a16="http://schemas.microsoft.com/office/drawing/2014/main" id="{FFD8130E-FCDD-40B3-AA9B-8CB3D576F09B}"/>
+              </a:ext>
+            </a:extLst>
+          </p:cNvPr>
+          <p:cNvSpPr txBox="1"/>
+          <p:nvPr/>
+        </p:nvSpPr>
+        <p:spPr>
+          <a:xfrm>
+            <a:off x="9094949" y="3463843"/>
+            <a:ext cx="2177112" cy="1754326"/>
+          </a:xfrm>
+          <a:prstGeom prst="rect">
+            <a:avLst/>
+          </a:prstGeom>
+          <a:solidFill>
+            <a:srgbClr val="40BAD2"/>
+          </a:solidFill>
+        </p:spPr>
+        <p:txBody>
+          <a:bodyPr wrap="square" rtlCol="0">
+            <a:spAutoFit/>
+          </a:bodyPr>
+          <a:lstStyle/>
+          <a:p>
+            <a:r>
+              <a:rPr lang="en-US" dirty="0">
+                <a:solidFill>
+                  <a:schemeClr val="bg1"/>
+                </a:solidFill>
+              </a:rPr>
+              <a:t>23.3% </a:t>
+            </a:r>
+            <a:r>
+              <a:rPr lang="en-US" dirty="0">
+                <a:solidFill>
+                  <a:schemeClr val="accent1">
+                    <a:lumMod val="20000"/>
+                    <a:lumOff val="80000"/>
+                  </a:schemeClr>
+                </a:solidFill>
+              </a:rPr>
+              <a:t>have individual retirement accounts, and </a:t>
+            </a:r>
+            <a:r>
+              <a:rPr lang="en-US" dirty="0">
+                <a:solidFill>
+                  <a:schemeClr val="bg1"/>
+                </a:solidFill>
+              </a:rPr>
+              <a:t>54.4% </a:t>
+            </a:r>
+            <a:r>
+              <a:rPr lang="en-US" dirty="0">
+                <a:solidFill>
+                  <a:schemeClr val="accent1">
+                    <a:lumMod val="20000"/>
+                    <a:lumOff val="80000"/>
+                  </a:schemeClr>
+                </a:solidFill>
+              </a:rPr>
+              <a:t>report saving regularly into this account</a:t>
+            </a:r>
+          </a:p>
+        </p:txBody>
+      </p:sp>
     </p:spTree>
     <p:extLst>
       <p:ext uri="{BB962C8B-B14F-4D97-AF65-F5344CB8AC3E}">
-        <p14:creationId xmlns:p14="http://schemas.microsoft.com/office/powerpoint/2010/main" val="2472440801"/>
+        <p14:creationId xmlns:p14="http://schemas.microsoft.com/office/powerpoint/2010/main" val="4108362510"/>
       </p:ext>
     </p:extLst>
   </p:cSld>
@@ -4522,9 +4752,17 @@
 </p:sld>
 </file>
 
-<file path=ppt/slides/slide6.xml><?xml version="1.0" encoding="utf-8"?>
+<file path=ppt/slides/slide3.xml><?xml version="1.0" encoding="utf-8"?>
 <p:sld xmlns:a="http://schemas.openxmlformats.org/drawingml/2006/main" xmlns:r="http://schemas.openxmlformats.org/officeDocument/2006/relationships" xmlns:p="http://schemas.openxmlformats.org/presentationml/2006/main">
   <p:cSld>
+    <p:bg>
+      <p:bgPr>
+        <a:solidFill>
+          <a:schemeClr val="bg1"/>
+        </a:solidFill>
+        <a:effectLst/>
+      </p:bgPr>
+    </p:bg>
     <p:spTree>
       <p:nvGrpSpPr>
         <p:cNvPr id="1" name=""/>
@@ -4539,71 +4777,226 @@
           <a:chExt cx="0" cy="0"/>
         </a:xfrm>
       </p:grpSpPr>
-      <p:sp>
-        <p:nvSpPr>
-          <p:cNvPr id="2" name="Title 1"/>
+      <p:sp useBgFill="1">
+        <p:nvSpPr>
+          <p:cNvPr id="18" name="Rectangle 17">
+            <a:extLst>
+              <a:ext uri="{FF2B5EF4-FFF2-40B4-BE49-F238E27FC236}">
+                <a16:creationId xmlns:a16="http://schemas.microsoft.com/office/drawing/2014/main" id="{A1DFCBE5-52C1-48A9-89CF-E7D68CCA1620}"/>
+              </a:ext>
+              <a:ext uri="{C183D7F6-B498-43B3-948B-1728B52AA6E4}">
+                <adec:decorative xmlns:adec="http://schemas.microsoft.com/office/drawing/2017/decorative" val="1"/>
+              </a:ext>
+            </a:extLst>
+          </p:cNvPr>
           <p:cNvSpPr>
-            <a:spLocks noGrp="1"/>
+            <a:spLocks noGrp="1" noRot="1" noChangeAspect="1" noMove="1" noResize="1" noEditPoints="1" noAdjustHandles="1" noChangeArrowheads="1" noChangeShapeType="1" noTextEdit="1"/>
           </p:cNvSpPr>
           <p:nvPr>
-            <p:ph type="title"/>
+            <p:extLst>
+              <p:ext uri="{386F3935-93C4-4BCD-93E2-E3B085C9AB24}">
+                <p16:designElem xmlns:p16="http://schemas.microsoft.com/office/powerpoint/2015/main" val="1"/>
+              </p:ext>
+            </p:extLst>
           </p:nvPr>
         </p:nvSpPr>
-        <p:spPr/>
-        <p:txBody>
-          <a:bodyPr/>
+        <p:spPr>
+          <a:xfrm>
+            <a:off x="0" y="0"/>
+            <a:ext cx="12188952" cy="6858000"/>
+          </a:xfrm>
+          <a:prstGeom prst="rect">
+            <a:avLst/>
+          </a:prstGeom>
+          <a:ln>
+            <a:noFill/>
+          </a:ln>
+        </p:spPr>
+        <p:style>
+          <a:lnRef idx="2">
+            <a:schemeClr val="accent1">
+              <a:shade val="50000"/>
+            </a:schemeClr>
+          </a:lnRef>
+          <a:fillRef idx="1">
+            <a:schemeClr val="accent1"/>
+          </a:fillRef>
+          <a:effectRef idx="0">
+            <a:schemeClr val="accent1"/>
+          </a:effectRef>
+          <a:fontRef idx="minor">
+            <a:schemeClr val="lt1"/>
+          </a:fontRef>
+        </p:style>
+        <p:txBody>
+          <a:bodyPr rtlCol="0" anchor="ctr"/>
           <a:lstStyle/>
           <a:p>
+            <a:pPr algn="ctr"/>
             <a:endParaRPr lang="en-US"/>
           </a:p>
         </p:txBody>
       </p:sp>
       <p:sp>
         <p:nvSpPr>
-          <p:cNvPr id="3" name="Content Placeholder 2"/>
+          <p:cNvPr id="20" name="Rectangle 19">
+            <a:extLst>
+              <a:ext uri="{FF2B5EF4-FFF2-40B4-BE49-F238E27FC236}">
+                <a16:creationId xmlns:a16="http://schemas.microsoft.com/office/drawing/2014/main" id="{EB17C8F6-D357-4254-BBAC-96B01EEBE162}"/>
+              </a:ext>
+              <a:ext uri="{C183D7F6-B498-43B3-948B-1728B52AA6E4}">
+                <adec:decorative xmlns:adec="http://schemas.microsoft.com/office/drawing/2017/decorative" val="1"/>
+              </a:ext>
+            </a:extLst>
+          </p:cNvPr>
           <p:cNvSpPr>
-            <a:spLocks noGrp="1"/>
+            <a:spLocks noGrp="1" noRot="1" noChangeAspect="1" noMove="1" noResize="1" noEditPoints="1" noAdjustHandles="1" noChangeArrowheads="1" noChangeShapeType="1" noTextEdit="1"/>
           </p:cNvSpPr>
           <p:nvPr>
-            <p:ph idx="1"/>
+            <p:extLst>
+              <p:ext uri="{386F3935-93C4-4BCD-93E2-E3B085C9AB24}">
+                <p16:designElem xmlns:p16="http://schemas.microsoft.com/office/powerpoint/2015/main" val="1"/>
+              </p:ext>
+            </p:extLst>
           </p:nvPr>
         </p:nvSpPr>
         <p:spPr>
           <a:xfrm>
-            <a:off x="3956861" y="1521229"/>
-            <a:ext cx="7315200" cy="4430268"/>
-          </a:xfrm>
-        </p:spPr>
-        <p:txBody>
-          <a:bodyPr/>
-          <a:lstStyle/>
-          <a:p>
-            <a:pPr marL="0" indent="0">
-              <a:buNone/>
-            </a:pPr>
-            <a:endParaRPr lang="en-US" dirty="0"/>
-          </a:p>
-        </p:txBody>
-      </p:sp>
-      <p:sp>
-        <p:nvSpPr>
-          <p:cNvPr id="5" name="Content Placeholder 2"/>
-          <p:cNvSpPr txBox="1">
-            <a:spLocks/>
-          </p:cNvSpPr>
-          <p:nvPr/>
-        </p:nvSpPr>
-        <p:spPr>
-          <a:xfrm>
-            <a:off x="3956861" y="757868"/>
-            <a:ext cx="7315200" cy="665434"/>
+            <a:off x="0" y="3647203"/>
+            <a:ext cx="11707367" cy="2572622"/>
           </a:xfrm>
           <a:prstGeom prst="rect">
             <a:avLst/>
           </a:prstGeom>
           <a:solidFill>
-            <a:srgbClr val="40BAD2"/>
+            <a:schemeClr val="accent1"/>
           </a:solidFill>
+          <a:ln>
+            <a:noFill/>
+          </a:ln>
+        </p:spPr>
+        <p:style>
+          <a:lnRef idx="2">
+            <a:schemeClr val="accent1">
+              <a:shade val="50000"/>
+            </a:schemeClr>
+          </a:lnRef>
+          <a:fillRef idx="1">
+            <a:schemeClr val="accent1"/>
+          </a:fillRef>
+          <a:effectRef idx="0">
+            <a:schemeClr val="accent1"/>
+          </a:effectRef>
+          <a:fontRef idx="minor">
+            <a:schemeClr val="lt1"/>
+          </a:fontRef>
+        </p:style>
+      </p:sp>
+      <p:pic>
+        <p:nvPicPr>
+          <p:cNvPr id="13" name="Picture 12">
+            <a:extLst>
+              <a:ext uri="{FF2B5EF4-FFF2-40B4-BE49-F238E27FC236}">
+                <a16:creationId xmlns:a16="http://schemas.microsoft.com/office/drawing/2014/main" id="{A3D6236A-04D6-45F9-87A1-9840DF59C182}"/>
+              </a:ext>
+            </a:extLst>
+          </p:cNvPr>
+          <p:cNvPicPr>
+            <a:picLocks noChangeAspect="1"/>
+          </p:cNvPicPr>
+          <p:nvPr/>
+        </p:nvPicPr>
+        <p:blipFill>
+          <a:blip r:embed="rId2"/>
+          <a:stretch>
+            <a:fillRect/>
+          </a:stretch>
+        </p:blipFill>
+        <p:spPr>
+          <a:xfrm>
+            <a:off x="173728" y="1267729"/>
+            <a:ext cx="3992894" cy="2475596"/>
+          </a:xfrm>
+          <a:prstGeom prst="rect">
+            <a:avLst/>
+          </a:prstGeom>
+        </p:spPr>
+      </p:pic>
+      <p:pic>
+        <p:nvPicPr>
+          <p:cNvPr id="11" name="Picture 10">
+            <a:extLst>
+              <a:ext uri="{FF2B5EF4-FFF2-40B4-BE49-F238E27FC236}">
+                <a16:creationId xmlns:a16="http://schemas.microsoft.com/office/drawing/2014/main" id="{A7E9C5FB-5CAF-4FDF-B741-5CCDCE251FD1}"/>
+              </a:ext>
+            </a:extLst>
+          </p:cNvPr>
+          <p:cNvPicPr>
+            <a:picLocks noChangeAspect="1"/>
+          </p:cNvPicPr>
+          <p:nvPr/>
+        </p:nvPicPr>
+        <p:blipFill>
+          <a:blip r:embed="rId3"/>
+          <a:stretch>
+            <a:fillRect/>
+          </a:stretch>
+        </p:blipFill>
+        <p:spPr>
+          <a:xfrm>
+            <a:off x="4106311" y="1267729"/>
+            <a:ext cx="3992894" cy="2475596"/>
+          </a:xfrm>
+          <a:prstGeom prst="rect">
+            <a:avLst/>
+          </a:prstGeom>
+        </p:spPr>
+      </p:pic>
+      <p:pic>
+        <p:nvPicPr>
+          <p:cNvPr id="9" name="Picture 8">
+            <a:extLst>
+              <a:ext uri="{FF2B5EF4-FFF2-40B4-BE49-F238E27FC236}">
+                <a16:creationId xmlns:a16="http://schemas.microsoft.com/office/drawing/2014/main" id="{219EC90B-13EB-43F9-A1E0-A7D231D84B15}"/>
+              </a:ext>
+            </a:extLst>
+          </p:cNvPr>
+          <p:cNvPicPr>
+            <a:picLocks noChangeAspect="1"/>
+          </p:cNvPicPr>
+          <p:nvPr/>
+        </p:nvPicPr>
+        <p:blipFill rotWithShape="1">
+          <a:blip r:embed="rId4"/>
+          <a:srcRect l="1199"/>
+          <a:stretch/>
+        </p:blipFill>
+        <p:spPr>
+          <a:xfrm>
+            <a:off x="8025380" y="1216003"/>
+            <a:ext cx="3859949" cy="2529647"/>
+          </a:xfrm>
+          <a:prstGeom prst="rect">
+            <a:avLst/>
+          </a:prstGeom>
+        </p:spPr>
+      </p:pic>
+      <p:sp>
+        <p:nvSpPr>
+          <p:cNvPr id="4" name="Content Placeholder 2"/>
+          <p:cNvSpPr txBox="1">
+            <a:spLocks/>
+          </p:cNvSpPr>
+          <p:nvPr/>
+        </p:nvSpPr>
+        <p:spPr>
+          <a:xfrm>
+            <a:off x="3985646" y="1379913"/>
+            <a:ext cx="7315200" cy="4713316"/>
+          </a:xfrm>
+          <a:prstGeom prst="rect">
+            <a:avLst/>
+          </a:prstGeom>
         </p:spPr>
         <p:txBody>
           <a:bodyPr vert="horz" lIns="91440" tIns="45720" rIns="91440" bIns="45720" rtlCol="0" anchor="ctr">
@@ -4853,46 +5246,3847 @@
           </a:lstStyle>
           <a:p>
             <a:pPr marL="0" indent="0">
+              <a:buNone/>
+            </a:pPr>
+            <a:endParaRPr lang="en-US" dirty="0"/>
+          </a:p>
+        </p:txBody>
+      </p:sp>
+      <p:sp>
+        <p:nvSpPr>
+          <p:cNvPr id="17" name="TextBox 16">
+            <a:extLst>
+              <a:ext uri="{FF2B5EF4-FFF2-40B4-BE49-F238E27FC236}">
+                <a16:creationId xmlns:a16="http://schemas.microsoft.com/office/drawing/2014/main" id="{60B141F4-C699-4B59-B088-8C8369CB90BD}"/>
+              </a:ext>
+            </a:extLst>
+          </p:cNvPr>
+          <p:cNvSpPr txBox="1"/>
+          <p:nvPr/>
+        </p:nvSpPr>
+        <p:spPr>
+          <a:xfrm>
+            <a:off x="1742603" y="2257856"/>
+            <a:ext cx="1162051" cy="519351"/>
+          </a:xfrm>
+          <a:prstGeom prst="flowChartConnector">
+            <a:avLst/>
+          </a:prstGeom>
+          <a:noFill/>
+        </p:spPr>
+        <p:txBody>
+          <a:bodyPr wrap="square" rtlCol="0">
+            <a:spAutoFit/>
+          </a:bodyPr>
+          <a:lstStyle/>
+          <a:p>
+            <a:r>
+              <a:rPr lang="en-US" dirty="0">
+                <a:solidFill>
+                  <a:srgbClr val="40BAD2"/>
+                </a:solidFill>
+              </a:rPr>
+              <a:t>69.7%</a:t>
+            </a:r>
+          </a:p>
+        </p:txBody>
+      </p:sp>
+      <p:sp>
+        <p:nvSpPr>
+          <p:cNvPr id="27" name="TextBox 26">
+            <a:extLst>
+              <a:ext uri="{FF2B5EF4-FFF2-40B4-BE49-F238E27FC236}">
+                <a16:creationId xmlns:a16="http://schemas.microsoft.com/office/drawing/2014/main" id="{E33FB500-FA88-4254-855A-E784F8DC3DF8}"/>
+              </a:ext>
+            </a:extLst>
+          </p:cNvPr>
+          <p:cNvSpPr txBox="1"/>
+          <p:nvPr/>
+        </p:nvSpPr>
+        <p:spPr>
+          <a:xfrm>
+            <a:off x="5424488" y="2257856"/>
+            <a:ext cx="1162051" cy="519351"/>
+          </a:xfrm>
+          <a:prstGeom prst="flowChartConnector">
+            <a:avLst/>
+          </a:prstGeom>
+          <a:noFill/>
+        </p:spPr>
+        <p:txBody>
+          <a:bodyPr wrap="square" rtlCol="0">
+            <a:spAutoFit/>
+          </a:bodyPr>
+          <a:lstStyle/>
+          <a:p>
+            <a:r>
+              <a:rPr lang="en-US" dirty="0">
+                <a:solidFill>
+                  <a:srgbClr val="40BAD2"/>
+                </a:solidFill>
+              </a:rPr>
+              <a:t>50.2%</a:t>
+            </a:r>
+          </a:p>
+        </p:txBody>
+      </p:sp>
+      <p:sp>
+        <p:nvSpPr>
+          <p:cNvPr id="28" name="TextBox 27">
+            <a:extLst>
+              <a:ext uri="{FF2B5EF4-FFF2-40B4-BE49-F238E27FC236}">
+                <a16:creationId xmlns:a16="http://schemas.microsoft.com/office/drawing/2014/main" id="{6592A60A-AB98-4F83-924B-FE51E19D842A}"/>
+              </a:ext>
+            </a:extLst>
+          </p:cNvPr>
+          <p:cNvSpPr txBox="1"/>
+          <p:nvPr/>
+        </p:nvSpPr>
+        <p:spPr>
+          <a:xfrm>
+            <a:off x="9464222" y="2257856"/>
+            <a:ext cx="1162051" cy="519351"/>
+          </a:xfrm>
+          <a:prstGeom prst="flowChartConnector">
+            <a:avLst/>
+          </a:prstGeom>
+          <a:noFill/>
+        </p:spPr>
+        <p:txBody>
+          <a:bodyPr wrap="square" rtlCol="0">
+            <a:spAutoFit/>
+          </a:bodyPr>
+          <a:lstStyle/>
+          <a:p>
+            <a:r>
+              <a:rPr lang="en-US" dirty="0">
+                <a:solidFill>
+                  <a:srgbClr val="40BAD2"/>
+                </a:solidFill>
+              </a:rPr>
+              <a:t>51.0%</a:t>
+            </a:r>
+          </a:p>
+        </p:txBody>
+      </p:sp>
+      <p:sp>
+        <p:nvSpPr>
+          <p:cNvPr id="38" name="TextBox 37">
+            <a:extLst>
+              <a:ext uri="{FF2B5EF4-FFF2-40B4-BE49-F238E27FC236}">
+                <a16:creationId xmlns:a16="http://schemas.microsoft.com/office/drawing/2014/main" id="{C9821614-1531-40C1-BAED-2627ED8054B4}"/>
+              </a:ext>
+            </a:extLst>
+          </p:cNvPr>
+          <p:cNvSpPr txBox="1"/>
+          <p:nvPr/>
+        </p:nvSpPr>
+        <p:spPr>
+          <a:xfrm>
+            <a:off x="2170175" y="1880061"/>
+            <a:ext cx="282905" cy="369332"/>
+          </a:xfrm>
+          <a:prstGeom prst="rect">
+            <a:avLst/>
+          </a:prstGeom>
+          <a:noFill/>
+        </p:spPr>
+        <p:txBody>
+          <a:bodyPr wrap="square" rtlCol="0">
+            <a:spAutoFit/>
+          </a:bodyPr>
+          <a:lstStyle/>
+          <a:p>
+            <a:r>
+              <a:rPr lang="en-US" dirty="0">
+                <a:solidFill>
+                  <a:srgbClr val="40BAD2"/>
+                </a:solidFill>
+              </a:rPr>
+              <a:t>*</a:t>
+            </a:r>
+          </a:p>
+        </p:txBody>
+      </p:sp>
+      <p:sp>
+        <p:nvSpPr>
+          <p:cNvPr id="39" name="TextBox 38">
+            <a:extLst>
+              <a:ext uri="{FF2B5EF4-FFF2-40B4-BE49-F238E27FC236}">
+                <a16:creationId xmlns:a16="http://schemas.microsoft.com/office/drawing/2014/main" id="{049D2719-F8D9-4473-A8DE-4B25FEF1C181}"/>
+              </a:ext>
+            </a:extLst>
+          </p:cNvPr>
+          <p:cNvSpPr txBox="1"/>
+          <p:nvPr/>
+        </p:nvSpPr>
+        <p:spPr>
+          <a:xfrm>
+            <a:off x="1617538" y="2666388"/>
+            <a:ext cx="282905" cy="369332"/>
+          </a:xfrm>
+          <a:prstGeom prst="rect">
+            <a:avLst/>
+          </a:prstGeom>
+          <a:noFill/>
+        </p:spPr>
+        <p:txBody>
+          <a:bodyPr wrap="square" rtlCol="0">
+            <a:spAutoFit/>
+          </a:bodyPr>
+          <a:lstStyle/>
+          <a:p>
+            <a:r>
+              <a:rPr lang="en-US" dirty="0">
+                <a:solidFill>
+                  <a:srgbClr val="40BAD2"/>
+                </a:solidFill>
+              </a:rPr>
+              <a:t>*</a:t>
+            </a:r>
+          </a:p>
+        </p:txBody>
+      </p:sp>
+      <p:sp>
+        <p:nvSpPr>
+          <p:cNvPr id="40" name="TextBox 39">
+            <a:extLst>
+              <a:ext uri="{FF2B5EF4-FFF2-40B4-BE49-F238E27FC236}">
+                <a16:creationId xmlns:a16="http://schemas.microsoft.com/office/drawing/2014/main" id="{E9AF74CD-D58C-42B3-BBD1-9D43DE466EA3}"/>
+              </a:ext>
+            </a:extLst>
+          </p:cNvPr>
+          <p:cNvSpPr txBox="1"/>
+          <p:nvPr/>
+        </p:nvSpPr>
+        <p:spPr>
+          <a:xfrm>
+            <a:off x="2690606" y="2296160"/>
+            <a:ext cx="282905" cy="369332"/>
+          </a:xfrm>
+          <a:prstGeom prst="rect">
+            <a:avLst/>
+          </a:prstGeom>
+          <a:noFill/>
+        </p:spPr>
+        <p:txBody>
+          <a:bodyPr wrap="square" rtlCol="0">
+            <a:spAutoFit/>
+          </a:bodyPr>
+          <a:lstStyle/>
+          <a:p>
+            <a:r>
+              <a:rPr lang="en-US" dirty="0">
+                <a:solidFill>
+                  <a:srgbClr val="40BAD2"/>
+                </a:solidFill>
+              </a:rPr>
+              <a:t>*</a:t>
+            </a:r>
+          </a:p>
+        </p:txBody>
+      </p:sp>
+      <p:sp>
+        <p:nvSpPr>
+          <p:cNvPr id="42" name="TextBox 41">
+            <a:extLst>
+              <a:ext uri="{FF2B5EF4-FFF2-40B4-BE49-F238E27FC236}">
+                <a16:creationId xmlns:a16="http://schemas.microsoft.com/office/drawing/2014/main" id="{DC8CD553-0A85-4893-B293-7A38F481767C}"/>
+              </a:ext>
+            </a:extLst>
+          </p:cNvPr>
+          <p:cNvSpPr txBox="1"/>
+          <p:nvPr/>
+        </p:nvSpPr>
+        <p:spPr>
+          <a:xfrm>
+            <a:off x="5608310" y="1926828"/>
+            <a:ext cx="282905" cy="369332"/>
+          </a:xfrm>
+          <a:prstGeom prst="rect">
+            <a:avLst/>
+          </a:prstGeom>
+          <a:noFill/>
+        </p:spPr>
+        <p:txBody>
+          <a:bodyPr wrap="square" rtlCol="0">
+            <a:spAutoFit/>
+          </a:bodyPr>
+          <a:lstStyle/>
+          <a:p>
+            <a:r>
+              <a:rPr lang="en-US" dirty="0">
+                <a:solidFill>
+                  <a:srgbClr val="40BAD2"/>
+                </a:solidFill>
+              </a:rPr>
+              <a:t>*</a:t>
+            </a:r>
+          </a:p>
+        </p:txBody>
+      </p:sp>
+      <p:sp>
+        <p:nvSpPr>
+          <p:cNvPr id="43" name="TextBox 42">
+            <a:extLst>
+              <a:ext uri="{FF2B5EF4-FFF2-40B4-BE49-F238E27FC236}">
+                <a16:creationId xmlns:a16="http://schemas.microsoft.com/office/drawing/2014/main" id="{AF0FB886-8D71-4992-991A-C68FECF5DDA9}"/>
+              </a:ext>
+            </a:extLst>
+          </p:cNvPr>
+          <p:cNvSpPr txBox="1"/>
+          <p:nvPr/>
+        </p:nvSpPr>
+        <p:spPr>
+          <a:xfrm>
+            <a:off x="5982093" y="1962831"/>
+            <a:ext cx="282905" cy="369332"/>
+          </a:xfrm>
+          <a:prstGeom prst="rect">
+            <a:avLst/>
+          </a:prstGeom>
+          <a:noFill/>
+        </p:spPr>
+        <p:txBody>
+          <a:bodyPr wrap="square" rtlCol="0">
+            <a:spAutoFit/>
+          </a:bodyPr>
+          <a:lstStyle/>
+          <a:p>
+            <a:r>
+              <a:rPr lang="en-US" dirty="0">
+                <a:solidFill>
+                  <a:srgbClr val="40BAD2"/>
+                </a:solidFill>
+              </a:rPr>
+              <a:t>*</a:t>
+            </a:r>
+          </a:p>
+        </p:txBody>
+      </p:sp>
+      <p:sp>
+        <p:nvSpPr>
+          <p:cNvPr id="44" name="TextBox 43">
+            <a:extLst>
+              <a:ext uri="{FF2B5EF4-FFF2-40B4-BE49-F238E27FC236}">
+                <a16:creationId xmlns:a16="http://schemas.microsoft.com/office/drawing/2014/main" id="{9EE8399E-2F58-44CF-9EF7-A58072A98699}"/>
+              </a:ext>
+            </a:extLst>
+          </p:cNvPr>
+          <p:cNvSpPr txBox="1"/>
+          <p:nvPr/>
+        </p:nvSpPr>
+        <p:spPr>
+          <a:xfrm>
+            <a:off x="6313993" y="2409038"/>
+            <a:ext cx="282905" cy="369332"/>
+          </a:xfrm>
+          <a:prstGeom prst="rect">
+            <a:avLst/>
+          </a:prstGeom>
+          <a:noFill/>
+        </p:spPr>
+        <p:txBody>
+          <a:bodyPr wrap="square" rtlCol="0">
+            <a:spAutoFit/>
+          </a:bodyPr>
+          <a:lstStyle/>
+          <a:p>
+            <a:r>
+              <a:rPr lang="en-US" dirty="0">
+                <a:solidFill>
+                  <a:srgbClr val="40BAD2"/>
+                </a:solidFill>
+              </a:rPr>
+              <a:t>*</a:t>
+            </a:r>
+          </a:p>
+        </p:txBody>
+      </p:sp>
+      <p:sp>
+        <p:nvSpPr>
+          <p:cNvPr id="45" name="TextBox 44">
+            <a:extLst>
+              <a:ext uri="{FF2B5EF4-FFF2-40B4-BE49-F238E27FC236}">
+                <a16:creationId xmlns:a16="http://schemas.microsoft.com/office/drawing/2014/main" id="{E6034BF4-C6B8-4FE4-A18B-424AE53CF960}"/>
+              </a:ext>
+            </a:extLst>
+          </p:cNvPr>
+          <p:cNvSpPr txBox="1"/>
+          <p:nvPr/>
+        </p:nvSpPr>
+        <p:spPr>
+          <a:xfrm>
+            <a:off x="9703133" y="1926828"/>
+            <a:ext cx="282905" cy="369332"/>
+          </a:xfrm>
+          <a:prstGeom prst="rect">
+            <a:avLst/>
+          </a:prstGeom>
+          <a:noFill/>
+        </p:spPr>
+        <p:txBody>
+          <a:bodyPr wrap="square" rtlCol="0">
+            <a:spAutoFit/>
+          </a:bodyPr>
+          <a:lstStyle/>
+          <a:p>
+            <a:r>
+              <a:rPr lang="en-US" dirty="0">
+                <a:solidFill>
+                  <a:srgbClr val="40BAD2"/>
+                </a:solidFill>
+              </a:rPr>
+              <a:t>*</a:t>
+            </a:r>
+          </a:p>
+        </p:txBody>
+      </p:sp>
+      <p:sp>
+        <p:nvSpPr>
+          <p:cNvPr id="46" name="TextBox 45">
+            <a:extLst>
+              <a:ext uri="{FF2B5EF4-FFF2-40B4-BE49-F238E27FC236}">
+                <a16:creationId xmlns:a16="http://schemas.microsoft.com/office/drawing/2014/main" id="{41EA23CB-B0C3-4C43-A535-E764B7E717F1}"/>
+              </a:ext>
+            </a:extLst>
+          </p:cNvPr>
+          <p:cNvSpPr txBox="1"/>
+          <p:nvPr/>
+        </p:nvSpPr>
+        <p:spPr>
+          <a:xfrm>
+            <a:off x="10152499" y="1962831"/>
+            <a:ext cx="282905" cy="369332"/>
+          </a:xfrm>
+          <a:prstGeom prst="rect">
+            <a:avLst/>
+          </a:prstGeom>
+          <a:noFill/>
+        </p:spPr>
+        <p:txBody>
+          <a:bodyPr wrap="square" rtlCol="0">
+            <a:spAutoFit/>
+          </a:bodyPr>
+          <a:lstStyle/>
+          <a:p>
+            <a:r>
+              <a:rPr lang="en-US" dirty="0">
+                <a:solidFill>
+                  <a:srgbClr val="40BAD2"/>
+                </a:solidFill>
+              </a:rPr>
+              <a:t>*</a:t>
+            </a:r>
+          </a:p>
+        </p:txBody>
+      </p:sp>
+      <p:sp>
+        <p:nvSpPr>
+          <p:cNvPr id="48" name="Rectangle 47">
+            <a:extLst>
+              <a:ext uri="{FF2B5EF4-FFF2-40B4-BE49-F238E27FC236}">
+                <a16:creationId xmlns:a16="http://schemas.microsoft.com/office/drawing/2014/main" id="{663F1DAA-61CE-445A-8617-540276C31FE2}"/>
+              </a:ext>
+            </a:extLst>
+          </p:cNvPr>
+          <p:cNvSpPr/>
+          <p:nvPr/>
+        </p:nvSpPr>
+        <p:spPr>
+          <a:xfrm>
+            <a:off x="10640773" y="3743325"/>
+            <a:ext cx="1551227" cy="2466975"/>
+          </a:xfrm>
+          <a:prstGeom prst="rect">
+            <a:avLst/>
+          </a:prstGeom>
+          <a:solidFill>
+            <a:srgbClr val="40BAD2"/>
+          </a:solidFill>
+          <a:ln>
+            <a:solidFill>
+              <a:srgbClr val="40BAD2"/>
+            </a:solidFill>
+          </a:ln>
+        </p:spPr>
+        <p:style>
+          <a:lnRef idx="2">
+            <a:schemeClr val="accent1">
+              <a:shade val="50000"/>
+            </a:schemeClr>
+          </a:lnRef>
+          <a:fillRef idx="1">
+            <a:schemeClr val="accent1"/>
+          </a:fillRef>
+          <a:effectRef idx="0">
+            <a:schemeClr val="accent1"/>
+          </a:effectRef>
+          <a:fontRef idx="minor">
+            <a:schemeClr val="lt1"/>
+          </a:fontRef>
+        </p:style>
+        <p:txBody>
+          <a:bodyPr rtlCol="0" anchor="ctr"/>
+          <a:lstStyle/>
+          <a:p>
+            <a:pPr algn="ctr"/>
+            <a:endParaRPr lang="en-US"/>
+          </a:p>
+        </p:txBody>
+      </p:sp>
+      <p:sp>
+        <p:nvSpPr>
+          <p:cNvPr id="47" name="TextBox 46">
+            <a:extLst>
+              <a:ext uri="{FF2B5EF4-FFF2-40B4-BE49-F238E27FC236}">
+                <a16:creationId xmlns:a16="http://schemas.microsoft.com/office/drawing/2014/main" id="{C652E249-A03B-407E-B2FC-12CA0AE0EB1B}"/>
+              </a:ext>
+            </a:extLst>
+          </p:cNvPr>
+          <p:cNvSpPr txBox="1"/>
+          <p:nvPr/>
+        </p:nvSpPr>
+        <p:spPr>
+          <a:xfrm>
+            <a:off x="9903794" y="2903511"/>
+            <a:ext cx="282905" cy="369332"/>
+          </a:xfrm>
+          <a:prstGeom prst="rect">
+            <a:avLst/>
+          </a:prstGeom>
+          <a:noFill/>
+        </p:spPr>
+        <p:txBody>
+          <a:bodyPr wrap="square" rtlCol="0">
+            <a:spAutoFit/>
+          </a:bodyPr>
+          <a:lstStyle/>
+          <a:p>
+            <a:r>
+              <a:rPr lang="en-US" dirty="0">
+                <a:solidFill>
+                  <a:srgbClr val="40BAD2"/>
+                </a:solidFill>
+              </a:rPr>
+              <a:t>*</a:t>
+            </a:r>
+          </a:p>
+        </p:txBody>
+      </p:sp>
+      <p:sp>
+        <p:nvSpPr>
+          <p:cNvPr id="3" name="Content Placeholder 2"/>
+          <p:cNvSpPr>
+            <a:spLocks noGrp="1"/>
+          </p:cNvSpPr>
+          <p:nvPr>
+            <p:ph idx="1"/>
+          </p:nvPr>
+        </p:nvSpPr>
+        <p:spPr>
+          <a:xfrm>
+            <a:off x="6486198" y="275089"/>
+            <a:ext cx="5702754" cy="659780"/>
+          </a:xfrm>
+          <a:solidFill>
+            <a:srgbClr val="40BAD2"/>
+          </a:solidFill>
+        </p:spPr>
+        <p:txBody>
+          <a:bodyPr>
+            <a:normAutofit fontScale="92500"/>
+          </a:bodyPr>
+          <a:lstStyle/>
+          <a:p>
+            <a:pPr marL="0" indent="0">
+              <a:buNone/>
+            </a:pPr>
+            <a:r>
+              <a:rPr lang="en-US" sz="2500" dirty="0">
+                <a:solidFill>
+                  <a:schemeClr val="bg1"/>
+                </a:solidFill>
+                <a:latin typeface="+mj-lt"/>
+              </a:rPr>
+              <a:t>Millennial Trends: A Closer Look at Savings</a:t>
+            </a:r>
+          </a:p>
+        </p:txBody>
+      </p:sp>
+      <p:sp>
+        <p:nvSpPr>
+          <p:cNvPr id="50" name="Rectangle 49">
+            <a:extLst>
+              <a:ext uri="{FF2B5EF4-FFF2-40B4-BE49-F238E27FC236}">
+                <a16:creationId xmlns:a16="http://schemas.microsoft.com/office/drawing/2014/main" id="{644850DD-AEC6-4CF7-8277-30C399F64074}"/>
+              </a:ext>
+            </a:extLst>
+          </p:cNvPr>
+          <p:cNvSpPr/>
+          <p:nvPr/>
+        </p:nvSpPr>
+        <p:spPr>
+          <a:xfrm>
+            <a:off x="1120" y="5489540"/>
+            <a:ext cx="12190880" cy="1368459"/>
+          </a:xfrm>
+          <a:prstGeom prst="rect">
+            <a:avLst/>
+          </a:prstGeom>
+          <a:solidFill>
+            <a:srgbClr val="40BAD2"/>
+          </a:solidFill>
+          <a:ln>
+            <a:solidFill>
+              <a:srgbClr val="40BAD2"/>
+            </a:solidFill>
+          </a:ln>
+        </p:spPr>
+        <p:style>
+          <a:lnRef idx="2">
+            <a:schemeClr val="accent1">
+              <a:shade val="50000"/>
+            </a:schemeClr>
+          </a:lnRef>
+          <a:fillRef idx="1">
+            <a:schemeClr val="accent1"/>
+          </a:fillRef>
+          <a:effectRef idx="0">
+            <a:schemeClr val="accent1"/>
+          </a:effectRef>
+          <a:fontRef idx="minor">
+            <a:schemeClr val="lt1"/>
+          </a:fontRef>
+        </p:style>
+        <p:txBody>
+          <a:bodyPr rtlCol="0" anchor="ctr"/>
+          <a:lstStyle/>
+          <a:p>
+            <a:pPr algn="ctr"/>
+            <a:endParaRPr lang="en-US"/>
+          </a:p>
+        </p:txBody>
+      </p:sp>
+      <p:sp>
+        <p:nvSpPr>
+          <p:cNvPr id="2" name="Title 1"/>
+          <p:cNvSpPr>
+            <a:spLocks noGrp="1"/>
+          </p:cNvSpPr>
+          <p:nvPr>
+            <p:ph type="title"/>
+          </p:nvPr>
+        </p:nvSpPr>
+        <p:spPr>
+          <a:xfrm>
+            <a:off x="113269" y="4218928"/>
+            <a:ext cx="12075683" cy="2233864"/>
+          </a:xfrm>
+        </p:spPr>
+        <p:txBody>
+          <a:bodyPr anchor="t">
+            <a:noAutofit/>
+          </a:bodyPr>
+          <a:lstStyle/>
+          <a:p>
+            <a:pPr>
+              <a:lnSpc>
+                <a:spcPct val="150000"/>
+              </a:lnSpc>
+            </a:pPr>
+            <a:r>
+              <a:rPr lang="en-US" sz="1700" dirty="0"/>
+              <a:t>Checking: 18.8% </a:t>
+            </a:r>
+            <a:r>
+              <a:rPr lang="en-US" sz="1700" dirty="0">
+                <a:solidFill>
+                  <a:schemeClr val="accent1">
+                    <a:lumMod val="20000"/>
+                    <a:lumOff val="80000"/>
+                  </a:schemeClr>
+                </a:solidFill>
+              </a:rPr>
+              <a:t>save regularly in checking accounts. </a:t>
+            </a:r>
+            <a:r>
+              <a:rPr lang="en-US" sz="1700" dirty="0"/>
+              <a:t>56.6% </a:t>
+            </a:r>
+            <a:r>
+              <a:rPr lang="en-US" sz="1700" dirty="0">
+                <a:solidFill>
+                  <a:schemeClr val="accent1">
+                    <a:lumMod val="20000"/>
+                    <a:lumOff val="80000"/>
+                  </a:schemeClr>
+                </a:solidFill>
+              </a:rPr>
+              <a:t>saved when they could, and </a:t>
+            </a:r>
+            <a:r>
+              <a:rPr lang="en-US" sz="1700" dirty="0"/>
+              <a:t>43.5% </a:t>
+            </a:r>
+            <a:r>
+              <a:rPr lang="en-US" sz="1700" dirty="0">
+                <a:solidFill>
+                  <a:schemeClr val="accent1">
+                    <a:lumMod val="20000"/>
+                    <a:lumOff val="80000"/>
+                  </a:schemeClr>
+                </a:solidFill>
+              </a:rPr>
+              <a:t>weren’t currently saving in checking accounts.</a:t>
+            </a:r>
+            <a:br>
+              <a:rPr lang="en-US" sz="1700" dirty="0">
+                <a:solidFill>
+                  <a:schemeClr val="accent1">
+                    <a:lumMod val="20000"/>
+                    <a:lumOff val="80000"/>
+                  </a:schemeClr>
+                </a:solidFill>
+              </a:rPr>
+            </a:br>
+            <a:r>
+              <a:rPr lang="en-US" sz="1700" dirty="0">
+                <a:solidFill>
+                  <a:schemeClr val="bg1"/>
+                </a:solidFill>
+              </a:rPr>
+              <a:t>Savings: </a:t>
+            </a:r>
+            <a:r>
+              <a:rPr lang="en-US" sz="1700" dirty="0"/>
+              <a:t>40.3% s</a:t>
+            </a:r>
+            <a:r>
+              <a:rPr lang="en-US" sz="1700" dirty="0">
+                <a:solidFill>
+                  <a:schemeClr val="accent1">
+                    <a:lumMod val="20000"/>
+                    <a:lumOff val="80000"/>
+                  </a:schemeClr>
+                </a:solidFill>
+              </a:rPr>
+              <a:t>ave regularly in a savings account. </a:t>
+            </a:r>
+            <a:r>
+              <a:rPr lang="en-US" sz="1700" dirty="0"/>
+              <a:t>46.0% </a:t>
+            </a:r>
+            <a:r>
+              <a:rPr lang="en-US" sz="1700" dirty="0">
+                <a:solidFill>
+                  <a:schemeClr val="accent1">
+                    <a:lumMod val="20000"/>
+                    <a:lumOff val="80000"/>
+                  </a:schemeClr>
+                </a:solidFill>
+              </a:rPr>
+              <a:t>saved when possible, and </a:t>
+            </a:r>
+            <a:r>
+              <a:rPr lang="en-US" sz="1700" dirty="0"/>
+              <a:t>13.7 </a:t>
+            </a:r>
+            <a:r>
+              <a:rPr lang="en-US" sz="1700" dirty="0">
+                <a:solidFill>
+                  <a:schemeClr val="accent1">
+                    <a:lumMod val="20000"/>
+                    <a:lumOff val="80000"/>
+                  </a:schemeClr>
+                </a:solidFill>
+              </a:rPr>
+              <a:t>weren’t currently saving in a savings account.</a:t>
+            </a:r>
+            <a:br>
+              <a:rPr lang="en-US" sz="1700" dirty="0">
+                <a:solidFill>
+                  <a:schemeClr val="accent1">
+                    <a:lumMod val="20000"/>
+                    <a:lumOff val="80000"/>
+                  </a:schemeClr>
+                </a:solidFill>
+              </a:rPr>
+            </a:br>
+            <a:r>
+              <a:rPr lang="en-US" sz="1700" dirty="0">
+                <a:solidFill>
+                  <a:schemeClr val="bg1"/>
+                </a:solidFill>
+              </a:rPr>
+              <a:t>Cash: </a:t>
+            </a:r>
+            <a:r>
+              <a:rPr lang="en-US" sz="1700" dirty="0"/>
+              <a:t>15.4% </a:t>
+            </a:r>
+            <a:r>
+              <a:rPr lang="en-US" sz="1700" dirty="0">
+                <a:solidFill>
+                  <a:schemeClr val="accent1">
+                    <a:lumMod val="20000"/>
+                    <a:lumOff val="80000"/>
+                  </a:schemeClr>
+                </a:solidFill>
+              </a:rPr>
+              <a:t>saved in cash regularly,</a:t>
+            </a:r>
+            <a:r>
+              <a:rPr lang="en-US" sz="1700" dirty="0"/>
+              <a:t> 58.2% </a:t>
+            </a:r>
+            <a:r>
+              <a:rPr lang="en-US" sz="1700" dirty="0">
+                <a:solidFill>
+                  <a:schemeClr val="accent1">
+                    <a:lumMod val="20000"/>
+                    <a:lumOff val="80000"/>
+                  </a:schemeClr>
+                </a:solidFill>
+              </a:rPr>
+              <a:t>saved when in cash when they could, and </a:t>
+            </a:r>
+            <a:r>
+              <a:rPr lang="en-US" sz="1700" dirty="0"/>
+              <a:t>26.4% </a:t>
+            </a:r>
+            <a:r>
+              <a:rPr lang="en-US" sz="1700" dirty="0">
+                <a:solidFill>
+                  <a:schemeClr val="accent1">
+                    <a:lumMod val="20000"/>
+                    <a:lumOff val="80000"/>
+                  </a:schemeClr>
+                </a:solidFill>
+              </a:rPr>
+              <a:t>were not saving in cash.</a:t>
+            </a:r>
+            <a:br>
+              <a:rPr lang="en-US" sz="1700" dirty="0">
+                <a:solidFill>
+                  <a:schemeClr val="accent1">
+                    <a:lumMod val="20000"/>
+                    <a:lumOff val="80000"/>
+                  </a:schemeClr>
+                </a:solidFill>
+              </a:rPr>
+            </a:br>
+            <a:r>
+              <a:rPr lang="en-US" sz="1700" dirty="0">
+                <a:solidFill>
+                  <a:schemeClr val="accent1">
+                    <a:lumMod val="20000"/>
+                    <a:lumOff val="80000"/>
+                  </a:schemeClr>
+                </a:solidFill>
+              </a:rPr>
+              <a:t>Only </a:t>
+            </a:r>
+            <a:r>
+              <a:rPr lang="en-US" sz="1700" dirty="0">
+                <a:solidFill>
+                  <a:schemeClr val="bg1"/>
+                </a:solidFill>
+              </a:rPr>
+              <a:t>24.8%</a:t>
+            </a:r>
+            <a:r>
+              <a:rPr lang="en-US" sz="1700" dirty="0">
+                <a:solidFill>
+                  <a:schemeClr val="accent1">
+                    <a:lumMod val="20000"/>
+                    <a:lumOff val="80000"/>
+                  </a:schemeClr>
+                </a:solidFill>
+              </a:rPr>
+              <a:t> reported having personal savings/investments such as stocks or mutual funds . </a:t>
+            </a:r>
+            <a:br>
+              <a:rPr lang="en-US" sz="1700" dirty="0">
+                <a:solidFill>
+                  <a:schemeClr val="accent1">
+                    <a:lumMod val="20000"/>
+                    <a:lumOff val="80000"/>
+                  </a:schemeClr>
+                </a:solidFill>
+              </a:rPr>
+            </a:br>
+            <a:r>
+              <a:rPr lang="en-US" sz="1700" dirty="0">
+                <a:solidFill>
+                  <a:schemeClr val="accent1">
+                    <a:lumMod val="20000"/>
+                    <a:lumOff val="80000"/>
+                  </a:schemeClr>
+                </a:solidFill>
+              </a:rPr>
+              <a:t>Of these people, only </a:t>
+            </a:r>
+            <a:r>
+              <a:rPr lang="en-US" sz="1700" dirty="0">
+                <a:solidFill>
+                  <a:schemeClr val="bg1"/>
+                </a:solidFill>
+              </a:rPr>
+              <a:t>41.5%</a:t>
+            </a:r>
+            <a:r>
+              <a:rPr lang="en-US" sz="1700" dirty="0">
+                <a:solidFill>
+                  <a:schemeClr val="accent1">
+                    <a:lumMod val="20000"/>
+                    <a:lumOff val="80000"/>
+                  </a:schemeClr>
+                </a:solidFill>
+              </a:rPr>
+              <a:t> reported regularly saving money into this category.</a:t>
+            </a:r>
+            <a:br>
+              <a:rPr lang="en-US" sz="1700" dirty="0">
+                <a:solidFill>
+                  <a:schemeClr val="accent1">
+                    <a:lumMod val="20000"/>
+                    <a:lumOff val="80000"/>
+                  </a:schemeClr>
+                </a:solidFill>
+              </a:rPr>
+            </a:br>
+            <a:r>
+              <a:rPr lang="en-US" sz="1700" dirty="0">
+                <a:solidFill>
+                  <a:schemeClr val="accent1">
+                    <a:lumMod val="20000"/>
+                    <a:lumOff val="80000"/>
+                  </a:schemeClr>
+                </a:solidFill>
+              </a:rPr>
+              <a:t>In contrast, </a:t>
+            </a:r>
+            <a:r>
+              <a:rPr lang="en-US" sz="1700" dirty="0">
+                <a:solidFill>
+                  <a:schemeClr val="bg1"/>
+                </a:solidFill>
+              </a:rPr>
+              <a:t>39.5%</a:t>
+            </a:r>
+            <a:r>
+              <a:rPr lang="en-US" sz="1700" dirty="0">
+                <a:solidFill>
+                  <a:schemeClr val="accent1">
+                    <a:lumMod val="20000"/>
+                    <a:lumOff val="80000"/>
+                  </a:schemeClr>
+                </a:solidFill>
+              </a:rPr>
+              <a:t> report having a household emergency fund</a:t>
+            </a:r>
+          </a:p>
+        </p:txBody>
+      </p:sp>
+      <p:sp>
+        <p:nvSpPr>
+          <p:cNvPr id="51" name="Rectangle 50">
+            <a:extLst>
+              <a:ext uri="{FF2B5EF4-FFF2-40B4-BE49-F238E27FC236}">
+                <a16:creationId xmlns:a16="http://schemas.microsoft.com/office/drawing/2014/main" id="{3954FCF6-E445-414F-B843-DFFBA6F87F2F}"/>
+              </a:ext>
+            </a:extLst>
+          </p:cNvPr>
+          <p:cNvSpPr/>
+          <p:nvPr/>
+        </p:nvSpPr>
+        <p:spPr>
+          <a:xfrm>
+            <a:off x="1" y="3743324"/>
+            <a:ext cx="12192000" cy="234131"/>
+          </a:xfrm>
+          <a:prstGeom prst="rect">
+            <a:avLst/>
+          </a:prstGeom>
+          <a:solidFill>
+            <a:schemeClr val="bg1"/>
+          </a:solidFill>
+          <a:ln>
+            <a:solidFill>
+              <a:schemeClr val="bg1"/>
+            </a:solidFill>
+          </a:ln>
+        </p:spPr>
+        <p:style>
+          <a:lnRef idx="2">
+            <a:schemeClr val="accent1">
+              <a:shade val="50000"/>
+            </a:schemeClr>
+          </a:lnRef>
+          <a:fillRef idx="1">
+            <a:schemeClr val="accent1"/>
+          </a:fillRef>
+          <a:effectRef idx="0">
+            <a:schemeClr val="accent1"/>
+          </a:effectRef>
+          <a:fontRef idx="minor">
+            <a:schemeClr val="lt1"/>
+          </a:fontRef>
+        </p:style>
+        <p:txBody>
+          <a:bodyPr rtlCol="0" anchor="ctr"/>
+          <a:lstStyle/>
+          <a:p>
+            <a:pPr algn="ctr"/>
+            <a:endParaRPr lang="en-US"/>
+          </a:p>
+        </p:txBody>
+      </p:sp>
+      <p:sp>
+        <p:nvSpPr>
+          <p:cNvPr id="52" name="Rectangle 51">
+            <a:extLst>
+              <a:ext uri="{FF2B5EF4-FFF2-40B4-BE49-F238E27FC236}">
+                <a16:creationId xmlns:a16="http://schemas.microsoft.com/office/drawing/2014/main" id="{DFE2F974-5CC0-4D49-B847-3A9A6543B9B6}"/>
+              </a:ext>
+            </a:extLst>
+          </p:cNvPr>
+          <p:cNvSpPr/>
+          <p:nvPr/>
+        </p:nvSpPr>
+        <p:spPr>
+          <a:xfrm flipH="1">
+            <a:off x="0" y="3042586"/>
+            <a:ext cx="275118" cy="876442"/>
+          </a:xfrm>
+          <a:prstGeom prst="rect">
+            <a:avLst/>
+          </a:prstGeom>
+          <a:solidFill>
+            <a:schemeClr val="bg1"/>
+          </a:solidFill>
+          <a:ln>
+            <a:solidFill>
+              <a:schemeClr val="bg1"/>
+            </a:solidFill>
+          </a:ln>
+        </p:spPr>
+        <p:style>
+          <a:lnRef idx="2">
+            <a:schemeClr val="accent1">
+              <a:shade val="50000"/>
+            </a:schemeClr>
+          </a:lnRef>
+          <a:fillRef idx="1">
+            <a:schemeClr val="accent1"/>
+          </a:fillRef>
+          <a:effectRef idx="0">
+            <a:schemeClr val="accent1"/>
+          </a:effectRef>
+          <a:fontRef idx="minor">
+            <a:schemeClr val="lt1"/>
+          </a:fontRef>
+        </p:style>
+        <p:txBody>
+          <a:bodyPr rtlCol="0" anchor="ctr"/>
+          <a:lstStyle/>
+          <a:p>
+            <a:pPr algn="ctr"/>
+            <a:endParaRPr lang="en-US"/>
+          </a:p>
+        </p:txBody>
+      </p:sp>
+    </p:spTree>
+    <p:extLst>
+      <p:ext uri="{BB962C8B-B14F-4D97-AF65-F5344CB8AC3E}">
+        <p14:creationId xmlns:p14="http://schemas.microsoft.com/office/powerpoint/2010/main" val="2838126158"/>
+      </p:ext>
+    </p:extLst>
+  </p:cSld>
+  <p:clrMapOvr>
+    <a:masterClrMapping/>
+  </p:clrMapOvr>
+</p:sld>
+</file>
+
+<file path=ppt/slides/slide4.xml><?xml version="1.0" encoding="utf-8"?>
+<p:sld xmlns:a="http://schemas.openxmlformats.org/drawingml/2006/main" xmlns:r="http://schemas.openxmlformats.org/officeDocument/2006/relationships" xmlns:p="http://schemas.openxmlformats.org/presentationml/2006/main">
+  <p:cSld>
+    <p:spTree>
+      <p:nvGrpSpPr>
+        <p:cNvPr id="1" name=""/>
+        <p:cNvGrpSpPr/>
+        <p:nvPr/>
+      </p:nvGrpSpPr>
+      <p:grpSpPr>
+        <a:xfrm>
+          <a:off x="0" y="0"/>
+          <a:ext cx="0" cy="0"/>
+          <a:chOff x="0" y="0"/>
+          <a:chExt cx="0" cy="0"/>
+        </a:xfrm>
+      </p:grpSpPr>
+      <p:sp>
+        <p:nvSpPr>
+          <p:cNvPr id="6" name="Content Placeholder 2">
+            <a:extLst>
+              <a:ext uri="{FF2B5EF4-FFF2-40B4-BE49-F238E27FC236}">
+                <a16:creationId xmlns:a16="http://schemas.microsoft.com/office/drawing/2014/main" id="{03B4578F-B518-406C-BB64-591F6AA205D7}"/>
+              </a:ext>
+            </a:extLst>
+          </p:cNvPr>
+          <p:cNvSpPr txBox="1">
+            <a:spLocks/>
+          </p:cNvSpPr>
+          <p:nvPr/>
+        </p:nvSpPr>
+        <p:spPr>
+          <a:xfrm>
+            <a:off x="6096000" y="-88516"/>
+            <a:ext cx="1329263" cy="1281932"/>
+          </a:xfrm>
+          <a:prstGeom prst="flowChartConnector">
+            <a:avLst/>
+          </a:prstGeom>
+          <a:solidFill>
+            <a:schemeClr val="accent1">
+              <a:lumMod val="40000"/>
+              <a:lumOff val="60000"/>
+            </a:schemeClr>
+          </a:solidFill>
+        </p:spPr>
+        <p:txBody>
+          <a:bodyPr vert="horz" lIns="91440" tIns="45720" rIns="91440" bIns="45720" rtlCol="0" anchor="t">
+            <a:normAutofit/>
+          </a:bodyPr>
+          <a:lstStyle>
+            <a:lvl1pPr marL="182880" indent="-182880" algn="l" defTabSz="914400" rtl="0" eaLnBrk="1" latinLnBrk="0" hangingPunct="1">
+              <a:lnSpc>
+                <a:spcPct val="90000"/>
+              </a:lnSpc>
+              <a:spcBef>
+                <a:spcPts val="1200"/>
+              </a:spcBef>
+              <a:buClr>
+                <a:schemeClr val="accent1"/>
+              </a:buClr>
+              <a:buFont typeface="Wingdings 2" pitchFamily="18" charset="2"/>
+              <a:buChar char=""/>
+              <a:defRPr sz="2000" kern="1200">
+                <a:solidFill>
+                  <a:schemeClr val="tx1">
+                    <a:lumMod val="65000"/>
+                    <a:lumOff val="35000"/>
+                  </a:schemeClr>
+                </a:solidFill>
+                <a:latin typeface="+mn-lt"/>
+                <a:ea typeface="+mn-ea"/>
+                <a:cs typeface="+mn-cs"/>
+              </a:defRPr>
+            </a:lvl1pPr>
+            <a:lvl2pPr marL="685800" indent="-182880" algn="l" defTabSz="914400" rtl="0" eaLnBrk="1" latinLnBrk="0" hangingPunct="1">
+              <a:lnSpc>
+                <a:spcPct val="90000"/>
+              </a:lnSpc>
+              <a:spcBef>
+                <a:spcPts val="250"/>
+              </a:spcBef>
+              <a:spcAft>
+                <a:spcPts val="250"/>
+              </a:spcAft>
+              <a:buClr>
+                <a:schemeClr val="accent1"/>
+              </a:buClr>
+              <a:buFont typeface="Wingdings 2" pitchFamily="18" charset="2"/>
+              <a:buChar char=""/>
+              <a:defRPr sz="1800" kern="1200">
+                <a:solidFill>
+                  <a:schemeClr val="tx1">
+                    <a:lumMod val="65000"/>
+                    <a:lumOff val="35000"/>
+                  </a:schemeClr>
+                </a:solidFill>
+                <a:latin typeface="+mn-lt"/>
+                <a:ea typeface="+mn-ea"/>
+                <a:cs typeface="+mn-cs"/>
+              </a:defRPr>
+            </a:lvl2pPr>
+            <a:lvl3pPr marL="1143000" indent="-182880" algn="l" defTabSz="914400" rtl="0" eaLnBrk="1" latinLnBrk="0" hangingPunct="1">
+              <a:lnSpc>
+                <a:spcPct val="90000"/>
+              </a:lnSpc>
+              <a:spcBef>
+                <a:spcPts val="250"/>
+              </a:spcBef>
+              <a:spcAft>
+                <a:spcPts val="250"/>
+              </a:spcAft>
+              <a:buClr>
+                <a:schemeClr val="accent1"/>
+              </a:buClr>
+              <a:buFont typeface="Wingdings 2" pitchFamily="18" charset="2"/>
+              <a:buChar char=""/>
+              <a:defRPr sz="1600" kern="1200">
+                <a:solidFill>
+                  <a:schemeClr val="tx1">
+                    <a:lumMod val="65000"/>
+                    <a:lumOff val="35000"/>
+                  </a:schemeClr>
+                </a:solidFill>
+                <a:latin typeface="+mn-lt"/>
+                <a:ea typeface="+mn-ea"/>
+                <a:cs typeface="+mn-cs"/>
+              </a:defRPr>
+            </a:lvl3pPr>
+            <a:lvl4pPr marL="1600200" indent="-182880" algn="l" defTabSz="914400" rtl="0" eaLnBrk="1" latinLnBrk="0" hangingPunct="1">
+              <a:lnSpc>
+                <a:spcPct val="90000"/>
+              </a:lnSpc>
+              <a:spcBef>
+                <a:spcPts val="250"/>
+              </a:spcBef>
+              <a:spcAft>
+                <a:spcPts val="250"/>
+              </a:spcAft>
+              <a:buClr>
+                <a:schemeClr val="accent1"/>
+              </a:buClr>
+              <a:buFont typeface="Wingdings 2" pitchFamily="18" charset="2"/>
+              <a:buChar char=""/>
+              <a:defRPr sz="1400" kern="1200">
+                <a:solidFill>
+                  <a:schemeClr val="tx1">
+                    <a:lumMod val="65000"/>
+                    <a:lumOff val="35000"/>
+                  </a:schemeClr>
+                </a:solidFill>
+                <a:latin typeface="+mn-lt"/>
+                <a:ea typeface="+mn-ea"/>
+                <a:cs typeface="+mn-cs"/>
+              </a:defRPr>
+            </a:lvl4pPr>
+            <a:lvl5pPr marL="2057400" indent="-182880" algn="l" defTabSz="914400" rtl="0" eaLnBrk="1" latinLnBrk="0" hangingPunct="1">
+              <a:lnSpc>
+                <a:spcPct val="90000"/>
+              </a:lnSpc>
+              <a:spcBef>
+                <a:spcPts val="250"/>
+              </a:spcBef>
+              <a:spcAft>
+                <a:spcPts val="250"/>
+              </a:spcAft>
+              <a:buClr>
+                <a:schemeClr val="accent1"/>
+              </a:buClr>
+              <a:buFont typeface="Wingdings 2" pitchFamily="18" charset="2"/>
+              <a:buChar char=""/>
+              <a:defRPr sz="1400" kern="1200">
+                <a:solidFill>
+                  <a:schemeClr val="tx1">
+                    <a:lumMod val="65000"/>
+                    <a:lumOff val="35000"/>
+                  </a:schemeClr>
+                </a:solidFill>
+                <a:latin typeface="+mn-lt"/>
+                <a:ea typeface="+mn-ea"/>
+                <a:cs typeface="+mn-cs"/>
+              </a:defRPr>
+            </a:lvl5pPr>
+            <a:lvl6pPr marL="2514600" indent="-228600" algn="l" defTabSz="914400" rtl="0" eaLnBrk="1" latinLnBrk="0" hangingPunct="1">
+              <a:lnSpc>
+                <a:spcPct val="90000"/>
+              </a:lnSpc>
+              <a:spcBef>
+                <a:spcPts val="250"/>
+              </a:spcBef>
+              <a:spcAft>
+                <a:spcPts val="250"/>
+              </a:spcAft>
+              <a:buClr>
+                <a:schemeClr val="accent1"/>
+              </a:buClr>
+              <a:buFont typeface="Wingdings 2" pitchFamily="18" charset="2"/>
+              <a:buChar char=""/>
+              <a:defRPr sz="1400" kern="1200">
+                <a:solidFill>
+                  <a:schemeClr val="tx1">
+                    <a:lumMod val="65000"/>
+                    <a:lumOff val="35000"/>
+                  </a:schemeClr>
+                </a:solidFill>
+                <a:latin typeface="+mn-lt"/>
+                <a:ea typeface="+mn-ea"/>
+                <a:cs typeface="+mn-cs"/>
+              </a:defRPr>
+            </a:lvl6pPr>
+            <a:lvl7pPr marL="2971800" indent="-228600" algn="l" defTabSz="914400" rtl="0" eaLnBrk="1" latinLnBrk="0" hangingPunct="1">
+              <a:lnSpc>
+                <a:spcPct val="90000"/>
+              </a:lnSpc>
+              <a:spcBef>
+                <a:spcPts val="250"/>
+              </a:spcBef>
+              <a:spcAft>
+                <a:spcPts val="250"/>
+              </a:spcAft>
+              <a:buClr>
+                <a:schemeClr val="accent1"/>
+              </a:buClr>
+              <a:buFont typeface="Wingdings 2" pitchFamily="18" charset="2"/>
+              <a:buChar char=""/>
+              <a:defRPr sz="1400" kern="1200">
+                <a:solidFill>
+                  <a:schemeClr val="tx1">
+                    <a:lumMod val="65000"/>
+                    <a:lumOff val="35000"/>
+                  </a:schemeClr>
+                </a:solidFill>
+                <a:latin typeface="+mn-lt"/>
+                <a:ea typeface="+mn-ea"/>
+                <a:cs typeface="+mn-cs"/>
+              </a:defRPr>
+            </a:lvl7pPr>
+            <a:lvl8pPr marL="3429000" indent="-228600" algn="l" defTabSz="914400" rtl="0" eaLnBrk="1" latinLnBrk="0" hangingPunct="1">
+              <a:lnSpc>
+                <a:spcPct val="90000"/>
+              </a:lnSpc>
+              <a:spcBef>
+                <a:spcPts val="250"/>
+              </a:spcBef>
+              <a:spcAft>
+                <a:spcPts val="250"/>
+              </a:spcAft>
+              <a:buClr>
+                <a:schemeClr val="accent1"/>
+              </a:buClr>
+              <a:buFont typeface="Wingdings 2" pitchFamily="18" charset="2"/>
+              <a:buChar char=""/>
+              <a:defRPr sz="1400" kern="1200">
+                <a:solidFill>
+                  <a:schemeClr val="tx1">
+                    <a:lumMod val="65000"/>
+                    <a:lumOff val="35000"/>
+                  </a:schemeClr>
+                </a:solidFill>
+                <a:latin typeface="+mn-lt"/>
+                <a:ea typeface="+mn-ea"/>
+                <a:cs typeface="+mn-cs"/>
+              </a:defRPr>
+            </a:lvl8pPr>
+            <a:lvl9pPr marL="3886200" indent="-228600" algn="l" defTabSz="914400" rtl="0" eaLnBrk="1" latinLnBrk="0" hangingPunct="1">
+              <a:lnSpc>
+                <a:spcPct val="90000"/>
+              </a:lnSpc>
+              <a:spcBef>
+                <a:spcPts val="250"/>
+              </a:spcBef>
+              <a:spcAft>
+                <a:spcPts val="250"/>
+              </a:spcAft>
+              <a:buClr>
+                <a:schemeClr val="accent1"/>
+              </a:buClr>
+              <a:buFont typeface="Wingdings 2" pitchFamily="18" charset="2"/>
+              <a:buChar char=""/>
+              <a:defRPr sz="1400" kern="1200">
+                <a:solidFill>
+                  <a:schemeClr val="tx1">
+                    <a:lumMod val="65000"/>
+                    <a:lumOff val="35000"/>
+                  </a:schemeClr>
+                </a:solidFill>
+                <a:latin typeface="+mn-lt"/>
+                <a:ea typeface="+mn-ea"/>
+                <a:cs typeface="+mn-cs"/>
+              </a:defRPr>
+            </a:lvl9pPr>
+          </a:lstStyle>
+          <a:p>
+            <a:pPr marL="0" indent="0" algn="ctr">
               <a:buFont typeface="Wingdings 2" pitchFamily="18" charset="2"/>
               <a:buNone/>
             </a:pPr>
-            <a:r>
-              <a:rPr lang="en-US" sz="2500" dirty="0" smtClean="0">
-                <a:solidFill>
-                  <a:schemeClr val="bg1"/>
-                </a:solidFill>
-              </a:rPr>
-              <a:t>Millennial </a:t>
-            </a:r>
-            <a:r>
-              <a:rPr lang="en-US" sz="2500" dirty="0" smtClean="0">
-                <a:solidFill>
-                  <a:schemeClr val="bg1"/>
-                </a:solidFill>
-                <a:latin typeface="+mj-lt"/>
-              </a:rPr>
-              <a:t>Trends</a:t>
-            </a:r>
-            <a:r>
-              <a:rPr lang="en-US" sz="2500" dirty="0" smtClean="0">
-                <a:solidFill>
-                  <a:schemeClr val="bg1"/>
-                </a:solidFill>
-              </a:rPr>
-              <a:t>: Preliminary analysis</a:t>
-            </a:r>
-            <a:endParaRPr lang="en-US" sz="2500" dirty="0">
+            <a:endParaRPr lang="en-US" dirty="0">
               <a:solidFill>
-                <a:schemeClr val="bg1"/>
+                <a:schemeClr val="accent1">
+                  <a:lumMod val="50000"/>
+                </a:schemeClr>
               </a:solidFill>
             </a:endParaRPr>
+          </a:p>
+        </p:txBody>
+      </p:sp>
+      <p:sp>
+        <p:nvSpPr>
+          <p:cNvPr id="7" name="Content Placeholder 2">
+            <a:extLst>
+              <a:ext uri="{FF2B5EF4-FFF2-40B4-BE49-F238E27FC236}">
+                <a16:creationId xmlns:a16="http://schemas.microsoft.com/office/drawing/2014/main" id="{092920FB-7966-408F-8303-DA5F89005F82}"/>
+              </a:ext>
+            </a:extLst>
+          </p:cNvPr>
+          <p:cNvSpPr txBox="1">
+            <a:spLocks/>
+          </p:cNvSpPr>
+          <p:nvPr/>
+        </p:nvSpPr>
+        <p:spPr>
+          <a:xfrm>
+            <a:off x="9443512" y="4443088"/>
+            <a:ext cx="1329263" cy="1281932"/>
+          </a:xfrm>
+          <a:prstGeom prst="flowChartConnector">
+            <a:avLst/>
+          </a:prstGeom>
+          <a:solidFill>
+            <a:schemeClr val="accent1">
+              <a:lumMod val="40000"/>
+              <a:lumOff val="60000"/>
+            </a:schemeClr>
+          </a:solidFill>
+        </p:spPr>
+        <p:txBody>
+          <a:bodyPr vert="horz" lIns="91440" tIns="45720" rIns="91440" bIns="45720" rtlCol="0" anchor="t">
+            <a:normAutofit/>
+          </a:bodyPr>
+          <a:lstStyle>
+            <a:lvl1pPr marL="182880" indent="-182880" algn="l" defTabSz="914400" rtl="0" eaLnBrk="1" latinLnBrk="0" hangingPunct="1">
+              <a:lnSpc>
+                <a:spcPct val="90000"/>
+              </a:lnSpc>
+              <a:spcBef>
+                <a:spcPts val="1200"/>
+              </a:spcBef>
+              <a:buClr>
+                <a:schemeClr val="accent1"/>
+              </a:buClr>
+              <a:buFont typeface="Wingdings 2" pitchFamily="18" charset="2"/>
+              <a:buChar char=""/>
+              <a:defRPr sz="2000" kern="1200">
+                <a:solidFill>
+                  <a:schemeClr val="tx1">
+                    <a:lumMod val="65000"/>
+                    <a:lumOff val="35000"/>
+                  </a:schemeClr>
+                </a:solidFill>
+                <a:latin typeface="+mn-lt"/>
+                <a:ea typeface="+mn-ea"/>
+                <a:cs typeface="+mn-cs"/>
+              </a:defRPr>
+            </a:lvl1pPr>
+            <a:lvl2pPr marL="685800" indent="-182880" algn="l" defTabSz="914400" rtl="0" eaLnBrk="1" latinLnBrk="0" hangingPunct="1">
+              <a:lnSpc>
+                <a:spcPct val="90000"/>
+              </a:lnSpc>
+              <a:spcBef>
+                <a:spcPts val="250"/>
+              </a:spcBef>
+              <a:spcAft>
+                <a:spcPts val="250"/>
+              </a:spcAft>
+              <a:buClr>
+                <a:schemeClr val="accent1"/>
+              </a:buClr>
+              <a:buFont typeface="Wingdings 2" pitchFamily="18" charset="2"/>
+              <a:buChar char=""/>
+              <a:defRPr sz="1800" kern="1200">
+                <a:solidFill>
+                  <a:schemeClr val="tx1">
+                    <a:lumMod val="65000"/>
+                    <a:lumOff val="35000"/>
+                  </a:schemeClr>
+                </a:solidFill>
+                <a:latin typeface="+mn-lt"/>
+                <a:ea typeface="+mn-ea"/>
+                <a:cs typeface="+mn-cs"/>
+              </a:defRPr>
+            </a:lvl2pPr>
+            <a:lvl3pPr marL="1143000" indent="-182880" algn="l" defTabSz="914400" rtl="0" eaLnBrk="1" latinLnBrk="0" hangingPunct="1">
+              <a:lnSpc>
+                <a:spcPct val="90000"/>
+              </a:lnSpc>
+              <a:spcBef>
+                <a:spcPts val="250"/>
+              </a:spcBef>
+              <a:spcAft>
+                <a:spcPts val="250"/>
+              </a:spcAft>
+              <a:buClr>
+                <a:schemeClr val="accent1"/>
+              </a:buClr>
+              <a:buFont typeface="Wingdings 2" pitchFamily="18" charset="2"/>
+              <a:buChar char=""/>
+              <a:defRPr sz="1600" kern="1200">
+                <a:solidFill>
+                  <a:schemeClr val="tx1">
+                    <a:lumMod val="65000"/>
+                    <a:lumOff val="35000"/>
+                  </a:schemeClr>
+                </a:solidFill>
+                <a:latin typeface="+mn-lt"/>
+                <a:ea typeface="+mn-ea"/>
+                <a:cs typeface="+mn-cs"/>
+              </a:defRPr>
+            </a:lvl3pPr>
+            <a:lvl4pPr marL="1600200" indent="-182880" algn="l" defTabSz="914400" rtl="0" eaLnBrk="1" latinLnBrk="0" hangingPunct="1">
+              <a:lnSpc>
+                <a:spcPct val="90000"/>
+              </a:lnSpc>
+              <a:spcBef>
+                <a:spcPts val="250"/>
+              </a:spcBef>
+              <a:spcAft>
+                <a:spcPts val="250"/>
+              </a:spcAft>
+              <a:buClr>
+                <a:schemeClr val="accent1"/>
+              </a:buClr>
+              <a:buFont typeface="Wingdings 2" pitchFamily="18" charset="2"/>
+              <a:buChar char=""/>
+              <a:defRPr sz="1400" kern="1200">
+                <a:solidFill>
+                  <a:schemeClr val="tx1">
+                    <a:lumMod val="65000"/>
+                    <a:lumOff val="35000"/>
+                  </a:schemeClr>
+                </a:solidFill>
+                <a:latin typeface="+mn-lt"/>
+                <a:ea typeface="+mn-ea"/>
+                <a:cs typeface="+mn-cs"/>
+              </a:defRPr>
+            </a:lvl4pPr>
+            <a:lvl5pPr marL="2057400" indent="-182880" algn="l" defTabSz="914400" rtl="0" eaLnBrk="1" latinLnBrk="0" hangingPunct="1">
+              <a:lnSpc>
+                <a:spcPct val="90000"/>
+              </a:lnSpc>
+              <a:spcBef>
+                <a:spcPts val="250"/>
+              </a:spcBef>
+              <a:spcAft>
+                <a:spcPts val="250"/>
+              </a:spcAft>
+              <a:buClr>
+                <a:schemeClr val="accent1"/>
+              </a:buClr>
+              <a:buFont typeface="Wingdings 2" pitchFamily="18" charset="2"/>
+              <a:buChar char=""/>
+              <a:defRPr sz="1400" kern="1200">
+                <a:solidFill>
+                  <a:schemeClr val="tx1">
+                    <a:lumMod val="65000"/>
+                    <a:lumOff val="35000"/>
+                  </a:schemeClr>
+                </a:solidFill>
+                <a:latin typeface="+mn-lt"/>
+                <a:ea typeface="+mn-ea"/>
+                <a:cs typeface="+mn-cs"/>
+              </a:defRPr>
+            </a:lvl5pPr>
+            <a:lvl6pPr marL="2514600" indent="-228600" algn="l" defTabSz="914400" rtl="0" eaLnBrk="1" latinLnBrk="0" hangingPunct="1">
+              <a:lnSpc>
+                <a:spcPct val="90000"/>
+              </a:lnSpc>
+              <a:spcBef>
+                <a:spcPts val="250"/>
+              </a:spcBef>
+              <a:spcAft>
+                <a:spcPts val="250"/>
+              </a:spcAft>
+              <a:buClr>
+                <a:schemeClr val="accent1"/>
+              </a:buClr>
+              <a:buFont typeface="Wingdings 2" pitchFamily="18" charset="2"/>
+              <a:buChar char=""/>
+              <a:defRPr sz="1400" kern="1200">
+                <a:solidFill>
+                  <a:schemeClr val="tx1">
+                    <a:lumMod val="65000"/>
+                    <a:lumOff val="35000"/>
+                  </a:schemeClr>
+                </a:solidFill>
+                <a:latin typeface="+mn-lt"/>
+                <a:ea typeface="+mn-ea"/>
+                <a:cs typeface="+mn-cs"/>
+              </a:defRPr>
+            </a:lvl6pPr>
+            <a:lvl7pPr marL="2971800" indent="-228600" algn="l" defTabSz="914400" rtl="0" eaLnBrk="1" latinLnBrk="0" hangingPunct="1">
+              <a:lnSpc>
+                <a:spcPct val="90000"/>
+              </a:lnSpc>
+              <a:spcBef>
+                <a:spcPts val="250"/>
+              </a:spcBef>
+              <a:spcAft>
+                <a:spcPts val="250"/>
+              </a:spcAft>
+              <a:buClr>
+                <a:schemeClr val="accent1"/>
+              </a:buClr>
+              <a:buFont typeface="Wingdings 2" pitchFamily="18" charset="2"/>
+              <a:buChar char=""/>
+              <a:defRPr sz="1400" kern="1200">
+                <a:solidFill>
+                  <a:schemeClr val="tx1">
+                    <a:lumMod val="65000"/>
+                    <a:lumOff val="35000"/>
+                  </a:schemeClr>
+                </a:solidFill>
+                <a:latin typeface="+mn-lt"/>
+                <a:ea typeface="+mn-ea"/>
+                <a:cs typeface="+mn-cs"/>
+              </a:defRPr>
+            </a:lvl7pPr>
+            <a:lvl8pPr marL="3429000" indent="-228600" algn="l" defTabSz="914400" rtl="0" eaLnBrk="1" latinLnBrk="0" hangingPunct="1">
+              <a:lnSpc>
+                <a:spcPct val="90000"/>
+              </a:lnSpc>
+              <a:spcBef>
+                <a:spcPts val="250"/>
+              </a:spcBef>
+              <a:spcAft>
+                <a:spcPts val="250"/>
+              </a:spcAft>
+              <a:buClr>
+                <a:schemeClr val="accent1"/>
+              </a:buClr>
+              <a:buFont typeface="Wingdings 2" pitchFamily="18" charset="2"/>
+              <a:buChar char=""/>
+              <a:defRPr sz="1400" kern="1200">
+                <a:solidFill>
+                  <a:schemeClr val="tx1">
+                    <a:lumMod val="65000"/>
+                    <a:lumOff val="35000"/>
+                  </a:schemeClr>
+                </a:solidFill>
+                <a:latin typeface="+mn-lt"/>
+                <a:ea typeface="+mn-ea"/>
+                <a:cs typeface="+mn-cs"/>
+              </a:defRPr>
+            </a:lvl8pPr>
+            <a:lvl9pPr marL="3886200" indent="-228600" algn="l" defTabSz="914400" rtl="0" eaLnBrk="1" latinLnBrk="0" hangingPunct="1">
+              <a:lnSpc>
+                <a:spcPct val="90000"/>
+              </a:lnSpc>
+              <a:spcBef>
+                <a:spcPts val="250"/>
+              </a:spcBef>
+              <a:spcAft>
+                <a:spcPts val="250"/>
+              </a:spcAft>
+              <a:buClr>
+                <a:schemeClr val="accent1"/>
+              </a:buClr>
+              <a:buFont typeface="Wingdings 2" pitchFamily="18" charset="2"/>
+              <a:buChar char=""/>
+              <a:defRPr sz="1400" kern="1200">
+                <a:solidFill>
+                  <a:schemeClr val="tx1">
+                    <a:lumMod val="65000"/>
+                    <a:lumOff val="35000"/>
+                  </a:schemeClr>
+                </a:solidFill>
+                <a:latin typeface="+mn-lt"/>
+                <a:ea typeface="+mn-ea"/>
+                <a:cs typeface="+mn-cs"/>
+              </a:defRPr>
+            </a:lvl9pPr>
+          </a:lstStyle>
+          <a:p>
+            <a:pPr marL="0" indent="0" algn="ctr">
+              <a:buFont typeface="Wingdings 2" pitchFamily="18" charset="2"/>
+              <a:buNone/>
+            </a:pPr>
+            <a:endParaRPr lang="en-US" dirty="0">
+              <a:solidFill>
+                <a:schemeClr val="accent1">
+                  <a:lumMod val="50000"/>
+                </a:schemeClr>
+              </a:solidFill>
+            </a:endParaRPr>
+          </a:p>
+        </p:txBody>
+      </p:sp>
+      <p:sp>
+        <p:nvSpPr>
+          <p:cNvPr id="2" name="Title 1"/>
+          <p:cNvSpPr>
+            <a:spLocks noGrp="1"/>
+          </p:cNvSpPr>
+          <p:nvPr>
+            <p:ph type="title"/>
+          </p:nvPr>
+        </p:nvSpPr>
+        <p:spPr/>
+        <p:txBody>
+          <a:bodyPr/>
+          <a:lstStyle/>
+          <a:p>
+            <a:r>
+              <a:rPr lang="en-US" dirty="0"/>
+              <a:t>Other considerations</a:t>
+            </a:r>
+          </a:p>
+        </p:txBody>
+      </p:sp>
+      <p:sp>
+        <p:nvSpPr>
+          <p:cNvPr id="3" name="Content Placeholder 2"/>
+          <p:cNvSpPr>
+            <a:spLocks noGrp="1"/>
+          </p:cNvSpPr>
+          <p:nvPr>
+            <p:ph idx="1"/>
+          </p:nvPr>
+        </p:nvSpPr>
+        <p:spPr>
+          <a:xfrm>
+            <a:off x="3600449" y="552450"/>
+            <a:ext cx="3419475" cy="3352800"/>
+          </a:xfrm>
+          <a:prstGeom prst="flowChartConnector">
+            <a:avLst/>
+          </a:prstGeom>
+          <a:solidFill>
+            <a:srgbClr val="40BAD2"/>
+          </a:solidFill>
+        </p:spPr>
+        <p:txBody>
+          <a:bodyPr anchor="t">
+            <a:normAutofit/>
+          </a:bodyPr>
+          <a:lstStyle/>
+          <a:p>
+            <a:pPr marL="0" indent="0" algn="ctr">
+              <a:buNone/>
+            </a:pPr>
+            <a:r>
+              <a:rPr lang="en-US" dirty="0">
+                <a:solidFill>
+                  <a:schemeClr val="accent1">
+                    <a:lumMod val="20000"/>
+                    <a:lumOff val="80000"/>
+                  </a:schemeClr>
+                </a:solidFill>
+              </a:rPr>
+              <a:t>There was a significant difference in </a:t>
+            </a:r>
+            <a:r>
+              <a:rPr lang="en-US" dirty="0">
+                <a:solidFill>
+                  <a:schemeClr val="bg1"/>
+                </a:solidFill>
+              </a:rPr>
+              <a:t>liquid savings</a:t>
+            </a:r>
+            <a:r>
+              <a:rPr lang="en-US" dirty="0">
+                <a:solidFill>
+                  <a:schemeClr val="accent1">
+                    <a:lumMod val="20000"/>
+                    <a:lumOff val="80000"/>
+                  </a:schemeClr>
+                </a:solidFill>
+              </a:rPr>
+              <a:t>, with </a:t>
+            </a:r>
+            <a:r>
+              <a:rPr lang="en-US" dirty="0">
+                <a:solidFill>
+                  <a:schemeClr val="bg1"/>
+                </a:solidFill>
+              </a:rPr>
+              <a:t>Latinx and Black </a:t>
+            </a:r>
+            <a:r>
+              <a:rPr lang="en-US" dirty="0">
+                <a:solidFill>
+                  <a:schemeClr val="accent1">
+                    <a:lumMod val="20000"/>
+                    <a:lumOff val="80000"/>
+                  </a:schemeClr>
+                </a:solidFill>
+              </a:rPr>
+              <a:t>millennials reporting </a:t>
+            </a:r>
+            <a:r>
+              <a:rPr lang="en-US" dirty="0">
+                <a:solidFill>
+                  <a:schemeClr val="bg1"/>
+                </a:solidFill>
+              </a:rPr>
+              <a:t>lower totals </a:t>
+            </a:r>
+            <a:r>
+              <a:rPr lang="en-US" dirty="0">
+                <a:solidFill>
+                  <a:schemeClr val="accent1">
+                    <a:lumMod val="20000"/>
+                    <a:lumOff val="80000"/>
+                  </a:schemeClr>
+                </a:solidFill>
+              </a:rPr>
+              <a:t>than </a:t>
+            </a:r>
+            <a:r>
+              <a:rPr lang="en-US" dirty="0">
+                <a:solidFill>
+                  <a:schemeClr val="bg1"/>
+                </a:solidFill>
+              </a:rPr>
+              <a:t>White </a:t>
+            </a:r>
+            <a:r>
+              <a:rPr lang="en-US" dirty="0">
+                <a:solidFill>
+                  <a:schemeClr val="accent1">
+                    <a:lumMod val="20000"/>
+                    <a:lumOff val="80000"/>
+                  </a:schemeClr>
+                </a:solidFill>
+              </a:rPr>
+              <a:t>millennials</a:t>
+            </a:r>
+          </a:p>
+        </p:txBody>
+      </p:sp>
+      <p:sp>
+        <p:nvSpPr>
+          <p:cNvPr id="4" name="Content Placeholder 2">
+            <a:extLst>
+              <a:ext uri="{FF2B5EF4-FFF2-40B4-BE49-F238E27FC236}">
+                <a16:creationId xmlns:a16="http://schemas.microsoft.com/office/drawing/2014/main" id="{E7C29B87-F8A4-4125-B7F5-3CF0162258F3}"/>
+              </a:ext>
+            </a:extLst>
+          </p:cNvPr>
+          <p:cNvSpPr txBox="1">
+            <a:spLocks/>
+          </p:cNvSpPr>
+          <p:nvPr/>
+        </p:nvSpPr>
+        <p:spPr>
+          <a:xfrm>
+            <a:off x="5780095" y="2620160"/>
+            <a:ext cx="3331632" cy="3201543"/>
+          </a:xfrm>
+          <a:prstGeom prst="flowChartConnector">
+            <a:avLst/>
+          </a:prstGeom>
+          <a:solidFill>
+            <a:schemeClr val="accent1">
+              <a:lumMod val="50000"/>
+            </a:schemeClr>
+          </a:solidFill>
+        </p:spPr>
+        <p:txBody>
+          <a:bodyPr vert="horz" lIns="91440" tIns="45720" rIns="91440" bIns="45720" rtlCol="0" anchor="t">
+            <a:normAutofit fontScale="92500" lnSpcReduction="10000"/>
+          </a:bodyPr>
+          <a:lstStyle>
+            <a:lvl1pPr marL="182880" indent="-182880" algn="l" defTabSz="914400" rtl="0" eaLnBrk="1" latinLnBrk="0" hangingPunct="1">
+              <a:lnSpc>
+                <a:spcPct val="90000"/>
+              </a:lnSpc>
+              <a:spcBef>
+                <a:spcPts val="1200"/>
+              </a:spcBef>
+              <a:buClr>
+                <a:schemeClr val="accent1"/>
+              </a:buClr>
+              <a:buFont typeface="Wingdings 2" pitchFamily="18" charset="2"/>
+              <a:buChar char=""/>
+              <a:defRPr sz="2000" kern="1200">
+                <a:solidFill>
+                  <a:schemeClr val="tx1">
+                    <a:lumMod val="65000"/>
+                    <a:lumOff val="35000"/>
+                  </a:schemeClr>
+                </a:solidFill>
+                <a:latin typeface="+mn-lt"/>
+                <a:ea typeface="+mn-ea"/>
+                <a:cs typeface="+mn-cs"/>
+              </a:defRPr>
+            </a:lvl1pPr>
+            <a:lvl2pPr marL="685800" indent="-182880" algn="l" defTabSz="914400" rtl="0" eaLnBrk="1" latinLnBrk="0" hangingPunct="1">
+              <a:lnSpc>
+                <a:spcPct val="90000"/>
+              </a:lnSpc>
+              <a:spcBef>
+                <a:spcPts val="250"/>
+              </a:spcBef>
+              <a:spcAft>
+                <a:spcPts val="250"/>
+              </a:spcAft>
+              <a:buClr>
+                <a:schemeClr val="accent1"/>
+              </a:buClr>
+              <a:buFont typeface="Wingdings 2" pitchFamily="18" charset="2"/>
+              <a:buChar char=""/>
+              <a:defRPr sz="1800" kern="1200">
+                <a:solidFill>
+                  <a:schemeClr val="tx1">
+                    <a:lumMod val="65000"/>
+                    <a:lumOff val="35000"/>
+                  </a:schemeClr>
+                </a:solidFill>
+                <a:latin typeface="+mn-lt"/>
+                <a:ea typeface="+mn-ea"/>
+                <a:cs typeface="+mn-cs"/>
+              </a:defRPr>
+            </a:lvl2pPr>
+            <a:lvl3pPr marL="1143000" indent="-182880" algn="l" defTabSz="914400" rtl="0" eaLnBrk="1" latinLnBrk="0" hangingPunct="1">
+              <a:lnSpc>
+                <a:spcPct val="90000"/>
+              </a:lnSpc>
+              <a:spcBef>
+                <a:spcPts val="250"/>
+              </a:spcBef>
+              <a:spcAft>
+                <a:spcPts val="250"/>
+              </a:spcAft>
+              <a:buClr>
+                <a:schemeClr val="accent1"/>
+              </a:buClr>
+              <a:buFont typeface="Wingdings 2" pitchFamily="18" charset="2"/>
+              <a:buChar char=""/>
+              <a:defRPr sz="1600" kern="1200">
+                <a:solidFill>
+                  <a:schemeClr val="tx1">
+                    <a:lumMod val="65000"/>
+                    <a:lumOff val="35000"/>
+                  </a:schemeClr>
+                </a:solidFill>
+                <a:latin typeface="+mn-lt"/>
+                <a:ea typeface="+mn-ea"/>
+                <a:cs typeface="+mn-cs"/>
+              </a:defRPr>
+            </a:lvl3pPr>
+            <a:lvl4pPr marL="1600200" indent="-182880" algn="l" defTabSz="914400" rtl="0" eaLnBrk="1" latinLnBrk="0" hangingPunct="1">
+              <a:lnSpc>
+                <a:spcPct val="90000"/>
+              </a:lnSpc>
+              <a:spcBef>
+                <a:spcPts val="250"/>
+              </a:spcBef>
+              <a:spcAft>
+                <a:spcPts val="250"/>
+              </a:spcAft>
+              <a:buClr>
+                <a:schemeClr val="accent1"/>
+              </a:buClr>
+              <a:buFont typeface="Wingdings 2" pitchFamily="18" charset="2"/>
+              <a:buChar char=""/>
+              <a:defRPr sz="1400" kern="1200">
+                <a:solidFill>
+                  <a:schemeClr val="tx1">
+                    <a:lumMod val="65000"/>
+                    <a:lumOff val="35000"/>
+                  </a:schemeClr>
+                </a:solidFill>
+                <a:latin typeface="+mn-lt"/>
+                <a:ea typeface="+mn-ea"/>
+                <a:cs typeface="+mn-cs"/>
+              </a:defRPr>
+            </a:lvl4pPr>
+            <a:lvl5pPr marL="2057400" indent="-182880" algn="l" defTabSz="914400" rtl="0" eaLnBrk="1" latinLnBrk="0" hangingPunct="1">
+              <a:lnSpc>
+                <a:spcPct val="90000"/>
+              </a:lnSpc>
+              <a:spcBef>
+                <a:spcPts val="250"/>
+              </a:spcBef>
+              <a:spcAft>
+                <a:spcPts val="250"/>
+              </a:spcAft>
+              <a:buClr>
+                <a:schemeClr val="accent1"/>
+              </a:buClr>
+              <a:buFont typeface="Wingdings 2" pitchFamily="18" charset="2"/>
+              <a:buChar char=""/>
+              <a:defRPr sz="1400" kern="1200">
+                <a:solidFill>
+                  <a:schemeClr val="tx1">
+                    <a:lumMod val="65000"/>
+                    <a:lumOff val="35000"/>
+                  </a:schemeClr>
+                </a:solidFill>
+                <a:latin typeface="+mn-lt"/>
+                <a:ea typeface="+mn-ea"/>
+                <a:cs typeface="+mn-cs"/>
+              </a:defRPr>
+            </a:lvl5pPr>
+            <a:lvl6pPr marL="2514600" indent="-228600" algn="l" defTabSz="914400" rtl="0" eaLnBrk="1" latinLnBrk="0" hangingPunct="1">
+              <a:lnSpc>
+                <a:spcPct val="90000"/>
+              </a:lnSpc>
+              <a:spcBef>
+                <a:spcPts val="250"/>
+              </a:spcBef>
+              <a:spcAft>
+                <a:spcPts val="250"/>
+              </a:spcAft>
+              <a:buClr>
+                <a:schemeClr val="accent1"/>
+              </a:buClr>
+              <a:buFont typeface="Wingdings 2" pitchFamily="18" charset="2"/>
+              <a:buChar char=""/>
+              <a:defRPr sz="1400" kern="1200">
+                <a:solidFill>
+                  <a:schemeClr val="tx1">
+                    <a:lumMod val="65000"/>
+                    <a:lumOff val="35000"/>
+                  </a:schemeClr>
+                </a:solidFill>
+                <a:latin typeface="+mn-lt"/>
+                <a:ea typeface="+mn-ea"/>
+                <a:cs typeface="+mn-cs"/>
+              </a:defRPr>
+            </a:lvl6pPr>
+            <a:lvl7pPr marL="2971800" indent="-228600" algn="l" defTabSz="914400" rtl="0" eaLnBrk="1" latinLnBrk="0" hangingPunct="1">
+              <a:lnSpc>
+                <a:spcPct val="90000"/>
+              </a:lnSpc>
+              <a:spcBef>
+                <a:spcPts val="250"/>
+              </a:spcBef>
+              <a:spcAft>
+                <a:spcPts val="250"/>
+              </a:spcAft>
+              <a:buClr>
+                <a:schemeClr val="accent1"/>
+              </a:buClr>
+              <a:buFont typeface="Wingdings 2" pitchFamily="18" charset="2"/>
+              <a:buChar char=""/>
+              <a:defRPr sz="1400" kern="1200">
+                <a:solidFill>
+                  <a:schemeClr val="tx1">
+                    <a:lumMod val="65000"/>
+                    <a:lumOff val="35000"/>
+                  </a:schemeClr>
+                </a:solidFill>
+                <a:latin typeface="+mn-lt"/>
+                <a:ea typeface="+mn-ea"/>
+                <a:cs typeface="+mn-cs"/>
+              </a:defRPr>
+            </a:lvl7pPr>
+            <a:lvl8pPr marL="3429000" indent="-228600" algn="l" defTabSz="914400" rtl="0" eaLnBrk="1" latinLnBrk="0" hangingPunct="1">
+              <a:lnSpc>
+                <a:spcPct val="90000"/>
+              </a:lnSpc>
+              <a:spcBef>
+                <a:spcPts val="250"/>
+              </a:spcBef>
+              <a:spcAft>
+                <a:spcPts val="250"/>
+              </a:spcAft>
+              <a:buClr>
+                <a:schemeClr val="accent1"/>
+              </a:buClr>
+              <a:buFont typeface="Wingdings 2" pitchFamily="18" charset="2"/>
+              <a:buChar char=""/>
+              <a:defRPr sz="1400" kern="1200">
+                <a:solidFill>
+                  <a:schemeClr val="tx1">
+                    <a:lumMod val="65000"/>
+                    <a:lumOff val="35000"/>
+                  </a:schemeClr>
+                </a:solidFill>
+                <a:latin typeface="+mn-lt"/>
+                <a:ea typeface="+mn-ea"/>
+                <a:cs typeface="+mn-cs"/>
+              </a:defRPr>
+            </a:lvl8pPr>
+            <a:lvl9pPr marL="3886200" indent="-228600" algn="l" defTabSz="914400" rtl="0" eaLnBrk="1" latinLnBrk="0" hangingPunct="1">
+              <a:lnSpc>
+                <a:spcPct val="90000"/>
+              </a:lnSpc>
+              <a:spcBef>
+                <a:spcPts val="250"/>
+              </a:spcBef>
+              <a:spcAft>
+                <a:spcPts val="250"/>
+              </a:spcAft>
+              <a:buClr>
+                <a:schemeClr val="accent1"/>
+              </a:buClr>
+              <a:buFont typeface="Wingdings 2" pitchFamily="18" charset="2"/>
+              <a:buChar char=""/>
+              <a:defRPr sz="1400" kern="1200">
+                <a:solidFill>
+                  <a:schemeClr val="tx1">
+                    <a:lumMod val="65000"/>
+                    <a:lumOff val="35000"/>
+                  </a:schemeClr>
+                </a:solidFill>
+                <a:latin typeface="+mn-lt"/>
+                <a:ea typeface="+mn-ea"/>
+                <a:cs typeface="+mn-cs"/>
+              </a:defRPr>
+            </a:lvl9pPr>
+          </a:lstStyle>
+          <a:p>
+            <a:pPr marL="0" indent="0" algn="ctr">
+              <a:buFont typeface="Wingdings 2" pitchFamily="18" charset="2"/>
+              <a:buNone/>
+            </a:pPr>
+            <a:r>
+              <a:rPr lang="en-US" dirty="0">
+                <a:solidFill>
+                  <a:schemeClr val="accent1">
+                    <a:lumMod val="20000"/>
+                    <a:lumOff val="80000"/>
+                  </a:schemeClr>
+                </a:solidFill>
+              </a:rPr>
+              <a:t>Concerns about expense coverage, achieving long term goals, and savings concerns were lower amongst millennials who reported higher levels of liquid savings</a:t>
+            </a:r>
+          </a:p>
+        </p:txBody>
+      </p:sp>
+      <p:sp>
+        <p:nvSpPr>
+          <p:cNvPr id="5" name="Content Placeholder 2">
+            <a:extLst>
+              <a:ext uri="{FF2B5EF4-FFF2-40B4-BE49-F238E27FC236}">
+                <a16:creationId xmlns:a16="http://schemas.microsoft.com/office/drawing/2014/main" id="{88F90AE3-9D51-4514-967B-2C31BFD05DCD}"/>
+              </a:ext>
+            </a:extLst>
+          </p:cNvPr>
+          <p:cNvSpPr txBox="1">
+            <a:spLocks/>
+          </p:cNvSpPr>
+          <p:nvPr/>
+        </p:nvSpPr>
+        <p:spPr>
+          <a:xfrm>
+            <a:off x="4645554" y="4174169"/>
+            <a:ext cx="1329263" cy="1281932"/>
+          </a:xfrm>
+          <a:prstGeom prst="flowChartConnector">
+            <a:avLst/>
+          </a:prstGeom>
+          <a:solidFill>
+            <a:schemeClr val="accent1">
+              <a:lumMod val="40000"/>
+              <a:lumOff val="60000"/>
+            </a:schemeClr>
+          </a:solidFill>
+        </p:spPr>
+        <p:txBody>
+          <a:bodyPr vert="horz" lIns="91440" tIns="45720" rIns="91440" bIns="45720" rtlCol="0" anchor="t">
+            <a:normAutofit/>
+          </a:bodyPr>
+          <a:lstStyle>
+            <a:lvl1pPr marL="182880" indent="-182880" algn="l" defTabSz="914400" rtl="0" eaLnBrk="1" latinLnBrk="0" hangingPunct="1">
+              <a:lnSpc>
+                <a:spcPct val="90000"/>
+              </a:lnSpc>
+              <a:spcBef>
+                <a:spcPts val="1200"/>
+              </a:spcBef>
+              <a:buClr>
+                <a:schemeClr val="accent1"/>
+              </a:buClr>
+              <a:buFont typeface="Wingdings 2" pitchFamily="18" charset="2"/>
+              <a:buChar char=""/>
+              <a:defRPr sz="2000" kern="1200">
+                <a:solidFill>
+                  <a:schemeClr val="tx1">
+                    <a:lumMod val="65000"/>
+                    <a:lumOff val="35000"/>
+                  </a:schemeClr>
+                </a:solidFill>
+                <a:latin typeface="+mn-lt"/>
+                <a:ea typeface="+mn-ea"/>
+                <a:cs typeface="+mn-cs"/>
+              </a:defRPr>
+            </a:lvl1pPr>
+            <a:lvl2pPr marL="685800" indent="-182880" algn="l" defTabSz="914400" rtl="0" eaLnBrk="1" latinLnBrk="0" hangingPunct="1">
+              <a:lnSpc>
+                <a:spcPct val="90000"/>
+              </a:lnSpc>
+              <a:spcBef>
+                <a:spcPts val="250"/>
+              </a:spcBef>
+              <a:spcAft>
+                <a:spcPts val="250"/>
+              </a:spcAft>
+              <a:buClr>
+                <a:schemeClr val="accent1"/>
+              </a:buClr>
+              <a:buFont typeface="Wingdings 2" pitchFamily="18" charset="2"/>
+              <a:buChar char=""/>
+              <a:defRPr sz="1800" kern="1200">
+                <a:solidFill>
+                  <a:schemeClr val="tx1">
+                    <a:lumMod val="65000"/>
+                    <a:lumOff val="35000"/>
+                  </a:schemeClr>
+                </a:solidFill>
+                <a:latin typeface="+mn-lt"/>
+                <a:ea typeface="+mn-ea"/>
+                <a:cs typeface="+mn-cs"/>
+              </a:defRPr>
+            </a:lvl2pPr>
+            <a:lvl3pPr marL="1143000" indent="-182880" algn="l" defTabSz="914400" rtl="0" eaLnBrk="1" latinLnBrk="0" hangingPunct="1">
+              <a:lnSpc>
+                <a:spcPct val="90000"/>
+              </a:lnSpc>
+              <a:spcBef>
+                <a:spcPts val="250"/>
+              </a:spcBef>
+              <a:spcAft>
+                <a:spcPts val="250"/>
+              </a:spcAft>
+              <a:buClr>
+                <a:schemeClr val="accent1"/>
+              </a:buClr>
+              <a:buFont typeface="Wingdings 2" pitchFamily="18" charset="2"/>
+              <a:buChar char=""/>
+              <a:defRPr sz="1600" kern="1200">
+                <a:solidFill>
+                  <a:schemeClr val="tx1">
+                    <a:lumMod val="65000"/>
+                    <a:lumOff val="35000"/>
+                  </a:schemeClr>
+                </a:solidFill>
+                <a:latin typeface="+mn-lt"/>
+                <a:ea typeface="+mn-ea"/>
+                <a:cs typeface="+mn-cs"/>
+              </a:defRPr>
+            </a:lvl3pPr>
+            <a:lvl4pPr marL="1600200" indent="-182880" algn="l" defTabSz="914400" rtl="0" eaLnBrk="1" latinLnBrk="0" hangingPunct="1">
+              <a:lnSpc>
+                <a:spcPct val="90000"/>
+              </a:lnSpc>
+              <a:spcBef>
+                <a:spcPts val="250"/>
+              </a:spcBef>
+              <a:spcAft>
+                <a:spcPts val="250"/>
+              </a:spcAft>
+              <a:buClr>
+                <a:schemeClr val="accent1"/>
+              </a:buClr>
+              <a:buFont typeface="Wingdings 2" pitchFamily="18" charset="2"/>
+              <a:buChar char=""/>
+              <a:defRPr sz="1400" kern="1200">
+                <a:solidFill>
+                  <a:schemeClr val="tx1">
+                    <a:lumMod val="65000"/>
+                    <a:lumOff val="35000"/>
+                  </a:schemeClr>
+                </a:solidFill>
+                <a:latin typeface="+mn-lt"/>
+                <a:ea typeface="+mn-ea"/>
+                <a:cs typeface="+mn-cs"/>
+              </a:defRPr>
+            </a:lvl4pPr>
+            <a:lvl5pPr marL="2057400" indent="-182880" algn="l" defTabSz="914400" rtl="0" eaLnBrk="1" latinLnBrk="0" hangingPunct="1">
+              <a:lnSpc>
+                <a:spcPct val="90000"/>
+              </a:lnSpc>
+              <a:spcBef>
+                <a:spcPts val="250"/>
+              </a:spcBef>
+              <a:spcAft>
+                <a:spcPts val="250"/>
+              </a:spcAft>
+              <a:buClr>
+                <a:schemeClr val="accent1"/>
+              </a:buClr>
+              <a:buFont typeface="Wingdings 2" pitchFamily="18" charset="2"/>
+              <a:buChar char=""/>
+              <a:defRPr sz="1400" kern="1200">
+                <a:solidFill>
+                  <a:schemeClr val="tx1">
+                    <a:lumMod val="65000"/>
+                    <a:lumOff val="35000"/>
+                  </a:schemeClr>
+                </a:solidFill>
+                <a:latin typeface="+mn-lt"/>
+                <a:ea typeface="+mn-ea"/>
+                <a:cs typeface="+mn-cs"/>
+              </a:defRPr>
+            </a:lvl5pPr>
+            <a:lvl6pPr marL="2514600" indent="-228600" algn="l" defTabSz="914400" rtl="0" eaLnBrk="1" latinLnBrk="0" hangingPunct="1">
+              <a:lnSpc>
+                <a:spcPct val="90000"/>
+              </a:lnSpc>
+              <a:spcBef>
+                <a:spcPts val="250"/>
+              </a:spcBef>
+              <a:spcAft>
+                <a:spcPts val="250"/>
+              </a:spcAft>
+              <a:buClr>
+                <a:schemeClr val="accent1"/>
+              </a:buClr>
+              <a:buFont typeface="Wingdings 2" pitchFamily="18" charset="2"/>
+              <a:buChar char=""/>
+              <a:defRPr sz="1400" kern="1200">
+                <a:solidFill>
+                  <a:schemeClr val="tx1">
+                    <a:lumMod val="65000"/>
+                    <a:lumOff val="35000"/>
+                  </a:schemeClr>
+                </a:solidFill>
+                <a:latin typeface="+mn-lt"/>
+                <a:ea typeface="+mn-ea"/>
+                <a:cs typeface="+mn-cs"/>
+              </a:defRPr>
+            </a:lvl6pPr>
+            <a:lvl7pPr marL="2971800" indent="-228600" algn="l" defTabSz="914400" rtl="0" eaLnBrk="1" latinLnBrk="0" hangingPunct="1">
+              <a:lnSpc>
+                <a:spcPct val="90000"/>
+              </a:lnSpc>
+              <a:spcBef>
+                <a:spcPts val="250"/>
+              </a:spcBef>
+              <a:spcAft>
+                <a:spcPts val="250"/>
+              </a:spcAft>
+              <a:buClr>
+                <a:schemeClr val="accent1"/>
+              </a:buClr>
+              <a:buFont typeface="Wingdings 2" pitchFamily="18" charset="2"/>
+              <a:buChar char=""/>
+              <a:defRPr sz="1400" kern="1200">
+                <a:solidFill>
+                  <a:schemeClr val="tx1">
+                    <a:lumMod val="65000"/>
+                    <a:lumOff val="35000"/>
+                  </a:schemeClr>
+                </a:solidFill>
+                <a:latin typeface="+mn-lt"/>
+                <a:ea typeface="+mn-ea"/>
+                <a:cs typeface="+mn-cs"/>
+              </a:defRPr>
+            </a:lvl7pPr>
+            <a:lvl8pPr marL="3429000" indent="-228600" algn="l" defTabSz="914400" rtl="0" eaLnBrk="1" latinLnBrk="0" hangingPunct="1">
+              <a:lnSpc>
+                <a:spcPct val="90000"/>
+              </a:lnSpc>
+              <a:spcBef>
+                <a:spcPts val="250"/>
+              </a:spcBef>
+              <a:spcAft>
+                <a:spcPts val="250"/>
+              </a:spcAft>
+              <a:buClr>
+                <a:schemeClr val="accent1"/>
+              </a:buClr>
+              <a:buFont typeface="Wingdings 2" pitchFamily="18" charset="2"/>
+              <a:buChar char=""/>
+              <a:defRPr sz="1400" kern="1200">
+                <a:solidFill>
+                  <a:schemeClr val="tx1">
+                    <a:lumMod val="65000"/>
+                    <a:lumOff val="35000"/>
+                  </a:schemeClr>
+                </a:solidFill>
+                <a:latin typeface="+mn-lt"/>
+                <a:ea typeface="+mn-ea"/>
+                <a:cs typeface="+mn-cs"/>
+              </a:defRPr>
+            </a:lvl8pPr>
+            <a:lvl9pPr marL="3886200" indent="-228600" algn="l" defTabSz="914400" rtl="0" eaLnBrk="1" latinLnBrk="0" hangingPunct="1">
+              <a:lnSpc>
+                <a:spcPct val="90000"/>
+              </a:lnSpc>
+              <a:spcBef>
+                <a:spcPts val="250"/>
+              </a:spcBef>
+              <a:spcAft>
+                <a:spcPts val="250"/>
+              </a:spcAft>
+              <a:buClr>
+                <a:schemeClr val="accent1"/>
+              </a:buClr>
+              <a:buFont typeface="Wingdings 2" pitchFamily="18" charset="2"/>
+              <a:buChar char=""/>
+              <a:defRPr sz="1400" kern="1200">
+                <a:solidFill>
+                  <a:schemeClr val="tx1">
+                    <a:lumMod val="65000"/>
+                    <a:lumOff val="35000"/>
+                  </a:schemeClr>
+                </a:solidFill>
+                <a:latin typeface="+mn-lt"/>
+                <a:ea typeface="+mn-ea"/>
+                <a:cs typeface="+mn-cs"/>
+              </a:defRPr>
+            </a:lvl9pPr>
+          </a:lstStyle>
+          <a:p>
+            <a:pPr marL="0" indent="0" algn="ctr">
+              <a:buFont typeface="Wingdings 2" pitchFamily="18" charset="2"/>
+              <a:buNone/>
+            </a:pPr>
+            <a:endParaRPr lang="en-US" dirty="0">
+              <a:solidFill>
+                <a:schemeClr val="accent1">
+                  <a:lumMod val="50000"/>
+                </a:schemeClr>
+              </a:solidFill>
+            </a:endParaRPr>
+          </a:p>
+        </p:txBody>
+      </p:sp>
+      <p:sp>
+        <p:nvSpPr>
+          <p:cNvPr id="8" name="Content Placeholder 2">
+            <a:extLst>
+              <a:ext uri="{FF2B5EF4-FFF2-40B4-BE49-F238E27FC236}">
+                <a16:creationId xmlns:a16="http://schemas.microsoft.com/office/drawing/2014/main" id="{0405EFFD-BC60-4A99-B980-9A381E5121F7}"/>
+              </a:ext>
+            </a:extLst>
+          </p:cNvPr>
+          <p:cNvSpPr txBox="1">
+            <a:spLocks/>
+          </p:cNvSpPr>
+          <p:nvPr/>
+        </p:nvSpPr>
+        <p:spPr>
+          <a:xfrm>
+            <a:off x="10361089" y="0"/>
+            <a:ext cx="1329263" cy="1281932"/>
+          </a:xfrm>
+          <a:prstGeom prst="flowChartConnector">
+            <a:avLst/>
+          </a:prstGeom>
+          <a:solidFill>
+            <a:schemeClr val="accent1">
+              <a:lumMod val="40000"/>
+              <a:lumOff val="60000"/>
+            </a:schemeClr>
+          </a:solidFill>
+        </p:spPr>
+        <p:txBody>
+          <a:bodyPr vert="horz" lIns="91440" tIns="45720" rIns="91440" bIns="45720" rtlCol="0" anchor="t">
+            <a:normAutofit/>
+          </a:bodyPr>
+          <a:lstStyle>
+            <a:lvl1pPr marL="182880" indent="-182880" algn="l" defTabSz="914400" rtl="0" eaLnBrk="1" latinLnBrk="0" hangingPunct="1">
+              <a:lnSpc>
+                <a:spcPct val="90000"/>
+              </a:lnSpc>
+              <a:spcBef>
+                <a:spcPts val="1200"/>
+              </a:spcBef>
+              <a:buClr>
+                <a:schemeClr val="accent1"/>
+              </a:buClr>
+              <a:buFont typeface="Wingdings 2" pitchFamily="18" charset="2"/>
+              <a:buChar char=""/>
+              <a:defRPr sz="2000" kern="1200">
+                <a:solidFill>
+                  <a:schemeClr val="tx1">
+                    <a:lumMod val="65000"/>
+                    <a:lumOff val="35000"/>
+                  </a:schemeClr>
+                </a:solidFill>
+                <a:latin typeface="+mn-lt"/>
+                <a:ea typeface="+mn-ea"/>
+                <a:cs typeface="+mn-cs"/>
+              </a:defRPr>
+            </a:lvl1pPr>
+            <a:lvl2pPr marL="685800" indent="-182880" algn="l" defTabSz="914400" rtl="0" eaLnBrk="1" latinLnBrk="0" hangingPunct="1">
+              <a:lnSpc>
+                <a:spcPct val="90000"/>
+              </a:lnSpc>
+              <a:spcBef>
+                <a:spcPts val="250"/>
+              </a:spcBef>
+              <a:spcAft>
+                <a:spcPts val="250"/>
+              </a:spcAft>
+              <a:buClr>
+                <a:schemeClr val="accent1"/>
+              </a:buClr>
+              <a:buFont typeface="Wingdings 2" pitchFamily="18" charset="2"/>
+              <a:buChar char=""/>
+              <a:defRPr sz="1800" kern="1200">
+                <a:solidFill>
+                  <a:schemeClr val="tx1">
+                    <a:lumMod val="65000"/>
+                    <a:lumOff val="35000"/>
+                  </a:schemeClr>
+                </a:solidFill>
+                <a:latin typeface="+mn-lt"/>
+                <a:ea typeface="+mn-ea"/>
+                <a:cs typeface="+mn-cs"/>
+              </a:defRPr>
+            </a:lvl2pPr>
+            <a:lvl3pPr marL="1143000" indent="-182880" algn="l" defTabSz="914400" rtl="0" eaLnBrk="1" latinLnBrk="0" hangingPunct="1">
+              <a:lnSpc>
+                <a:spcPct val="90000"/>
+              </a:lnSpc>
+              <a:spcBef>
+                <a:spcPts val="250"/>
+              </a:spcBef>
+              <a:spcAft>
+                <a:spcPts val="250"/>
+              </a:spcAft>
+              <a:buClr>
+                <a:schemeClr val="accent1"/>
+              </a:buClr>
+              <a:buFont typeface="Wingdings 2" pitchFamily="18" charset="2"/>
+              <a:buChar char=""/>
+              <a:defRPr sz="1600" kern="1200">
+                <a:solidFill>
+                  <a:schemeClr val="tx1">
+                    <a:lumMod val="65000"/>
+                    <a:lumOff val="35000"/>
+                  </a:schemeClr>
+                </a:solidFill>
+                <a:latin typeface="+mn-lt"/>
+                <a:ea typeface="+mn-ea"/>
+                <a:cs typeface="+mn-cs"/>
+              </a:defRPr>
+            </a:lvl3pPr>
+            <a:lvl4pPr marL="1600200" indent="-182880" algn="l" defTabSz="914400" rtl="0" eaLnBrk="1" latinLnBrk="0" hangingPunct="1">
+              <a:lnSpc>
+                <a:spcPct val="90000"/>
+              </a:lnSpc>
+              <a:spcBef>
+                <a:spcPts val="250"/>
+              </a:spcBef>
+              <a:spcAft>
+                <a:spcPts val="250"/>
+              </a:spcAft>
+              <a:buClr>
+                <a:schemeClr val="accent1"/>
+              </a:buClr>
+              <a:buFont typeface="Wingdings 2" pitchFamily="18" charset="2"/>
+              <a:buChar char=""/>
+              <a:defRPr sz="1400" kern="1200">
+                <a:solidFill>
+                  <a:schemeClr val="tx1">
+                    <a:lumMod val="65000"/>
+                    <a:lumOff val="35000"/>
+                  </a:schemeClr>
+                </a:solidFill>
+                <a:latin typeface="+mn-lt"/>
+                <a:ea typeface="+mn-ea"/>
+                <a:cs typeface="+mn-cs"/>
+              </a:defRPr>
+            </a:lvl4pPr>
+            <a:lvl5pPr marL="2057400" indent="-182880" algn="l" defTabSz="914400" rtl="0" eaLnBrk="1" latinLnBrk="0" hangingPunct="1">
+              <a:lnSpc>
+                <a:spcPct val="90000"/>
+              </a:lnSpc>
+              <a:spcBef>
+                <a:spcPts val="250"/>
+              </a:spcBef>
+              <a:spcAft>
+                <a:spcPts val="250"/>
+              </a:spcAft>
+              <a:buClr>
+                <a:schemeClr val="accent1"/>
+              </a:buClr>
+              <a:buFont typeface="Wingdings 2" pitchFamily="18" charset="2"/>
+              <a:buChar char=""/>
+              <a:defRPr sz="1400" kern="1200">
+                <a:solidFill>
+                  <a:schemeClr val="tx1">
+                    <a:lumMod val="65000"/>
+                    <a:lumOff val="35000"/>
+                  </a:schemeClr>
+                </a:solidFill>
+                <a:latin typeface="+mn-lt"/>
+                <a:ea typeface="+mn-ea"/>
+                <a:cs typeface="+mn-cs"/>
+              </a:defRPr>
+            </a:lvl5pPr>
+            <a:lvl6pPr marL="2514600" indent="-228600" algn="l" defTabSz="914400" rtl="0" eaLnBrk="1" latinLnBrk="0" hangingPunct="1">
+              <a:lnSpc>
+                <a:spcPct val="90000"/>
+              </a:lnSpc>
+              <a:spcBef>
+                <a:spcPts val="250"/>
+              </a:spcBef>
+              <a:spcAft>
+                <a:spcPts val="250"/>
+              </a:spcAft>
+              <a:buClr>
+                <a:schemeClr val="accent1"/>
+              </a:buClr>
+              <a:buFont typeface="Wingdings 2" pitchFamily="18" charset="2"/>
+              <a:buChar char=""/>
+              <a:defRPr sz="1400" kern="1200">
+                <a:solidFill>
+                  <a:schemeClr val="tx1">
+                    <a:lumMod val="65000"/>
+                    <a:lumOff val="35000"/>
+                  </a:schemeClr>
+                </a:solidFill>
+                <a:latin typeface="+mn-lt"/>
+                <a:ea typeface="+mn-ea"/>
+                <a:cs typeface="+mn-cs"/>
+              </a:defRPr>
+            </a:lvl6pPr>
+            <a:lvl7pPr marL="2971800" indent="-228600" algn="l" defTabSz="914400" rtl="0" eaLnBrk="1" latinLnBrk="0" hangingPunct="1">
+              <a:lnSpc>
+                <a:spcPct val="90000"/>
+              </a:lnSpc>
+              <a:spcBef>
+                <a:spcPts val="250"/>
+              </a:spcBef>
+              <a:spcAft>
+                <a:spcPts val="250"/>
+              </a:spcAft>
+              <a:buClr>
+                <a:schemeClr val="accent1"/>
+              </a:buClr>
+              <a:buFont typeface="Wingdings 2" pitchFamily="18" charset="2"/>
+              <a:buChar char=""/>
+              <a:defRPr sz="1400" kern="1200">
+                <a:solidFill>
+                  <a:schemeClr val="tx1">
+                    <a:lumMod val="65000"/>
+                    <a:lumOff val="35000"/>
+                  </a:schemeClr>
+                </a:solidFill>
+                <a:latin typeface="+mn-lt"/>
+                <a:ea typeface="+mn-ea"/>
+                <a:cs typeface="+mn-cs"/>
+              </a:defRPr>
+            </a:lvl7pPr>
+            <a:lvl8pPr marL="3429000" indent="-228600" algn="l" defTabSz="914400" rtl="0" eaLnBrk="1" latinLnBrk="0" hangingPunct="1">
+              <a:lnSpc>
+                <a:spcPct val="90000"/>
+              </a:lnSpc>
+              <a:spcBef>
+                <a:spcPts val="250"/>
+              </a:spcBef>
+              <a:spcAft>
+                <a:spcPts val="250"/>
+              </a:spcAft>
+              <a:buClr>
+                <a:schemeClr val="accent1"/>
+              </a:buClr>
+              <a:buFont typeface="Wingdings 2" pitchFamily="18" charset="2"/>
+              <a:buChar char=""/>
+              <a:defRPr sz="1400" kern="1200">
+                <a:solidFill>
+                  <a:schemeClr val="tx1">
+                    <a:lumMod val="65000"/>
+                    <a:lumOff val="35000"/>
+                  </a:schemeClr>
+                </a:solidFill>
+                <a:latin typeface="+mn-lt"/>
+                <a:ea typeface="+mn-ea"/>
+                <a:cs typeface="+mn-cs"/>
+              </a:defRPr>
+            </a:lvl8pPr>
+            <a:lvl9pPr marL="3886200" indent="-228600" algn="l" defTabSz="914400" rtl="0" eaLnBrk="1" latinLnBrk="0" hangingPunct="1">
+              <a:lnSpc>
+                <a:spcPct val="90000"/>
+              </a:lnSpc>
+              <a:spcBef>
+                <a:spcPts val="250"/>
+              </a:spcBef>
+              <a:spcAft>
+                <a:spcPts val="250"/>
+              </a:spcAft>
+              <a:buClr>
+                <a:schemeClr val="accent1"/>
+              </a:buClr>
+              <a:buFont typeface="Wingdings 2" pitchFamily="18" charset="2"/>
+              <a:buChar char=""/>
+              <a:defRPr sz="1400" kern="1200">
+                <a:solidFill>
+                  <a:schemeClr val="tx1">
+                    <a:lumMod val="65000"/>
+                    <a:lumOff val="35000"/>
+                  </a:schemeClr>
+                </a:solidFill>
+                <a:latin typeface="+mn-lt"/>
+                <a:ea typeface="+mn-ea"/>
+                <a:cs typeface="+mn-cs"/>
+              </a:defRPr>
+            </a:lvl9pPr>
+          </a:lstStyle>
+          <a:p>
+            <a:pPr marL="0" indent="0" algn="ctr">
+              <a:buFont typeface="Wingdings 2" pitchFamily="18" charset="2"/>
+              <a:buNone/>
+            </a:pPr>
+            <a:endParaRPr lang="en-US" dirty="0">
+              <a:solidFill>
+                <a:schemeClr val="accent1">
+                  <a:lumMod val="50000"/>
+                </a:schemeClr>
+              </a:solidFill>
+            </a:endParaRPr>
+          </a:p>
+        </p:txBody>
+      </p:sp>
+      <p:sp>
+        <p:nvSpPr>
+          <p:cNvPr id="9" name="Content Placeholder 2">
+            <a:extLst>
+              <a:ext uri="{FF2B5EF4-FFF2-40B4-BE49-F238E27FC236}">
+                <a16:creationId xmlns:a16="http://schemas.microsoft.com/office/drawing/2014/main" id="{D32C57E5-61CE-4985-94B0-15B10915C3B7}"/>
+              </a:ext>
+            </a:extLst>
+          </p:cNvPr>
+          <p:cNvSpPr txBox="1">
+            <a:spLocks/>
+          </p:cNvSpPr>
+          <p:nvPr/>
+        </p:nvSpPr>
+        <p:spPr>
+          <a:xfrm>
+            <a:off x="6524625" y="6026534"/>
+            <a:ext cx="1329263" cy="1281932"/>
+          </a:xfrm>
+          <a:prstGeom prst="flowChartConnector">
+            <a:avLst/>
+          </a:prstGeom>
+          <a:solidFill>
+            <a:schemeClr val="accent1">
+              <a:lumMod val="40000"/>
+              <a:lumOff val="60000"/>
+            </a:schemeClr>
+          </a:solidFill>
+        </p:spPr>
+        <p:txBody>
+          <a:bodyPr vert="horz" lIns="91440" tIns="45720" rIns="91440" bIns="45720" rtlCol="0" anchor="t">
+            <a:normAutofit/>
+          </a:bodyPr>
+          <a:lstStyle>
+            <a:lvl1pPr marL="182880" indent="-182880" algn="l" defTabSz="914400" rtl="0" eaLnBrk="1" latinLnBrk="0" hangingPunct="1">
+              <a:lnSpc>
+                <a:spcPct val="90000"/>
+              </a:lnSpc>
+              <a:spcBef>
+                <a:spcPts val="1200"/>
+              </a:spcBef>
+              <a:buClr>
+                <a:schemeClr val="accent1"/>
+              </a:buClr>
+              <a:buFont typeface="Wingdings 2" pitchFamily="18" charset="2"/>
+              <a:buChar char=""/>
+              <a:defRPr sz="2000" kern="1200">
+                <a:solidFill>
+                  <a:schemeClr val="tx1">
+                    <a:lumMod val="65000"/>
+                    <a:lumOff val="35000"/>
+                  </a:schemeClr>
+                </a:solidFill>
+                <a:latin typeface="+mn-lt"/>
+                <a:ea typeface="+mn-ea"/>
+                <a:cs typeface="+mn-cs"/>
+              </a:defRPr>
+            </a:lvl1pPr>
+            <a:lvl2pPr marL="685800" indent="-182880" algn="l" defTabSz="914400" rtl="0" eaLnBrk="1" latinLnBrk="0" hangingPunct="1">
+              <a:lnSpc>
+                <a:spcPct val="90000"/>
+              </a:lnSpc>
+              <a:spcBef>
+                <a:spcPts val="250"/>
+              </a:spcBef>
+              <a:spcAft>
+                <a:spcPts val="250"/>
+              </a:spcAft>
+              <a:buClr>
+                <a:schemeClr val="accent1"/>
+              </a:buClr>
+              <a:buFont typeface="Wingdings 2" pitchFamily="18" charset="2"/>
+              <a:buChar char=""/>
+              <a:defRPr sz="1800" kern="1200">
+                <a:solidFill>
+                  <a:schemeClr val="tx1">
+                    <a:lumMod val="65000"/>
+                    <a:lumOff val="35000"/>
+                  </a:schemeClr>
+                </a:solidFill>
+                <a:latin typeface="+mn-lt"/>
+                <a:ea typeface="+mn-ea"/>
+                <a:cs typeface="+mn-cs"/>
+              </a:defRPr>
+            </a:lvl2pPr>
+            <a:lvl3pPr marL="1143000" indent="-182880" algn="l" defTabSz="914400" rtl="0" eaLnBrk="1" latinLnBrk="0" hangingPunct="1">
+              <a:lnSpc>
+                <a:spcPct val="90000"/>
+              </a:lnSpc>
+              <a:spcBef>
+                <a:spcPts val="250"/>
+              </a:spcBef>
+              <a:spcAft>
+                <a:spcPts val="250"/>
+              </a:spcAft>
+              <a:buClr>
+                <a:schemeClr val="accent1"/>
+              </a:buClr>
+              <a:buFont typeface="Wingdings 2" pitchFamily="18" charset="2"/>
+              <a:buChar char=""/>
+              <a:defRPr sz="1600" kern="1200">
+                <a:solidFill>
+                  <a:schemeClr val="tx1">
+                    <a:lumMod val="65000"/>
+                    <a:lumOff val="35000"/>
+                  </a:schemeClr>
+                </a:solidFill>
+                <a:latin typeface="+mn-lt"/>
+                <a:ea typeface="+mn-ea"/>
+                <a:cs typeface="+mn-cs"/>
+              </a:defRPr>
+            </a:lvl3pPr>
+            <a:lvl4pPr marL="1600200" indent="-182880" algn="l" defTabSz="914400" rtl="0" eaLnBrk="1" latinLnBrk="0" hangingPunct="1">
+              <a:lnSpc>
+                <a:spcPct val="90000"/>
+              </a:lnSpc>
+              <a:spcBef>
+                <a:spcPts val="250"/>
+              </a:spcBef>
+              <a:spcAft>
+                <a:spcPts val="250"/>
+              </a:spcAft>
+              <a:buClr>
+                <a:schemeClr val="accent1"/>
+              </a:buClr>
+              <a:buFont typeface="Wingdings 2" pitchFamily="18" charset="2"/>
+              <a:buChar char=""/>
+              <a:defRPr sz="1400" kern="1200">
+                <a:solidFill>
+                  <a:schemeClr val="tx1">
+                    <a:lumMod val="65000"/>
+                    <a:lumOff val="35000"/>
+                  </a:schemeClr>
+                </a:solidFill>
+                <a:latin typeface="+mn-lt"/>
+                <a:ea typeface="+mn-ea"/>
+                <a:cs typeface="+mn-cs"/>
+              </a:defRPr>
+            </a:lvl4pPr>
+            <a:lvl5pPr marL="2057400" indent="-182880" algn="l" defTabSz="914400" rtl="0" eaLnBrk="1" latinLnBrk="0" hangingPunct="1">
+              <a:lnSpc>
+                <a:spcPct val="90000"/>
+              </a:lnSpc>
+              <a:spcBef>
+                <a:spcPts val="250"/>
+              </a:spcBef>
+              <a:spcAft>
+                <a:spcPts val="250"/>
+              </a:spcAft>
+              <a:buClr>
+                <a:schemeClr val="accent1"/>
+              </a:buClr>
+              <a:buFont typeface="Wingdings 2" pitchFamily="18" charset="2"/>
+              <a:buChar char=""/>
+              <a:defRPr sz="1400" kern="1200">
+                <a:solidFill>
+                  <a:schemeClr val="tx1">
+                    <a:lumMod val="65000"/>
+                    <a:lumOff val="35000"/>
+                  </a:schemeClr>
+                </a:solidFill>
+                <a:latin typeface="+mn-lt"/>
+                <a:ea typeface="+mn-ea"/>
+                <a:cs typeface="+mn-cs"/>
+              </a:defRPr>
+            </a:lvl5pPr>
+            <a:lvl6pPr marL="2514600" indent="-228600" algn="l" defTabSz="914400" rtl="0" eaLnBrk="1" latinLnBrk="0" hangingPunct="1">
+              <a:lnSpc>
+                <a:spcPct val="90000"/>
+              </a:lnSpc>
+              <a:spcBef>
+                <a:spcPts val="250"/>
+              </a:spcBef>
+              <a:spcAft>
+                <a:spcPts val="250"/>
+              </a:spcAft>
+              <a:buClr>
+                <a:schemeClr val="accent1"/>
+              </a:buClr>
+              <a:buFont typeface="Wingdings 2" pitchFamily="18" charset="2"/>
+              <a:buChar char=""/>
+              <a:defRPr sz="1400" kern="1200">
+                <a:solidFill>
+                  <a:schemeClr val="tx1">
+                    <a:lumMod val="65000"/>
+                    <a:lumOff val="35000"/>
+                  </a:schemeClr>
+                </a:solidFill>
+                <a:latin typeface="+mn-lt"/>
+                <a:ea typeface="+mn-ea"/>
+                <a:cs typeface="+mn-cs"/>
+              </a:defRPr>
+            </a:lvl6pPr>
+            <a:lvl7pPr marL="2971800" indent="-228600" algn="l" defTabSz="914400" rtl="0" eaLnBrk="1" latinLnBrk="0" hangingPunct="1">
+              <a:lnSpc>
+                <a:spcPct val="90000"/>
+              </a:lnSpc>
+              <a:spcBef>
+                <a:spcPts val="250"/>
+              </a:spcBef>
+              <a:spcAft>
+                <a:spcPts val="250"/>
+              </a:spcAft>
+              <a:buClr>
+                <a:schemeClr val="accent1"/>
+              </a:buClr>
+              <a:buFont typeface="Wingdings 2" pitchFamily="18" charset="2"/>
+              <a:buChar char=""/>
+              <a:defRPr sz="1400" kern="1200">
+                <a:solidFill>
+                  <a:schemeClr val="tx1">
+                    <a:lumMod val="65000"/>
+                    <a:lumOff val="35000"/>
+                  </a:schemeClr>
+                </a:solidFill>
+                <a:latin typeface="+mn-lt"/>
+                <a:ea typeface="+mn-ea"/>
+                <a:cs typeface="+mn-cs"/>
+              </a:defRPr>
+            </a:lvl7pPr>
+            <a:lvl8pPr marL="3429000" indent="-228600" algn="l" defTabSz="914400" rtl="0" eaLnBrk="1" latinLnBrk="0" hangingPunct="1">
+              <a:lnSpc>
+                <a:spcPct val="90000"/>
+              </a:lnSpc>
+              <a:spcBef>
+                <a:spcPts val="250"/>
+              </a:spcBef>
+              <a:spcAft>
+                <a:spcPts val="250"/>
+              </a:spcAft>
+              <a:buClr>
+                <a:schemeClr val="accent1"/>
+              </a:buClr>
+              <a:buFont typeface="Wingdings 2" pitchFamily="18" charset="2"/>
+              <a:buChar char=""/>
+              <a:defRPr sz="1400" kern="1200">
+                <a:solidFill>
+                  <a:schemeClr val="tx1">
+                    <a:lumMod val="65000"/>
+                    <a:lumOff val="35000"/>
+                  </a:schemeClr>
+                </a:solidFill>
+                <a:latin typeface="+mn-lt"/>
+                <a:ea typeface="+mn-ea"/>
+                <a:cs typeface="+mn-cs"/>
+              </a:defRPr>
+            </a:lvl8pPr>
+            <a:lvl9pPr marL="3886200" indent="-228600" algn="l" defTabSz="914400" rtl="0" eaLnBrk="1" latinLnBrk="0" hangingPunct="1">
+              <a:lnSpc>
+                <a:spcPct val="90000"/>
+              </a:lnSpc>
+              <a:spcBef>
+                <a:spcPts val="250"/>
+              </a:spcBef>
+              <a:spcAft>
+                <a:spcPts val="250"/>
+              </a:spcAft>
+              <a:buClr>
+                <a:schemeClr val="accent1"/>
+              </a:buClr>
+              <a:buFont typeface="Wingdings 2" pitchFamily="18" charset="2"/>
+              <a:buChar char=""/>
+              <a:defRPr sz="1400" kern="1200">
+                <a:solidFill>
+                  <a:schemeClr val="tx1">
+                    <a:lumMod val="65000"/>
+                    <a:lumOff val="35000"/>
+                  </a:schemeClr>
+                </a:solidFill>
+                <a:latin typeface="+mn-lt"/>
+                <a:ea typeface="+mn-ea"/>
+                <a:cs typeface="+mn-cs"/>
+              </a:defRPr>
+            </a:lvl9pPr>
+          </a:lstStyle>
+          <a:p>
+            <a:pPr marL="0" indent="0" algn="ctr">
+              <a:buFont typeface="Wingdings 2" pitchFamily="18" charset="2"/>
+              <a:buNone/>
+            </a:pPr>
+            <a:endParaRPr lang="en-US" dirty="0">
+              <a:solidFill>
+                <a:schemeClr val="accent1">
+                  <a:lumMod val="50000"/>
+                </a:schemeClr>
+              </a:solidFill>
+            </a:endParaRPr>
+          </a:p>
+        </p:txBody>
+      </p:sp>
+      <p:sp>
+        <p:nvSpPr>
+          <p:cNvPr id="10" name="Content Placeholder 2">
+            <a:extLst>
+              <a:ext uri="{FF2B5EF4-FFF2-40B4-BE49-F238E27FC236}">
+                <a16:creationId xmlns:a16="http://schemas.microsoft.com/office/drawing/2014/main" id="{78769ADA-BEA8-4956-BD8D-FC6D34226BDC}"/>
+              </a:ext>
+            </a:extLst>
+          </p:cNvPr>
+          <p:cNvSpPr txBox="1">
+            <a:spLocks/>
+          </p:cNvSpPr>
+          <p:nvPr/>
+        </p:nvSpPr>
+        <p:spPr>
+          <a:xfrm>
+            <a:off x="8349185" y="721031"/>
+            <a:ext cx="3331632" cy="3201543"/>
+          </a:xfrm>
+          <a:prstGeom prst="flowChartConnector">
+            <a:avLst/>
+          </a:prstGeom>
+          <a:solidFill>
+            <a:schemeClr val="accent1">
+              <a:lumMod val="75000"/>
+            </a:schemeClr>
+          </a:solidFill>
+        </p:spPr>
+        <p:txBody>
+          <a:bodyPr vert="horz" lIns="91440" tIns="45720" rIns="91440" bIns="45720" rtlCol="0" anchor="t">
+            <a:normAutofit fontScale="85000" lnSpcReduction="20000"/>
+          </a:bodyPr>
+          <a:lstStyle>
+            <a:lvl1pPr marL="182880" indent="-182880" algn="l" defTabSz="914400" rtl="0" eaLnBrk="1" latinLnBrk="0" hangingPunct="1">
+              <a:lnSpc>
+                <a:spcPct val="90000"/>
+              </a:lnSpc>
+              <a:spcBef>
+                <a:spcPts val="1200"/>
+              </a:spcBef>
+              <a:buClr>
+                <a:schemeClr val="accent1"/>
+              </a:buClr>
+              <a:buFont typeface="Wingdings 2" pitchFamily="18" charset="2"/>
+              <a:buChar char=""/>
+              <a:defRPr sz="2000" kern="1200">
+                <a:solidFill>
+                  <a:schemeClr val="tx1">
+                    <a:lumMod val="65000"/>
+                    <a:lumOff val="35000"/>
+                  </a:schemeClr>
+                </a:solidFill>
+                <a:latin typeface="+mn-lt"/>
+                <a:ea typeface="+mn-ea"/>
+                <a:cs typeface="+mn-cs"/>
+              </a:defRPr>
+            </a:lvl1pPr>
+            <a:lvl2pPr marL="685800" indent="-182880" algn="l" defTabSz="914400" rtl="0" eaLnBrk="1" latinLnBrk="0" hangingPunct="1">
+              <a:lnSpc>
+                <a:spcPct val="90000"/>
+              </a:lnSpc>
+              <a:spcBef>
+                <a:spcPts val="250"/>
+              </a:spcBef>
+              <a:spcAft>
+                <a:spcPts val="250"/>
+              </a:spcAft>
+              <a:buClr>
+                <a:schemeClr val="accent1"/>
+              </a:buClr>
+              <a:buFont typeface="Wingdings 2" pitchFamily="18" charset="2"/>
+              <a:buChar char=""/>
+              <a:defRPr sz="1800" kern="1200">
+                <a:solidFill>
+                  <a:schemeClr val="tx1">
+                    <a:lumMod val="65000"/>
+                    <a:lumOff val="35000"/>
+                  </a:schemeClr>
+                </a:solidFill>
+                <a:latin typeface="+mn-lt"/>
+                <a:ea typeface="+mn-ea"/>
+                <a:cs typeface="+mn-cs"/>
+              </a:defRPr>
+            </a:lvl2pPr>
+            <a:lvl3pPr marL="1143000" indent="-182880" algn="l" defTabSz="914400" rtl="0" eaLnBrk="1" latinLnBrk="0" hangingPunct="1">
+              <a:lnSpc>
+                <a:spcPct val="90000"/>
+              </a:lnSpc>
+              <a:spcBef>
+                <a:spcPts val="250"/>
+              </a:spcBef>
+              <a:spcAft>
+                <a:spcPts val="250"/>
+              </a:spcAft>
+              <a:buClr>
+                <a:schemeClr val="accent1"/>
+              </a:buClr>
+              <a:buFont typeface="Wingdings 2" pitchFamily="18" charset="2"/>
+              <a:buChar char=""/>
+              <a:defRPr sz="1600" kern="1200">
+                <a:solidFill>
+                  <a:schemeClr val="tx1">
+                    <a:lumMod val="65000"/>
+                    <a:lumOff val="35000"/>
+                  </a:schemeClr>
+                </a:solidFill>
+                <a:latin typeface="+mn-lt"/>
+                <a:ea typeface="+mn-ea"/>
+                <a:cs typeface="+mn-cs"/>
+              </a:defRPr>
+            </a:lvl3pPr>
+            <a:lvl4pPr marL="1600200" indent="-182880" algn="l" defTabSz="914400" rtl="0" eaLnBrk="1" latinLnBrk="0" hangingPunct="1">
+              <a:lnSpc>
+                <a:spcPct val="90000"/>
+              </a:lnSpc>
+              <a:spcBef>
+                <a:spcPts val="250"/>
+              </a:spcBef>
+              <a:spcAft>
+                <a:spcPts val="250"/>
+              </a:spcAft>
+              <a:buClr>
+                <a:schemeClr val="accent1"/>
+              </a:buClr>
+              <a:buFont typeface="Wingdings 2" pitchFamily="18" charset="2"/>
+              <a:buChar char=""/>
+              <a:defRPr sz="1400" kern="1200">
+                <a:solidFill>
+                  <a:schemeClr val="tx1">
+                    <a:lumMod val="65000"/>
+                    <a:lumOff val="35000"/>
+                  </a:schemeClr>
+                </a:solidFill>
+                <a:latin typeface="+mn-lt"/>
+                <a:ea typeface="+mn-ea"/>
+                <a:cs typeface="+mn-cs"/>
+              </a:defRPr>
+            </a:lvl4pPr>
+            <a:lvl5pPr marL="2057400" indent="-182880" algn="l" defTabSz="914400" rtl="0" eaLnBrk="1" latinLnBrk="0" hangingPunct="1">
+              <a:lnSpc>
+                <a:spcPct val="90000"/>
+              </a:lnSpc>
+              <a:spcBef>
+                <a:spcPts val="250"/>
+              </a:spcBef>
+              <a:spcAft>
+                <a:spcPts val="250"/>
+              </a:spcAft>
+              <a:buClr>
+                <a:schemeClr val="accent1"/>
+              </a:buClr>
+              <a:buFont typeface="Wingdings 2" pitchFamily="18" charset="2"/>
+              <a:buChar char=""/>
+              <a:defRPr sz="1400" kern="1200">
+                <a:solidFill>
+                  <a:schemeClr val="tx1">
+                    <a:lumMod val="65000"/>
+                    <a:lumOff val="35000"/>
+                  </a:schemeClr>
+                </a:solidFill>
+                <a:latin typeface="+mn-lt"/>
+                <a:ea typeface="+mn-ea"/>
+                <a:cs typeface="+mn-cs"/>
+              </a:defRPr>
+            </a:lvl5pPr>
+            <a:lvl6pPr marL="2514600" indent="-228600" algn="l" defTabSz="914400" rtl="0" eaLnBrk="1" latinLnBrk="0" hangingPunct="1">
+              <a:lnSpc>
+                <a:spcPct val="90000"/>
+              </a:lnSpc>
+              <a:spcBef>
+                <a:spcPts val="250"/>
+              </a:spcBef>
+              <a:spcAft>
+                <a:spcPts val="250"/>
+              </a:spcAft>
+              <a:buClr>
+                <a:schemeClr val="accent1"/>
+              </a:buClr>
+              <a:buFont typeface="Wingdings 2" pitchFamily="18" charset="2"/>
+              <a:buChar char=""/>
+              <a:defRPr sz="1400" kern="1200">
+                <a:solidFill>
+                  <a:schemeClr val="tx1">
+                    <a:lumMod val="65000"/>
+                    <a:lumOff val="35000"/>
+                  </a:schemeClr>
+                </a:solidFill>
+                <a:latin typeface="+mn-lt"/>
+                <a:ea typeface="+mn-ea"/>
+                <a:cs typeface="+mn-cs"/>
+              </a:defRPr>
+            </a:lvl6pPr>
+            <a:lvl7pPr marL="2971800" indent="-228600" algn="l" defTabSz="914400" rtl="0" eaLnBrk="1" latinLnBrk="0" hangingPunct="1">
+              <a:lnSpc>
+                <a:spcPct val="90000"/>
+              </a:lnSpc>
+              <a:spcBef>
+                <a:spcPts val="250"/>
+              </a:spcBef>
+              <a:spcAft>
+                <a:spcPts val="250"/>
+              </a:spcAft>
+              <a:buClr>
+                <a:schemeClr val="accent1"/>
+              </a:buClr>
+              <a:buFont typeface="Wingdings 2" pitchFamily="18" charset="2"/>
+              <a:buChar char=""/>
+              <a:defRPr sz="1400" kern="1200">
+                <a:solidFill>
+                  <a:schemeClr val="tx1">
+                    <a:lumMod val="65000"/>
+                    <a:lumOff val="35000"/>
+                  </a:schemeClr>
+                </a:solidFill>
+                <a:latin typeface="+mn-lt"/>
+                <a:ea typeface="+mn-ea"/>
+                <a:cs typeface="+mn-cs"/>
+              </a:defRPr>
+            </a:lvl7pPr>
+            <a:lvl8pPr marL="3429000" indent="-228600" algn="l" defTabSz="914400" rtl="0" eaLnBrk="1" latinLnBrk="0" hangingPunct="1">
+              <a:lnSpc>
+                <a:spcPct val="90000"/>
+              </a:lnSpc>
+              <a:spcBef>
+                <a:spcPts val="250"/>
+              </a:spcBef>
+              <a:spcAft>
+                <a:spcPts val="250"/>
+              </a:spcAft>
+              <a:buClr>
+                <a:schemeClr val="accent1"/>
+              </a:buClr>
+              <a:buFont typeface="Wingdings 2" pitchFamily="18" charset="2"/>
+              <a:buChar char=""/>
+              <a:defRPr sz="1400" kern="1200">
+                <a:solidFill>
+                  <a:schemeClr val="tx1">
+                    <a:lumMod val="65000"/>
+                    <a:lumOff val="35000"/>
+                  </a:schemeClr>
+                </a:solidFill>
+                <a:latin typeface="+mn-lt"/>
+                <a:ea typeface="+mn-ea"/>
+                <a:cs typeface="+mn-cs"/>
+              </a:defRPr>
+            </a:lvl8pPr>
+            <a:lvl9pPr marL="3886200" indent="-228600" algn="l" defTabSz="914400" rtl="0" eaLnBrk="1" latinLnBrk="0" hangingPunct="1">
+              <a:lnSpc>
+                <a:spcPct val="90000"/>
+              </a:lnSpc>
+              <a:spcBef>
+                <a:spcPts val="250"/>
+              </a:spcBef>
+              <a:spcAft>
+                <a:spcPts val="250"/>
+              </a:spcAft>
+              <a:buClr>
+                <a:schemeClr val="accent1"/>
+              </a:buClr>
+              <a:buFont typeface="Wingdings 2" pitchFamily="18" charset="2"/>
+              <a:buChar char=""/>
+              <a:defRPr sz="1400" kern="1200">
+                <a:solidFill>
+                  <a:schemeClr val="tx1">
+                    <a:lumMod val="65000"/>
+                    <a:lumOff val="35000"/>
+                  </a:schemeClr>
+                </a:solidFill>
+                <a:latin typeface="+mn-lt"/>
+                <a:ea typeface="+mn-ea"/>
+                <a:cs typeface="+mn-cs"/>
+              </a:defRPr>
+            </a:lvl9pPr>
+          </a:lstStyle>
+          <a:p>
+            <a:pPr marL="0" indent="0" algn="ctr">
+              <a:buFont typeface="Wingdings 2" pitchFamily="18" charset="2"/>
+              <a:buNone/>
+            </a:pPr>
+            <a:r>
+              <a:rPr lang="en-US" dirty="0">
+                <a:solidFill>
+                  <a:schemeClr val="accent1">
+                    <a:lumMod val="20000"/>
+                    <a:lumOff val="80000"/>
+                  </a:schemeClr>
+                </a:solidFill>
+              </a:rPr>
+              <a:t>People with a bachelor’s degree had more liquid savings than those without*, but they did not have more liquid savings than those with a masters or above.</a:t>
+            </a:r>
+          </a:p>
+          <a:p>
+            <a:pPr marL="0" indent="0" algn="ctr">
+              <a:buFont typeface="Wingdings 2" pitchFamily="18" charset="2"/>
+              <a:buNone/>
+            </a:pPr>
+            <a:r>
+              <a:rPr lang="en-US" dirty="0">
+                <a:solidFill>
+                  <a:schemeClr val="accent1">
+                    <a:lumMod val="20000"/>
+                    <a:lumOff val="80000"/>
+                  </a:schemeClr>
+                </a:solidFill>
+              </a:rPr>
+              <a:t>*However, are people with more liquid savings more easily able to obtain a bachelors?</a:t>
+            </a:r>
           </a:p>
         </p:txBody>
       </p:sp>
     </p:spTree>
     <p:extLst>
       <p:ext uri="{BB962C8B-B14F-4D97-AF65-F5344CB8AC3E}">
-        <p14:creationId xmlns:p14="http://schemas.microsoft.com/office/powerpoint/2010/main" val="2620487369"/>
+        <p14:creationId xmlns:p14="http://schemas.microsoft.com/office/powerpoint/2010/main" val="2472440801"/>
+      </p:ext>
+    </p:extLst>
+  </p:cSld>
+  <p:clrMapOvr>
+    <a:masterClrMapping/>
+  </p:clrMapOvr>
+</p:sld>
+</file>
+
+<file path=ppt/slides/slide5.xml><?xml version="1.0" encoding="utf-8"?>
+<p:sld xmlns:a="http://schemas.openxmlformats.org/drawingml/2006/main" xmlns:r="http://schemas.openxmlformats.org/officeDocument/2006/relationships" xmlns:p="http://schemas.openxmlformats.org/presentationml/2006/main">
+  <p:cSld>
+    <p:spTree>
+      <p:nvGrpSpPr>
+        <p:cNvPr id="1" name=""/>
+        <p:cNvGrpSpPr/>
+        <p:nvPr/>
+      </p:nvGrpSpPr>
+      <p:grpSpPr>
+        <a:xfrm>
+          <a:off x="0" y="0"/>
+          <a:ext cx="0" cy="0"/>
+          <a:chOff x="0" y="0"/>
+          <a:chExt cx="0" cy="0"/>
+        </a:xfrm>
+      </p:grpSpPr>
+      <p:sp>
+        <p:nvSpPr>
+          <p:cNvPr id="2" name="Title 1"/>
+          <p:cNvSpPr>
+            <a:spLocks noGrp="1"/>
+          </p:cNvSpPr>
+          <p:nvPr>
+            <p:ph type="title"/>
+          </p:nvPr>
+        </p:nvSpPr>
+        <p:spPr>
+          <a:xfrm>
+            <a:off x="0" y="759333"/>
+            <a:ext cx="3457575" cy="5336666"/>
+          </a:xfrm>
+        </p:spPr>
+        <p:txBody>
+          <a:bodyPr anchor="t">
+            <a:normAutofit fontScale="90000"/>
+          </a:bodyPr>
+          <a:lstStyle/>
+          <a:p>
+            <a:pPr algn="ctr"/>
+            <a:br>
+              <a:rPr lang="en-US" sz="2200" dirty="0">
+                <a:solidFill>
+                  <a:schemeClr val="bg1"/>
+                </a:solidFill>
+              </a:rPr>
+            </a:br>
+            <a:br>
+              <a:rPr lang="en-US" sz="2200" dirty="0">
+                <a:solidFill>
+                  <a:schemeClr val="bg1"/>
+                </a:solidFill>
+              </a:rPr>
+            </a:br>
+            <a:br>
+              <a:rPr lang="en-US" sz="2200" dirty="0">
+                <a:solidFill>
+                  <a:schemeClr val="bg1"/>
+                </a:solidFill>
+              </a:rPr>
+            </a:br>
+            <a:br>
+              <a:rPr lang="en-US" sz="2200" dirty="0">
+                <a:solidFill>
+                  <a:schemeClr val="bg1"/>
+                </a:solidFill>
+              </a:rPr>
+            </a:br>
+            <a:r>
+              <a:rPr lang="en-US" sz="2200" dirty="0">
+                <a:solidFill>
+                  <a:schemeClr val="bg1"/>
+                </a:solidFill>
+              </a:rPr>
+              <a:t>Mixed savings messages, and what this says</a:t>
+            </a:r>
+            <a:br>
+              <a:rPr lang="en-US" sz="2000" dirty="0">
+                <a:solidFill>
+                  <a:schemeClr val="bg1"/>
+                </a:solidFill>
+              </a:rPr>
+            </a:br>
+            <a:br>
+              <a:rPr lang="en-US" dirty="0"/>
+            </a:br>
+            <a:r>
+              <a:rPr lang="en-US" sz="2000" dirty="0">
+                <a:solidFill>
+                  <a:schemeClr val="accent1">
+                    <a:lumMod val="20000"/>
+                    <a:lumOff val="80000"/>
+                  </a:schemeClr>
+                </a:solidFill>
+              </a:rPr>
+              <a:t>Savings related concerns</a:t>
+            </a:r>
+            <a:br>
+              <a:rPr lang="en-US" sz="2000" dirty="0">
+                <a:solidFill>
+                  <a:schemeClr val="accent1">
+                    <a:lumMod val="20000"/>
+                    <a:lumOff val="80000"/>
+                  </a:schemeClr>
+                </a:solidFill>
+              </a:rPr>
+            </a:br>
+            <a:r>
+              <a:rPr lang="en-US" sz="2000" dirty="0">
+                <a:solidFill>
+                  <a:schemeClr val="accent1">
+                    <a:lumMod val="20000"/>
+                    <a:lumOff val="80000"/>
+                  </a:schemeClr>
+                </a:solidFill>
+              </a:rPr>
+              <a:t>‘</a:t>
+            </a:r>
+            <a:r>
+              <a:rPr lang="en-US" sz="2000" dirty="0">
+                <a:solidFill>
+                  <a:schemeClr val="bg1"/>
+                </a:solidFill>
+              </a:rPr>
+              <a:t>Zero</a:t>
+            </a:r>
+            <a:r>
+              <a:rPr lang="en-US" sz="2000" dirty="0">
+                <a:solidFill>
+                  <a:schemeClr val="accent1">
+                    <a:lumMod val="20000"/>
+                    <a:lumOff val="80000"/>
+                  </a:schemeClr>
+                </a:solidFill>
+              </a:rPr>
+              <a:t> liquid savings’</a:t>
+            </a:r>
+            <a:br>
+              <a:rPr lang="en-US" sz="2000" dirty="0">
+                <a:solidFill>
+                  <a:schemeClr val="accent1">
+                    <a:lumMod val="20000"/>
+                    <a:lumOff val="80000"/>
+                  </a:schemeClr>
+                </a:solidFill>
+              </a:rPr>
+            </a:br>
+            <a:r>
+              <a:rPr lang="en-US" sz="2000" dirty="0">
+                <a:solidFill>
+                  <a:schemeClr val="accent1">
+                    <a:lumMod val="20000"/>
+                    <a:lumOff val="80000"/>
+                  </a:schemeClr>
+                </a:solidFill>
+              </a:rPr>
+              <a:t>Having savings is protective against concerns</a:t>
+            </a:r>
+            <a:br>
+              <a:rPr lang="en-US" sz="2000" dirty="0">
+                <a:solidFill>
+                  <a:schemeClr val="accent1">
+                    <a:lumMod val="20000"/>
+                    <a:lumOff val="80000"/>
+                  </a:schemeClr>
+                </a:solidFill>
+              </a:rPr>
+            </a:br>
+            <a:br>
+              <a:rPr lang="en-US" sz="2000" dirty="0">
+                <a:solidFill>
+                  <a:schemeClr val="accent1">
+                    <a:lumMod val="20000"/>
+                    <a:lumOff val="80000"/>
+                  </a:schemeClr>
+                </a:solidFill>
+              </a:rPr>
+            </a:br>
+            <a:r>
+              <a:rPr lang="en-US" sz="2000" dirty="0">
+                <a:solidFill>
+                  <a:schemeClr val="bg1"/>
+                </a:solidFill>
+              </a:rPr>
+              <a:t>56.6%</a:t>
+            </a:r>
+            <a:r>
+              <a:rPr lang="en-US" sz="2000" dirty="0">
+                <a:solidFill>
+                  <a:schemeClr val="accent1">
+                    <a:lumMod val="20000"/>
+                    <a:lumOff val="80000"/>
+                  </a:schemeClr>
+                </a:solidFill>
+              </a:rPr>
+              <a:t> &amp; </a:t>
+            </a:r>
+            <a:r>
+              <a:rPr lang="en-US" sz="2000" dirty="0">
+                <a:solidFill>
+                  <a:schemeClr val="bg1"/>
+                </a:solidFill>
+              </a:rPr>
+              <a:t>46.0 %</a:t>
+            </a:r>
+            <a:r>
+              <a:rPr lang="en-US" sz="2000" dirty="0">
+                <a:solidFill>
+                  <a:schemeClr val="accent1">
+                    <a:lumMod val="20000"/>
+                    <a:lumOff val="80000"/>
+                  </a:schemeClr>
+                </a:solidFill>
+              </a:rPr>
+              <a:t>saving when possible (checking &amp; savings)</a:t>
+            </a:r>
+            <a:br>
+              <a:rPr lang="en-US" sz="2000" dirty="0">
+                <a:solidFill>
+                  <a:schemeClr val="accent1">
+                    <a:lumMod val="20000"/>
+                    <a:lumOff val="80000"/>
+                  </a:schemeClr>
+                </a:solidFill>
+              </a:rPr>
+            </a:br>
+            <a:br>
+              <a:rPr lang="en-US" sz="2000" dirty="0">
+                <a:solidFill>
+                  <a:schemeClr val="accent1">
+                    <a:lumMod val="20000"/>
+                    <a:lumOff val="80000"/>
+                  </a:schemeClr>
+                </a:solidFill>
+              </a:rPr>
+            </a:br>
+            <a:r>
+              <a:rPr lang="en-US" sz="2000" dirty="0">
+                <a:solidFill>
+                  <a:schemeClr val="accent1">
+                    <a:lumMod val="20000"/>
+                    <a:lumOff val="80000"/>
+                  </a:schemeClr>
+                </a:solidFill>
+              </a:rPr>
+              <a:t>Household emergency funds</a:t>
+            </a:r>
+            <a:br>
+              <a:rPr lang="en-US" sz="1800" dirty="0">
+                <a:solidFill>
+                  <a:schemeClr val="accent1">
+                    <a:lumMod val="20000"/>
+                    <a:lumOff val="80000"/>
+                  </a:schemeClr>
+                </a:solidFill>
+              </a:rPr>
+            </a:br>
+            <a:br>
+              <a:rPr lang="en-US" sz="1800" dirty="0">
+                <a:solidFill>
+                  <a:schemeClr val="accent1">
+                    <a:lumMod val="20000"/>
+                    <a:lumOff val="80000"/>
+                  </a:schemeClr>
+                </a:solidFill>
+              </a:rPr>
+            </a:br>
+            <a:br>
+              <a:rPr lang="en-US" sz="1800" dirty="0">
+                <a:solidFill>
+                  <a:schemeClr val="accent1">
+                    <a:lumMod val="20000"/>
+                    <a:lumOff val="80000"/>
+                  </a:schemeClr>
+                </a:solidFill>
+              </a:rPr>
+            </a:br>
+            <a:br>
+              <a:rPr lang="en-US" sz="1800" dirty="0">
+                <a:solidFill>
+                  <a:schemeClr val="accent1">
+                    <a:lumMod val="20000"/>
+                    <a:lumOff val="80000"/>
+                  </a:schemeClr>
+                </a:solidFill>
+              </a:rPr>
+            </a:br>
+            <a:br>
+              <a:rPr lang="en-US" sz="1800" dirty="0"/>
+            </a:br>
+            <a:br>
+              <a:rPr lang="en-US" sz="1800" dirty="0"/>
+            </a:br>
+            <a:br>
+              <a:rPr lang="en-US" sz="1800" dirty="0"/>
+            </a:br>
+            <a:br>
+              <a:rPr lang="en-US" dirty="0"/>
+            </a:br>
+            <a:br>
+              <a:rPr lang="en-US" dirty="0"/>
+            </a:br>
+            <a:endParaRPr lang="en-US" dirty="0"/>
+          </a:p>
+        </p:txBody>
+      </p:sp>
+      <p:sp>
+        <p:nvSpPr>
+          <p:cNvPr id="11" name="Title 1">
+            <a:extLst>
+              <a:ext uri="{FF2B5EF4-FFF2-40B4-BE49-F238E27FC236}">
+                <a16:creationId xmlns:a16="http://schemas.microsoft.com/office/drawing/2014/main" id="{56F19337-B8B6-4103-9380-1DF3861D3C43}"/>
+              </a:ext>
+            </a:extLst>
+          </p:cNvPr>
+          <p:cNvSpPr txBox="1">
+            <a:spLocks/>
+          </p:cNvSpPr>
+          <p:nvPr/>
+        </p:nvSpPr>
+        <p:spPr>
+          <a:xfrm>
+            <a:off x="4000500" y="759333"/>
+            <a:ext cx="3457575" cy="5336666"/>
+          </a:xfrm>
+          <a:prstGeom prst="rect">
+            <a:avLst/>
+          </a:prstGeom>
+          <a:solidFill>
+            <a:srgbClr val="40BAD2"/>
+          </a:solidFill>
+        </p:spPr>
+        <p:txBody>
+          <a:bodyPr vert="horz" lIns="91440" tIns="45720" rIns="91440" bIns="45720" rtlCol="0" anchor="ctr">
+            <a:normAutofit fontScale="97500"/>
+          </a:bodyPr>
+          <a:lstStyle>
+            <a:lvl1pPr algn="l" defTabSz="914400" rtl="0" eaLnBrk="1" latinLnBrk="0" hangingPunct="1">
+              <a:lnSpc>
+                <a:spcPct val="90000"/>
+              </a:lnSpc>
+              <a:spcBef>
+                <a:spcPct val="0"/>
+              </a:spcBef>
+              <a:buNone/>
+              <a:defRPr sz="3600" kern="1200" spc="-60" baseline="0">
+                <a:solidFill>
+                  <a:srgbClr val="FFFFFF"/>
+                </a:solidFill>
+                <a:latin typeface="+mj-lt"/>
+                <a:ea typeface="+mj-ea"/>
+                <a:cs typeface="+mj-cs"/>
+              </a:defRPr>
+            </a:lvl1pPr>
+          </a:lstStyle>
+          <a:p>
+            <a:pPr algn="ctr"/>
+            <a:r>
+              <a:rPr lang="en-US" sz="2000" b="1" i="1" u="sng" dirty="0"/>
+              <a:t>S</a:t>
+            </a:r>
+            <a:r>
+              <a:rPr lang="en-US" sz="2000" dirty="0"/>
+              <a:t>avings vs. </a:t>
+            </a:r>
+            <a:r>
+              <a:rPr lang="en-US" sz="2000" b="1" i="1" u="sng" dirty="0"/>
+              <a:t>s</a:t>
+            </a:r>
+            <a:r>
+              <a:rPr lang="en-US" sz="2000" dirty="0"/>
+              <a:t>avings: from the millennial end</a:t>
+            </a:r>
+          </a:p>
+          <a:p>
+            <a:pPr algn="ctr"/>
+            <a:endParaRPr lang="en-US" sz="2000" dirty="0"/>
+          </a:p>
+          <a:p>
+            <a:pPr algn="ctr"/>
+            <a:r>
+              <a:rPr lang="en-US" sz="2000" dirty="0">
+                <a:solidFill>
+                  <a:schemeClr val="accent1">
+                    <a:lumMod val="20000"/>
+                    <a:lumOff val="80000"/>
+                  </a:schemeClr>
+                </a:solidFill>
+              </a:rPr>
+              <a:t>Lack of understanding of what savings are, or how to approach it</a:t>
+            </a:r>
+            <a:endParaRPr lang="en-US" dirty="0"/>
+          </a:p>
+        </p:txBody>
+      </p:sp>
+      <p:sp>
+        <p:nvSpPr>
+          <p:cNvPr id="12" name="Title 1">
+            <a:extLst>
+              <a:ext uri="{FF2B5EF4-FFF2-40B4-BE49-F238E27FC236}">
+                <a16:creationId xmlns:a16="http://schemas.microsoft.com/office/drawing/2014/main" id="{62AC9BE6-95A7-4616-B04B-67B3C83F584C}"/>
+              </a:ext>
+            </a:extLst>
+          </p:cNvPr>
+          <p:cNvSpPr txBox="1">
+            <a:spLocks/>
+          </p:cNvSpPr>
+          <p:nvPr/>
+        </p:nvSpPr>
+        <p:spPr>
+          <a:xfrm>
+            <a:off x="8001000" y="759333"/>
+            <a:ext cx="3457575" cy="5336666"/>
+          </a:xfrm>
+          <a:prstGeom prst="rect">
+            <a:avLst/>
+          </a:prstGeom>
+          <a:solidFill>
+            <a:srgbClr val="40BAD2"/>
+          </a:solidFill>
+        </p:spPr>
+        <p:txBody>
+          <a:bodyPr vert="horz" lIns="91440" tIns="45720" rIns="91440" bIns="45720" rtlCol="0" anchor="ctr">
+            <a:normAutofit fontScale="97500"/>
+          </a:bodyPr>
+          <a:lstStyle>
+            <a:lvl1pPr algn="l" defTabSz="914400" rtl="0" eaLnBrk="1" latinLnBrk="0" hangingPunct="1">
+              <a:lnSpc>
+                <a:spcPct val="90000"/>
+              </a:lnSpc>
+              <a:spcBef>
+                <a:spcPct val="0"/>
+              </a:spcBef>
+              <a:buNone/>
+              <a:defRPr sz="3600" kern="1200" spc="-60" baseline="0">
+                <a:solidFill>
+                  <a:srgbClr val="FFFFFF"/>
+                </a:solidFill>
+                <a:latin typeface="+mj-lt"/>
+                <a:ea typeface="+mj-ea"/>
+                <a:cs typeface="+mj-cs"/>
+              </a:defRPr>
+            </a:lvl1pPr>
+          </a:lstStyle>
+          <a:p>
+            <a:pPr algn="ctr"/>
+            <a:r>
+              <a:rPr lang="en-US" sz="2000" b="1" i="1" u="sng" dirty="0"/>
+              <a:t>S</a:t>
+            </a:r>
+            <a:r>
+              <a:rPr lang="en-US" sz="2000" dirty="0"/>
+              <a:t>avings vs. </a:t>
+            </a:r>
+            <a:r>
+              <a:rPr lang="en-US" sz="2000" b="1" i="1" u="sng" dirty="0"/>
+              <a:t>s</a:t>
+            </a:r>
+            <a:r>
+              <a:rPr lang="en-US" sz="2000" dirty="0"/>
+              <a:t>avings: addressing millennial concerns</a:t>
+            </a:r>
+          </a:p>
+          <a:p>
+            <a:pPr algn="ctr"/>
+            <a:endParaRPr lang="en-US" sz="2000" dirty="0">
+              <a:solidFill>
+                <a:schemeClr val="accent1">
+                  <a:lumMod val="20000"/>
+                  <a:lumOff val="80000"/>
+                </a:schemeClr>
+              </a:solidFill>
+            </a:endParaRPr>
+          </a:p>
+          <a:p>
+            <a:pPr algn="ctr"/>
+            <a:r>
+              <a:rPr lang="en-US" sz="2000" dirty="0">
+                <a:solidFill>
+                  <a:schemeClr val="accent1">
+                    <a:lumMod val="20000"/>
+                    <a:lumOff val="80000"/>
+                  </a:schemeClr>
+                </a:solidFill>
+              </a:rPr>
+              <a:t>Making financial well-being approachable</a:t>
+            </a:r>
+          </a:p>
+          <a:p>
+            <a:pPr algn="ctr"/>
+            <a:r>
+              <a:rPr lang="en-US" sz="2000" dirty="0">
+                <a:solidFill>
+                  <a:schemeClr val="accent1">
+                    <a:lumMod val="20000"/>
+                    <a:lumOff val="80000"/>
+                  </a:schemeClr>
+                </a:solidFill>
+              </a:rPr>
+              <a:t>Micro-saving</a:t>
+            </a:r>
+          </a:p>
+          <a:p>
+            <a:pPr algn="ctr"/>
+            <a:r>
+              <a:rPr lang="en-US" sz="2000" dirty="0">
+                <a:solidFill>
+                  <a:schemeClr val="accent1">
+                    <a:lumMod val="20000"/>
+                    <a:lumOff val="80000"/>
+                  </a:schemeClr>
+                </a:solidFill>
+              </a:rPr>
+              <a:t>Realistic goal setting</a:t>
+            </a:r>
+          </a:p>
+          <a:p>
+            <a:pPr algn="ctr"/>
+            <a:r>
+              <a:rPr lang="en-US" sz="2000" dirty="0">
+                <a:solidFill>
+                  <a:schemeClr val="accent1">
+                    <a:lumMod val="20000"/>
+                    <a:lumOff val="80000"/>
+                  </a:schemeClr>
+                </a:solidFill>
+              </a:rPr>
+              <a:t>Micro-investing</a:t>
+            </a:r>
+          </a:p>
+          <a:p>
+            <a:pPr algn="ctr"/>
+            <a:r>
+              <a:rPr lang="en-US" sz="2000" dirty="0">
+                <a:solidFill>
+                  <a:schemeClr val="accent1">
+                    <a:lumMod val="20000"/>
+                    <a:lumOff val="80000"/>
+                  </a:schemeClr>
+                </a:solidFill>
+              </a:rPr>
+              <a:t>Conversations about retirement</a:t>
+            </a:r>
+            <a:endParaRPr lang="en-US" dirty="0"/>
+          </a:p>
+        </p:txBody>
+      </p:sp>
+    </p:spTree>
+    <p:extLst>
+      <p:ext uri="{BB962C8B-B14F-4D97-AF65-F5344CB8AC3E}">
+        <p14:creationId xmlns:p14="http://schemas.microsoft.com/office/powerpoint/2010/main" val="2648138138"/>
       </p:ext>
     </p:extLst>
   </p:cSld>
@@ -5131,4 +9325,299 @@
     </a:ext>
   </a:extLst>
 </a:theme>
+</file>
+
+<file path=ppt/theme/theme2.xml><?xml version="1.0" encoding="utf-8"?>
+<a:theme xmlns:a="http://schemas.openxmlformats.org/drawingml/2006/main" name="Office Theme">
+  <a:themeElements>
+    <a:clrScheme name="Office">
+      <a:dk1>
+        <a:sysClr val="windowText" lastClr="000000"/>
+      </a:dk1>
+      <a:lt1>
+        <a:sysClr val="window" lastClr="FFFFFF"/>
+      </a:lt1>
+      <a:dk2>
+        <a:srgbClr val="44546A"/>
+      </a:dk2>
+      <a:lt2>
+        <a:srgbClr val="E7E6E6"/>
+      </a:lt2>
+      <a:accent1>
+        <a:srgbClr val="4472C4"/>
+      </a:accent1>
+      <a:accent2>
+        <a:srgbClr val="ED7D31"/>
+      </a:accent2>
+      <a:accent3>
+        <a:srgbClr val="A5A5A5"/>
+      </a:accent3>
+      <a:accent4>
+        <a:srgbClr val="FFC000"/>
+      </a:accent4>
+      <a:accent5>
+        <a:srgbClr val="5B9BD5"/>
+      </a:accent5>
+      <a:accent6>
+        <a:srgbClr val="70AD47"/>
+      </a:accent6>
+      <a:hlink>
+        <a:srgbClr val="0563C1"/>
+      </a:hlink>
+      <a:folHlink>
+        <a:srgbClr val="954F72"/>
+      </a:folHlink>
+    </a:clrScheme>
+    <a:fontScheme name="Office">
+      <a:majorFont>
+        <a:latin typeface="Calibri Light" panose="020F0302020204030204"/>
+        <a:ea typeface=""/>
+        <a:cs typeface=""/>
+        <a:font script="Jpan" typeface="游ゴシック Light"/>
+        <a:font script="Hang" typeface="맑은 고딕"/>
+        <a:font script="Hans" typeface="等线 Light"/>
+        <a:font script="Hant" typeface="新細明體"/>
+        <a:font script="Arab" typeface="Times New Roman"/>
+        <a:font script="Hebr" typeface="Times New Roman"/>
+        <a:font script="Thai" typeface="Angsana New"/>
+        <a:font script="Ethi" typeface="Nyala"/>
+        <a:font script="Beng" typeface="Vrinda"/>
+        <a:font script="Gujr" typeface="Shruti"/>
+        <a:font script="Khmr" typeface="MoolBoran"/>
+        <a:font script="Knda" typeface="Tunga"/>
+        <a:font script="Guru" typeface="Raavi"/>
+        <a:font script="Cans" typeface="Euphemia"/>
+        <a:font script="Cher" typeface="Plantagenet Cherokee"/>
+        <a:font script="Yiii" typeface="Microsoft Yi Baiti"/>
+        <a:font script="Tibt" typeface="Microsoft Himalaya"/>
+        <a:font script="Thaa" typeface="MV Boli"/>
+        <a:font script="Deva" typeface="Mangal"/>
+        <a:font script="Telu" typeface="Gautami"/>
+        <a:font script="Taml" typeface="Latha"/>
+        <a:font script="Syrc" typeface="Estrangelo Edessa"/>
+        <a:font script="Orya" typeface="Kalinga"/>
+        <a:font script="Mlym" typeface="Kartika"/>
+        <a:font script="Laoo" typeface="DokChampa"/>
+        <a:font script="Sinh" typeface="Iskoola Pota"/>
+        <a:font script="Mong" typeface="Mongolian Baiti"/>
+        <a:font script="Viet" typeface="Times New Roman"/>
+        <a:font script="Uigh" typeface="Microsoft Uighur"/>
+        <a:font script="Geor" typeface="Sylfaen"/>
+        <a:font script="Armn" typeface="Arial"/>
+        <a:font script="Bugi" typeface="Leelawadee UI"/>
+        <a:font script="Bopo" typeface="Microsoft JhengHei"/>
+        <a:font script="Java" typeface="Javanese Text"/>
+        <a:font script="Lisu" typeface="Segoe UI"/>
+        <a:font script="Mymr" typeface="Myanmar Text"/>
+        <a:font script="Nkoo" typeface="Ebrima"/>
+        <a:font script="Olck" typeface="Nirmala UI"/>
+        <a:font script="Osma" typeface="Ebrima"/>
+        <a:font script="Phag" typeface="Phagspa"/>
+        <a:font script="Syrn" typeface="Estrangelo Edessa"/>
+        <a:font script="Syrj" typeface="Estrangelo Edessa"/>
+        <a:font script="Syre" typeface="Estrangelo Edessa"/>
+        <a:font script="Sora" typeface="Nirmala UI"/>
+        <a:font script="Tale" typeface="Microsoft Tai Le"/>
+        <a:font script="Talu" typeface="Microsoft New Tai Lue"/>
+        <a:font script="Tfng" typeface="Ebrima"/>
+      </a:majorFont>
+      <a:minorFont>
+        <a:latin typeface="Calibri" panose="020F0502020204030204"/>
+        <a:ea typeface=""/>
+        <a:cs typeface=""/>
+        <a:font script="Jpan" typeface="游ゴシック"/>
+        <a:font script="Hang" typeface="맑은 고딕"/>
+        <a:font script="Hans" typeface="等线"/>
+        <a:font script="Hant" typeface="新細明體"/>
+        <a:font script="Arab" typeface="Arial"/>
+        <a:font script="Hebr" typeface="Arial"/>
+        <a:font script="Thai" typeface="Cordia New"/>
+        <a:font script="Ethi" typeface="Nyala"/>
+        <a:font script="Beng" typeface="Vrinda"/>
+        <a:font script="Gujr" typeface="Shruti"/>
+        <a:font script="Khmr" typeface="DaunPenh"/>
+        <a:font script="Knda" typeface="Tunga"/>
+        <a:font script="Guru" typeface="Raavi"/>
+        <a:font script="Cans" typeface="Euphemia"/>
+        <a:font script="Cher" typeface="Plantagenet Cherokee"/>
+        <a:font script="Yiii" typeface="Microsoft Yi Baiti"/>
+        <a:font script="Tibt" typeface="Microsoft Himalaya"/>
+        <a:font script="Thaa" typeface="MV Boli"/>
+        <a:font script="Deva" typeface="Mangal"/>
+        <a:font script="Telu" typeface="Gautami"/>
+        <a:font script="Taml" typeface="Latha"/>
+        <a:font script="Syrc" typeface="Estrangelo Edessa"/>
+        <a:font script="Orya" typeface="Kalinga"/>
+        <a:font script="Mlym" typeface="Kartika"/>
+        <a:font script="Laoo" typeface="DokChampa"/>
+        <a:font script="Sinh" typeface="Iskoola Pota"/>
+        <a:font script="Mong" typeface="Mongolian Baiti"/>
+        <a:font script="Viet" typeface="Arial"/>
+        <a:font script="Uigh" typeface="Microsoft Uighur"/>
+        <a:font script="Geor" typeface="Sylfaen"/>
+        <a:font script="Armn" typeface="Arial"/>
+        <a:font script="Bugi" typeface="Leelawadee UI"/>
+        <a:font script="Bopo" typeface="Microsoft JhengHei"/>
+        <a:font script="Java" typeface="Javanese Text"/>
+        <a:font script="Lisu" typeface="Segoe UI"/>
+        <a:font script="Mymr" typeface="Myanmar Text"/>
+        <a:font script="Nkoo" typeface="Ebrima"/>
+        <a:font script="Olck" typeface="Nirmala UI"/>
+        <a:font script="Osma" typeface="Ebrima"/>
+        <a:font script="Phag" typeface="Phagspa"/>
+        <a:font script="Syrn" typeface="Estrangelo Edessa"/>
+        <a:font script="Syrj" typeface="Estrangelo Edessa"/>
+        <a:font script="Syre" typeface="Estrangelo Edessa"/>
+        <a:font script="Sora" typeface="Nirmala UI"/>
+        <a:font script="Tale" typeface="Microsoft Tai Le"/>
+        <a:font script="Talu" typeface="Microsoft New Tai Lue"/>
+        <a:font script="Tfng" typeface="Ebrima"/>
+      </a:minorFont>
+    </a:fontScheme>
+    <a:fmtScheme name="Office">
+      <a:fillStyleLst>
+        <a:solidFill>
+          <a:schemeClr val="phClr"/>
+        </a:solidFill>
+        <a:gradFill rotWithShape="1">
+          <a:gsLst>
+            <a:gs pos="0">
+              <a:schemeClr val="phClr">
+                <a:lumMod val="110000"/>
+                <a:satMod val="105000"/>
+                <a:tint val="67000"/>
+              </a:schemeClr>
+            </a:gs>
+            <a:gs pos="50000">
+              <a:schemeClr val="phClr">
+                <a:lumMod val="105000"/>
+                <a:satMod val="103000"/>
+                <a:tint val="73000"/>
+              </a:schemeClr>
+            </a:gs>
+            <a:gs pos="100000">
+              <a:schemeClr val="phClr">
+                <a:lumMod val="105000"/>
+                <a:satMod val="109000"/>
+                <a:tint val="81000"/>
+              </a:schemeClr>
+            </a:gs>
+          </a:gsLst>
+          <a:lin ang="5400000" scaled="0"/>
+        </a:gradFill>
+        <a:gradFill rotWithShape="1">
+          <a:gsLst>
+            <a:gs pos="0">
+              <a:schemeClr val="phClr">
+                <a:satMod val="103000"/>
+                <a:lumMod val="102000"/>
+                <a:tint val="94000"/>
+              </a:schemeClr>
+            </a:gs>
+            <a:gs pos="50000">
+              <a:schemeClr val="phClr">
+                <a:satMod val="110000"/>
+                <a:lumMod val="100000"/>
+                <a:shade val="100000"/>
+              </a:schemeClr>
+            </a:gs>
+            <a:gs pos="100000">
+              <a:schemeClr val="phClr">
+                <a:lumMod val="99000"/>
+                <a:satMod val="120000"/>
+                <a:shade val="78000"/>
+              </a:schemeClr>
+            </a:gs>
+          </a:gsLst>
+          <a:lin ang="5400000" scaled="0"/>
+        </a:gradFill>
+      </a:fillStyleLst>
+      <a:lnStyleLst>
+        <a:ln w="6350" cap="flat" cmpd="sng" algn="ctr">
+          <a:solidFill>
+            <a:schemeClr val="phClr"/>
+          </a:solidFill>
+          <a:prstDash val="solid"/>
+          <a:miter lim="800000"/>
+        </a:ln>
+        <a:ln w="12700" cap="flat" cmpd="sng" algn="ctr">
+          <a:solidFill>
+            <a:schemeClr val="phClr"/>
+          </a:solidFill>
+          <a:prstDash val="solid"/>
+          <a:miter lim="800000"/>
+        </a:ln>
+        <a:ln w="19050" cap="flat" cmpd="sng" algn="ctr">
+          <a:solidFill>
+            <a:schemeClr val="phClr"/>
+          </a:solidFill>
+          <a:prstDash val="solid"/>
+          <a:miter lim="800000"/>
+        </a:ln>
+      </a:lnStyleLst>
+      <a:effectStyleLst>
+        <a:effectStyle>
+          <a:effectLst/>
+        </a:effectStyle>
+        <a:effectStyle>
+          <a:effectLst/>
+        </a:effectStyle>
+        <a:effectStyle>
+          <a:effectLst>
+            <a:outerShdw blurRad="57150" dist="19050" dir="5400000" algn="ctr" rotWithShape="0">
+              <a:srgbClr val="000000">
+                <a:alpha val="63000"/>
+              </a:srgbClr>
+            </a:outerShdw>
+          </a:effectLst>
+        </a:effectStyle>
+      </a:effectStyleLst>
+      <a:bgFillStyleLst>
+        <a:solidFill>
+          <a:schemeClr val="phClr"/>
+        </a:solidFill>
+        <a:solidFill>
+          <a:schemeClr val="phClr">
+            <a:tint val="95000"/>
+            <a:satMod val="170000"/>
+          </a:schemeClr>
+        </a:solidFill>
+        <a:gradFill rotWithShape="1">
+          <a:gsLst>
+            <a:gs pos="0">
+              <a:schemeClr val="phClr">
+                <a:tint val="93000"/>
+                <a:satMod val="150000"/>
+                <a:shade val="98000"/>
+                <a:lumMod val="102000"/>
+              </a:schemeClr>
+            </a:gs>
+            <a:gs pos="50000">
+              <a:schemeClr val="phClr">
+                <a:tint val="98000"/>
+                <a:satMod val="130000"/>
+                <a:shade val="90000"/>
+                <a:lumMod val="103000"/>
+              </a:schemeClr>
+            </a:gs>
+            <a:gs pos="100000">
+              <a:schemeClr val="phClr">
+                <a:shade val="63000"/>
+                <a:satMod val="120000"/>
+              </a:schemeClr>
+            </a:gs>
+          </a:gsLst>
+          <a:lin ang="5400000" scaled="0"/>
+        </a:gradFill>
+      </a:bgFillStyleLst>
+    </a:fmtScheme>
+  </a:themeElements>
+  <a:objectDefaults/>
+  <a:extraClrSchemeLst/>
+  <a:extLst>
+    <a:ext uri="{05A4C25C-085E-4340-85A3-A5531E510DB2}">
+      <thm15:themeFamily xmlns:thm15="http://schemas.microsoft.com/office/thememl/2012/main" name="Office Theme" id="{62F939B6-93AF-4DB8-9C6B-D6C7DFDC589F}" vid="{4A3C46E8-61CC-4603-A589-7422A47A8E4A}"/>
+    </a:ext>
+  </a:extLst>
+</a:theme>
 </file>
--- a/Millennials and Savings.pptx
+++ b/Millennials and Savings.pptx
@@ -798,7 +798,7 @@
             <a:fld id="{5586B75A-687E-405C-8A0B-8D00578BA2C3}" type="datetimeFigureOut">
               <a:rPr lang="en-US" dirty="0"/>
               <a:pPr/>
-              <a:t>4/25/2019</a:t>
+              <a:t>4/26/2019</a:t>
             </a:fld>
             <a:endParaRPr lang="en-US" dirty="0"/>
           </a:p>
@@ -965,7 +965,7 @@
             <a:fld id="{5586B75A-687E-405C-8A0B-8D00578BA2C3}" type="datetimeFigureOut">
               <a:rPr lang="en-US" dirty="0"/>
               <a:pPr/>
-              <a:t>4/25/2019</a:t>
+              <a:t>4/26/2019</a:t>
             </a:fld>
             <a:endParaRPr lang="en-US" dirty="0"/>
           </a:p>
@@ -1142,7 +1142,7 @@
             <a:fld id="{5586B75A-687E-405C-8A0B-8D00578BA2C3}" type="datetimeFigureOut">
               <a:rPr lang="en-US" dirty="0"/>
               <a:pPr/>
-              <a:t>4/25/2019</a:t>
+              <a:t>4/26/2019</a:t>
             </a:fld>
             <a:endParaRPr lang="en-US" dirty="0"/>
           </a:p>
@@ -1309,7 +1309,7 @@
             <a:fld id="{5586B75A-687E-405C-8A0B-8D00578BA2C3}" type="datetimeFigureOut">
               <a:rPr lang="en-US" dirty="0"/>
               <a:pPr/>
-              <a:t>4/25/2019</a:t>
+              <a:t>4/26/2019</a:t>
             </a:fld>
             <a:endParaRPr lang="en-US" dirty="0"/>
           </a:p>
@@ -1564,7 +1564,7 @@
             <a:fld id="{5586B75A-687E-405C-8A0B-8D00578BA2C3}" type="datetimeFigureOut">
               <a:rPr lang="en-US" dirty="0"/>
               <a:pPr/>
-              <a:t>4/25/2019</a:t>
+              <a:t>4/26/2019</a:t>
             </a:fld>
             <a:endParaRPr lang="en-US" dirty="0"/>
           </a:p>
@@ -1849,7 +1849,7 @@
             <a:fld id="{5586B75A-687E-405C-8A0B-8D00578BA2C3}" type="datetimeFigureOut">
               <a:rPr lang="en-US" dirty="0"/>
               <a:pPr/>
-              <a:t>4/25/2019</a:t>
+              <a:t>4/26/2019</a:t>
             </a:fld>
             <a:endParaRPr lang="en-US" dirty="0"/>
           </a:p>
@@ -2288,7 +2288,7 @@
             <a:fld id="{5586B75A-687E-405C-8A0B-8D00578BA2C3}" type="datetimeFigureOut">
               <a:rPr lang="en-US" dirty="0"/>
               <a:pPr/>
-              <a:t>4/25/2019</a:t>
+              <a:t>4/26/2019</a:t>
             </a:fld>
             <a:endParaRPr lang="en-US" dirty="0"/>
           </a:p>
@@ -2403,7 +2403,7 @@
             <a:fld id="{5586B75A-687E-405C-8A0B-8D00578BA2C3}" type="datetimeFigureOut">
               <a:rPr lang="en-US" dirty="0"/>
               <a:pPr/>
-              <a:t>4/25/2019</a:t>
+              <a:t>4/26/2019</a:t>
             </a:fld>
             <a:endParaRPr lang="en-US" dirty="0"/>
           </a:p>
@@ -2495,7 +2495,7 @@
             <a:fld id="{5586B75A-687E-405C-8A0B-8D00578BA2C3}" type="datetimeFigureOut">
               <a:rPr lang="en-US" dirty="0"/>
               <a:pPr/>
-              <a:t>4/25/2019</a:t>
+              <a:t>4/26/2019</a:t>
             </a:fld>
             <a:endParaRPr lang="en-US" dirty="0"/>
           </a:p>
@@ -2780,7 +2780,7 @@
             <a:fld id="{5586B75A-687E-405C-8A0B-8D00578BA2C3}" type="datetimeFigureOut">
               <a:rPr lang="en-US" dirty="0"/>
               <a:pPr/>
-              <a:t>4/25/2019</a:t>
+              <a:t>4/26/2019</a:t>
             </a:fld>
             <a:endParaRPr lang="en-US" dirty="0"/>
           </a:p>
@@ -3050,7 +3050,7 @@
             <a:fld id="{5586B75A-687E-405C-8A0B-8D00578BA2C3}" type="datetimeFigureOut">
               <a:rPr lang="en-US" dirty="0"/>
               <a:pPr/>
-              <a:t>4/25/2019</a:t>
+              <a:t>4/26/2019</a:t>
             </a:fld>
             <a:endParaRPr lang="en-US" dirty="0"/>
           </a:p>
@@ -3344,7 +3344,7 @@
             <a:fld id="{5586B75A-687E-405C-8A0B-8D00578BA2C3}" type="datetimeFigureOut">
               <a:rPr lang="en-US" dirty="0"/>
               <a:pPr/>
-              <a:t>4/25/2019</a:t>
+              <a:t>4/26/2019</a:t>
             </a:fld>
             <a:endParaRPr lang="en-US" dirty="0"/>
           </a:p>
@@ -6977,7 +6977,7 @@
                   <a:schemeClr val="bg1"/>
                 </a:solidFill>
               </a:rPr>
-              <a:t>liquid savings</a:t>
+              <a:t>liquid assets</a:t>
             </a:r>
             <a:r>
               <a:rPr lang="en-US" dirty="0">
@@ -7080,7 +7080,7 @@
         </p:spPr>
         <p:txBody>
           <a:bodyPr vert="horz" lIns="91440" tIns="45720" rIns="91440" bIns="45720" rtlCol="0" anchor="t">
-            <a:normAutofit fontScale="92500" lnSpcReduction="10000"/>
+            <a:normAutofit fontScale="92500"/>
           </a:bodyPr>
           <a:lstStyle>
             <a:lvl1pPr marL="182880" indent="-182880" algn="l" defTabSz="914400" rtl="0" eaLnBrk="1" latinLnBrk="0" hangingPunct="1">
@@ -7338,8 +7338,27 @@
                   </a:schemeClr>
                 </a:solidFill>
               </a:rPr>
-              <a:t>Concerns about expense coverage, achieving long term goals, and savings concerns were lower amongst millennials who reported higher levels of liquid savings</a:t>
-            </a:r>
+              <a:t>Concerns about expense coverage, achieving long term goals, and savings concerns were lower amongst millennials who reported higher levels of </a:t>
+            </a:r>
+            <a:r>
+              <a:rPr lang="en-US">
+                <a:solidFill>
+                  <a:schemeClr val="accent1">
+                    <a:lumMod val="20000"/>
+                    <a:lumOff val="80000"/>
+                  </a:schemeClr>
+                </a:solidFill>
+              </a:rPr>
+              <a:t>liquid assets</a:t>
+            </a:r>
+            <a:endParaRPr lang="en-US" dirty="0">
+              <a:solidFill>
+                <a:schemeClr val="accent1">
+                  <a:lumMod val="20000"/>
+                  <a:lumOff val="80000"/>
+                </a:schemeClr>
+              </a:solidFill>
+            </a:endParaRPr>
           </a:p>
         </p:txBody>
       </p:sp>
@@ -8501,7 +8520,7 @@
                   </a:schemeClr>
                 </a:solidFill>
               </a:rPr>
-              <a:t>People with a bachelor’s degree had more liquid savings than those without*, but they did not have more liquid savings than those with a masters or above.</a:t>
+              <a:t>People with a bachelor’s degree had more liquid assets than those without*, but they did not have more liquid savings than those with a masters or above.</a:t>
             </a:r>
           </a:p>
           <a:p>
@@ -8518,7 +8537,7 @@
                   </a:schemeClr>
                 </a:solidFill>
               </a:rPr>
-              <a:t>*However, are people with more liquid savings more easily able to obtain a bachelors?</a:t>
+              <a:t>*However, are people with more liquid assets more easily able to obtain a bachelors?</a:t>
             </a:r>
           </a:p>
         </p:txBody>
